--- a/PRPO Application.pptx
+++ b/PRPO Application.pptx
@@ -5,7 +5,7 @@
     <p:sldMasterId id="2147483648" r:id="rId1"/>
   </p:sldMasterIdLst>
   <p:notesMasterIdLst>
-    <p:notesMasterId r:id="rId16"/>
+    <p:notesMasterId r:id="rId15"/>
   </p:notesMasterIdLst>
   <p:sldIdLst>
     <p:sldId id="256" r:id="rId2"/>
@@ -13,15 +13,14 @@
     <p:sldId id="320" r:id="rId4"/>
     <p:sldId id="321" r:id="rId5"/>
     <p:sldId id="325" r:id="rId6"/>
-    <p:sldId id="322" r:id="rId7"/>
-    <p:sldId id="323" r:id="rId8"/>
-    <p:sldId id="324" r:id="rId9"/>
-    <p:sldId id="330" r:id="rId10"/>
-    <p:sldId id="326" r:id="rId11"/>
-    <p:sldId id="327" r:id="rId12"/>
-    <p:sldId id="328" r:id="rId13"/>
-    <p:sldId id="329" r:id="rId14"/>
-    <p:sldId id="268" r:id="rId15"/>
+    <p:sldId id="326" r:id="rId7"/>
+    <p:sldId id="327" r:id="rId8"/>
+    <p:sldId id="328" r:id="rId9"/>
+    <p:sldId id="329" r:id="rId10"/>
+    <p:sldId id="330" r:id="rId11"/>
+    <p:sldId id="331" r:id="rId12"/>
+    <p:sldId id="332" r:id="rId13"/>
+    <p:sldId id="268" r:id="rId14"/>
   </p:sldIdLst>
   <p:sldSz cx="12192000" cy="6858000"/>
   <p:notesSz cx="6858000" cy="9144000"/>
@@ -974,7 +973,7 @@
           <a:p>
             <a:fld id="{E8E5C941-9AAE-4319-88F7-4045A8ACC807}" type="datetimeFigureOut">
               <a:rPr lang="en-US" smtClean="0"/>
-              <a:t>8/28/2018</a:t>
+              <a:t>29/8/2018</a:t>
             </a:fld>
             <a:endParaRPr lang="en-US"/>
           </a:p>
@@ -1488,7 +1487,7 @@
           <a:p>
             <a:fld id="{044D2EC9-6EA4-4A04-9373-03F466F18622}" type="datetime1">
               <a:rPr lang="vi-VN" smtClean="0"/>
-              <a:t>28/08/2018</a:t>
+              <a:t>29/08/2018</a:t>
             </a:fld>
             <a:endParaRPr lang="vi-VN"/>
           </a:p>
@@ -1748,7 +1747,7 @@
           <a:p>
             <a:fld id="{E90C1C58-532B-4773-86D2-8FE388D5F4C9}" type="datetime1">
               <a:rPr lang="vi-VN" smtClean="0"/>
-              <a:t>28/08/2018</a:t>
+              <a:t>29/08/2018</a:t>
             </a:fld>
             <a:endParaRPr lang="vi-VN"/>
           </a:p>
@@ -2030,7 +2029,7 @@
           <a:p>
             <a:fld id="{7D3E4D30-A783-4492-9B03-8A7F1853B814}" type="datetime1">
               <a:rPr lang="vi-VN" smtClean="0"/>
-              <a:t>28/08/2018</a:t>
+              <a:t>29/08/2018</a:t>
             </a:fld>
             <a:endParaRPr lang="vi-VN"/>
           </a:p>
@@ -2248,7 +2247,7 @@
           <a:p>
             <a:fld id="{759A89A5-6516-4E50-8CF6-8D78EDF3DF91}" type="datetime1">
               <a:rPr lang="vi-VN" smtClean="0"/>
-              <a:t>28/08/2018</a:t>
+              <a:t>29/08/2018</a:t>
             </a:fld>
             <a:endParaRPr lang="vi-VN"/>
           </a:p>
@@ -2942,10 +2941,97 @@
       </p:sp>
       <p:sp>
         <p:nvSpPr>
-          <p:cNvPr id="8" name="TextBox 7">
+          <p:cNvPr id="4" name="Title 3"/>
+          <p:cNvSpPr>
+            <a:spLocks noGrp="1"/>
+          </p:cNvSpPr>
+          <p:nvPr>
+            <p:ph type="title"/>
+          </p:nvPr>
+        </p:nvSpPr>
+        <p:spPr>
+          <a:xfrm>
+            <a:off x="3215680" y="584684"/>
+            <a:ext cx="8366721" cy="501774"/>
+          </a:xfrm>
+        </p:spPr>
+        <p:txBody>
+          <a:bodyPr/>
+          <a:lstStyle/>
+          <a:p>
+            <a:r>
+              <a:rPr lang="en-US" b="1" dirty="0" err="1">
+                <a:latin typeface="Segoe UI" panose="020B0502040204020203" pitchFamily="34" charset="0"/>
+                <a:cs typeface="Segoe UI" panose="020B0502040204020203" pitchFamily="34" charset="0"/>
+              </a:rPr>
+              <a:t>Ứng</a:t>
+            </a:r>
+            <a:r>
+              <a:rPr lang="en-US" b="1" dirty="0">
+                <a:latin typeface="Segoe UI" panose="020B0502040204020203" pitchFamily="34" charset="0"/>
+                <a:cs typeface="Segoe UI" panose="020B0502040204020203" pitchFamily="34" charset="0"/>
+              </a:rPr>
+              <a:t> </a:t>
+            </a:r>
+            <a:r>
+              <a:rPr lang="en-US" b="1" dirty="0" err="1">
+                <a:latin typeface="Segoe UI" panose="020B0502040204020203" pitchFamily="34" charset="0"/>
+                <a:cs typeface="Segoe UI" panose="020B0502040204020203" pitchFamily="34" charset="0"/>
+              </a:rPr>
+              <a:t>dụng</a:t>
+            </a:r>
+            <a:r>
+              <a:rPr lang="en-US" b="1" dirty="0">
+                <a:latin typeface="Segoe UI" panose="020B0502040204020203" pitchFamily="34" charset="0"/>
+                <a:cs typeface="Segoe UI" panose="020B0502040204020203" pitchFamily="34" charset="0"/>
+              </a:rPr>
+              <a:t> </a:t>
+            </a:r>
+            <a:r>
+              <a:rPr lang="en-US" b="1" dirty="0" err="1">
+                <a:latin typeface="Segoe UI" panose="020B0502040204020203" pitchFamily="34" charset="0"/>
+                <a:cs typeface="Segoe UI" panose="020B0502040204020203" pitchFamily="34" charset="0"/>
+              </a:rPr>
+              <a:t>quản</a:t>
+            </a:r>
+            <a:r>
+              <a:rPr lang="en-US" b="1" dirty="0">
+                <a:latin typeface="Segoe UI" panose="020B0502040204020203" pitchFamily="34" charset="0"/>
+                <a:cs typeface="Segoe UI" panose="020B0502040204020203" pitchFamily="34" charset="0"/>
+              </a:rPr>
+              <a:t> </a:t>
+            </a:r>
+            <a:r>
+              <a:rPr lang="en-US" b="1" dirty="0" err="1">
+                <a:latin typeface="Segoe UI" panose="020B0502040204020203" pitchFamily="34" charset="0"/>
+                <a:cs typeface="Segoe UI" panose="020B0502040204020203" pitchFamily="34" charset="0"/>
+              </a:rPr>
+              <a:t>lý</a:t>
+            </a:r>
+            <a:r>
+              <a:rPr lang="en-US" b="1" dirty="0">
+                <a:latin typeface="Segoe UI" panose="020B0502040204020203" pitchFamily="34" charset="0"/>
+                <a:cs typeface="Segoe UI" panose="020B0502040204020203" pitchFamily="34" charset="0"/>
+              </a:rPr>
+              <a:t> PRPO </a:t>
+            </a:r>
+            <a:r>
+              <a:rPr lang="en-US" b="1" dirty="0" err="1">
+                <a:latin typeface="Segoe UI" panose="020B0502040204020203" pitchFamily="34" charset="0"/>
+                <a:cs typeface="Segoe UI" panose="020B0502040204020203" pitchFamily="34" charset="0"/>
+              </a:rPr>
+              <a:t>mới</a:t>
+            </a:r>
+            <a:endParaRPr lang="it-IT" b="1" dirty="0"/>
+          </a:p>
+        </p:txBody>
+      </p:sp>
+      <p:sp>
+        <p:nvSpPr>
+          <p:cNvPr id="5" name="TextBox 4">
             <a:extLst>
               <a:ext uri="{FF2B5EF4-FFF2-40B4-BE49-F238E27FC236}">
-                <a16:creationId xmlns:a16="http://schemas.microsoft.com/office/drawing/2014/main" id="{E27A6166-AA82-4C67-B105-B3AA0CC121FD}"/>
+                <a16:creationId xmlns:a16="http://schemas.microsoft.com/office/drawing/2014/main" id="{FB5BC7C6-B3A1-421B-BFBC-47D37CD04D71}"/>
               </a:ext>
             </a:extLst>
           </p:cNvPr>
@@ -2954,8 +3040,8 @@
         </p:nvSpPr>
         <p:spPr>
           <a:xfrm>
-            <a:off x="2927648" y="2828835"/>
-            <a:ext cx="6840334" cy="1200329"/>
+            <a:off x="5463193" y="833879"/>
+            <a:ext cx="1255472" cy="1200329"/>
           </a:xfrm>
           <a:prstGeom prst="rect">
             <a:avLst/>
@@ -2968,8 +3054,9 @@
           </a:bodyPr>
           <a:lstStyle/>
           <a:p>
-            <a:r>
-              <a:rPr lang="vi-VN" sz="7200">
+            <a:pPr algn="ctr"/>
+            <a:r>
+              <a:rPr lang="en-US" sz="7200" dirty="0">
                 <a:solidFill>
                   <a:schemeClr val="tx1">
                     <a:lumMod val="75000"/>
@@ -2986,15 +3073,1232 @@
                 <a:latin typeface="Segoe UI" panose="020B0502040204020203" pitchFamily="34" charset="0"/>
                 <a:cs typeface="Segoe UI" panose="020B0502040204020203" pitchFamily="34" charset="0"/>
               </a:rPr>
-              <a:t>MẪU THIẾT KẾ 2</a:t>
-            </a:r>
+              <a:t>PR</a:t>
+            </a:r>
+            <a:endParaRPr lang="vi-VN" sz="7200" dirty="0">
+              <a:solidFill>
+                <a:schemeClr val="tx1">
+                  <a:lumMod val="75000"/>
+                  <a:lumOff val="25000"/>
+                </a:schemeClr>
+              </a:solidFill>
+              <a:effectLst>
+                <a:outerShdw blurRad="38100" dist="38100" dir="2700000" algn="tl">
+                  <a:srgbClr val="000000">
+                    <a:alpha val="43137"/>
+                  </a:srgbClr>
+                </a:outerShdw>
+              </a:effectLst>
+              <a:latin typeface="Segoe UI" panose="020B0502040204020203" pitchFamily="34" charset="0"/>
+              <a:cs typeface="Segoe UI" panose="020B0502040204020203" pitchFamily="34" charset="0"/>
+            </a:endParaRPr>
+          </a:p>
+        </p:txBody>
+      </p:sp>
+      <p:sp>
+        <p:nvSpPr>
+          <p:cNvPr id="8" name="TextBox 7">
+            <a:extLst>
+              <a:ext uri="{FF2B5EF4-FFF2-40B4-BE49-F238E27FC236}">
+                <a16:creationId xmlns:a16="http://schemas.microsoft.com/office/drawing/2014/main" id="{D6CFD692-838B-466F-B8D2-F5670D4875BF}"/>
+              </a:ext>
+            </a:extLst>
+          </p:cNvPr>
+          <p:cNvSpPr txBox="1"/>
+          <p:nvPr/>
+        </p:nvSpPr>
+        <p:spPr>
+          <a:xfrm>
+            <a:off x="479376" y="2276872"/>
+            <a:ext cx="11712624" cy="2000548"/>
+          </a:xfrm>
+          <a:prstGeom prst="rect">
+            <a:avLst/>
+          </a:prstGeom>
+          <a:noFill/>
+        </p:spPr>
+        <p:txBody>
+          <a:bodyPr wrap="square" rtlCol="0">
+            <a:spAutoFit/>
+          </a:bodyPr>
+          <a:lstStyle/>
+          <a:p>
+            <a:r>
+              <a:rPr lang="en-US" sz="2400" b="1" dirty="0">
+                <a:solidFill>
+                  <a:srgbClr val="FF0000"/>
+                </a:solidFill>
+              </a:rPr>
+              <a:t>L</a:t>
+            </a:r>
+            <a:r>
+              <a:rPr lang="vi-VN" sz="2400" b="1" dirty="0">
+                <a:solidFill>
+                  <a:srgbClr val="FF0000"/>
+                </a:solidFill>
+              </a:rPr>
+              <a:t>Ư</a:t>
+            </a:r>
+            <a:r>
+              <a:rPr lang="en-US" sz="2400" b="1" dirty="0">
+                <a:solidFill>
+                  <a:srgbClr val="FF0000"/>
+                </a:solidFill>
+              </a:rPr>
+              <a:t>U Ý:</a:t>
+            </a:r>
+            <a:endParaRPr lang="vi-VN" sz="2400" b="1" dirty="0">
+              <a:solidFill>
+                <a:srgbClr val="FF0000"/>
+              </a:solidFill>
+            </a:endParaRPr>
+          </a:p>
+          <a:p>
+            <a:pPr marL="285750" indent="-285750">
+              <a:buFontTx/>
+              <a:buChar char="-"/>
+            </a:pPr>
+            <a:r>
+              <a:rPr lang="en-US" sz="2000" dirty="0">
+                <a:solidFill>
+                  <a:srgbClr val="FF0000"/>
+                </a:solidFill>
+                <a:latin typeface="Arial" panose="020B0604020202020204" pitchFamily="34" charset="0"/>
+                <a:cs typeface="Arial" panose="020B0604020202020204" pitchFamily="34" charset="0"/>
+              </a:rPr>
+              <a:t>PR </a:t>
+            </a:r>
+            <a:r>
+              <a:rPr lang="en-US" sz="2000" dirty="0" err="1">
+                <a:solidFill>
+                  <a:srgbClr val="FF0000"/>
+                </a:solidFill>
+                <a:latin typeface="Arial" panose="020B0604020202020204" pitchFamily="34" charset="0"/>
+                <a:cs typeface="Arial" panose="020B0604020202020204" pitchFamily="34" charset="0"/>
+              </a:rPr>
+              <a:t>của</a:t>
+            </a:r>
+            <a:r>
+              <a:rPr lang="en-US" sz="2000" dirty="0">
+                <a:solidFill>
+                  <a:srgbClr val="FF0000"/>
+                </a:solidFill>
+                <a:latin typeface="Arial" panose="020B0604020202020204" pitchFamily="34" charset="0"/>
+                <a:cs typeface="Arial" panose="020B0604020202020204" pitchFamily="34" charset="0"/>
+              </a:rPr>
+              <a:t> </a:t>
+            </a:r>
+            <a:r>
+              <a:rPr lang="en-US" sz="2000" dirty="0" err="1">
+                <a:solidFill>
+                  <a:srgbClr val="FF0000"/>
+                </a:solidFill>
+                <a:latin typeface="Arial" panose="020B0604020202020204" pitchFamily="34" charset="0"/>
+                <a:cs typeface="Arial" panose="020B0604020202020204" pitchFamily="34" charset="0"/>
+              </a:rPr>
+              <a:t>công</a:t>
+            </a:r>
+            <a:r>
+              <a:rPr lang="en-US" sz="2000" dirty="0">
+                <a:solidFill>
+                  <a:srgbClr val="FF0000"/>
+                </a:solidFill>
+                <a:latin typeface="Arial" panose="020B0604020202020204" pitchFamily="34" charset="0"/>
+                <a:cs typeface="Arial" panose="020B0604020202020204" pitchFamily="34" charset="0"/>
+              </a:rPr>
+              <a:t> ty </a:t>
+            </a:r>
+            <a:r>
+              <a:rPr lang="en-US" sz="2000" dirty="0" err="1">
+                <a:solidFill>
+                  <a:srgbClr val="FF0000"/>
+                </a:solidFill>
+                <a:latin typeface="Arial" panose="020B0604020202020204" pitchFamily="34" charset="0"/>
+                <a:cs typeface="Arial" panose="020B0604020202020204" pitchFamily="34" charset="0"/>
+              </a:rPr>
+              <a:t>thành</a:t>
+            </a:r>
+            <a:r>
+              <a:rPr lang="en-US" sz="2000" dirty="0">
+                <a:solidFill>
+                  <a:srgbClr val="FF0000"/>
+                </a:solidFill>
+                <a:latin typeface="Arial" panose="020B0604020202020204" pitchFamily="34" charset="0"/>
+                <a:cs typeface="Arial" panose="020B0604020202020204" pitchFamily="34" charset="0"/>
+              </a:rPr>
+              <a:t> </a:t>
+            </a:r>
+            <a:r>
+              <a:rPr lang="en-US" sz="2000" dirty="0" err="1">
+                <a:solidFill>
+                  <a:srgbClr val="FF0000"/>
+                </a:solidFill>
+                <a:latin typeface="Arial" panose="020B0604020202020204" pitchFamily="34" charset="0"/>
+                <a:cs typeface="Arial" panose="020B0604020202020204" pitchFamily="34" charset="0"/>
+              </a:rPr>
+              <a:t>viên</a:t>
+            </a:r>
+            <a:r>
+              <a:rPr lang="en-US" sz="2000" dirty="0">
+                <a:solidFill>
+                  <a:srgbClr val="FF0000"/>
+                </a:solidFill>
+                <a:latin typeface="Arial" panose="020B0604020202020204" pitchFamily="34" charset="0"/>
+                <a:cs typeface="Arial" panose="020B0604020202020204" pitchFamily="34" charset="0"/>
+              </a:rPr>
+              <a:t> </a:t>
+            </a:r>
+            <a:r>
+              <a:rPr lang="en-US" sz="2000" dirty="0" err="1">
+                <a:solidFill>
+                  <a:srgbClr val="FF0000"/>
+                </a:solidFill>
+                <a:latin typeface="Arial" panose="020B0604020202020204" pitchFamily="34" charset="0"/>
+                <a:cs typeface="Arial" panose="020B0604020202020204" pitchFamily="34" charset="0"/>
+              </a:rPr>
+              <a:t>nào</a:t>
+            </a:r>
+            <a:r>
+              <a:rPr lang="en-US" sz="2000" dirty="0">
+                <a:solidFill>
+                  <a:srgbClr val="FF0000"/>
+                </a:solidFill>
+                <a:latin typeface="Arial" panose="020B0604020202020204" pitchFamily="34" charset="0"/>
+                <a:cs typeface="Arial" panose="020B0604020202020204" pitchFamily="34" charset="0"/>
+              </a:rPr>
+              <a:t> </a:t>
+            </a:r>
+            <a:r>
+              <a:rPr lang="en-US" sz="2000" dirty="0" err="1">
+                <a:solidFill>
+                  <a:srgbClr val="FF0000"/>
+                </a:solidFill>
+                <a:latin typeface="Arial" panose="020B0604020202020204" pitchFamily="34" charset="0"/>
+                <a:cs typeface="Arial" panose="020B0604020202020204" pitchFamily="34" charset="0"/>
+              </a:rPr>
+              <a:t>thì</a:t>
+            </a:r>
+            <a:r>
+              <a:rPr lang="en-US" sz="2000" dirty="0">
+                <a:solidFill>
+                  <a:srgbClr val="FF0000"/>
+                </a:solidFill>
+                <a:latin typeface="Arial" panose="020B0604020202020204" pitchFamily="34" charset="0"/>
+                <a:cs typeface="Arial" panose="020B0604020202020204" pitchFamily="34" charset="0"/>
+              </a:rPr>
+              <a:t> </a:t>
+            </a:r>
+            <a:r>
+              <a:rPr lang="en-US" sz="2000" dirty="0" err="1">
+                <a:solidFill>
+                  <a:srgbClr val="FF0000"/>
+                </a:solidFill>
+                <a:latin typeface="Arial" panose="020B0604020202020204" pitchFamily="34" charset="0"/>
+                <a:cs typeface="Arial" panose="020B0604020202020204" pitchFamily="34" charset="0"/>
+              </a:rPr>
+              <a:t>công</a:t>
+            </a:r>
+            <a:r>
+              <a:rPr lang="en-US" sz="2000" dirty="0">
+                <a:solidFill>
+                  <a:srgbClr val="FF0000"/>
+                </a:solidFill>
+                <a:latin typeface="Arial" panose="020B0604020202020204" pitchFamily="34" charset="0"/>
+                <a:cs typeface="Arial" panose="020B0604020202020204" pitchFamily="34" charset="0"/>
+              </a:rPr>
+              <a:t> ty </a:t>
+            </a:r>
+            <a:r>
+              <a:rPr lang="en-US" sz="2000" dirty="0" err="1">
+                <a:solidFill>
+                  <a:srgbClr val="FF0000"/>
+                </a:solidFill>
+                <a:latin typeface="Arial" panose="020B0604020202020204" pitchFamily="34" charset="0"/>
+                <a:cs typeface="Arial" panose="020B0604020202020204" pitchFamily="34" charset="0"/>
+              </a:rPr>
+              <a:t>thành</a:t>
+            </a:r>
+            <a:r>
+              <a:rPr lang="en-US" sz="2000" dirty="0">
+                <a:solidFill>
+                  <a:srgbClr val="FF0000"/>
+                </a:solidFill>
+                <a:latin typeface="Arial" panose="020B0604020202020204" pitchFamily="34" charset="0"/>
+                <a:cs typeface="Arial" panose="020B0604020202020204" pitchFamily="34" charset="0"/>
+              </a:rPr>
+              <a:t> </a:t>
+            </a:r>
+            <a:r>
+              <a:rPr lang="en-US" sz="2000" dirty="0" err="1">
+                <a:solidFill>
+                  <a:srgbClr val="FF0000"/>
+                </a:solidFill>
+                <a:latin typeface="Arial" panose="020B0604020202020204" pitchFamily="34" charset="0"/>
+                <a:cs typeface="Arial" panose="020B0604020202020204" pitchFamily="34" charset="0"/>
+              </a:rPr>
+              <a:t>viên</a:t>
+            </a:r>
+            <a:r>
+              <a:rPr lang="en-US" sz="2000" dirty="0">
+                <a:solidFill>
+                  <a:srgbClr val="FF0000"/>
+                </a:solidFill>
+                <a:latin typeface="Arial" panose="020B0604020202020204" pitchFamily="34" charset="0"/>
+                <a:cs typeface="Arial" panose="020B0604020202020204" pitchFamily="34" charset="0"/>
+              </a:rPr>
+              <a:t> </a:t>
+            </a:r>
+            <a:r>
+              <a:rPr lang="en-US" sz="2000" dirty="0" err="1">
+                <a:solidFill>
+                  <a:srgbClr val="FF0000"/>
+                </a:solidFill>
+                <a:latin typeface="Arial" panose="020B0604020202020204" pitchFamily="34" charset="0"/>
+                <a:cs typeface="Arial" panose="020B0604020202020204" pitchFamily="34" charset="0"/>
+              </a:rPr>
+              <a:t>đó</a:t>
+            </a:r>
+            <a:r>
+              <a:rPr lang="en-US" sz="2000" dirty="0">
+                <a:solidFill>
+                  <a:srgbClr val="FF0000"/>
+                </a:solidFill>
+                <a:latin typeface="Arial" panose="020B0604020202020204" pitchFamily="34" charset="0"/>
+                <a:cs typeface="Arial" panose="020B0604020202020204" pitchFamily="34" charset="0"/>
+              </a:rPr>
+              <a:t> đ</a:t>
+            </a:r>
+            <a:r>
+              <a:rPr lang="vi-VN" sz="2000" dirty="0">
+                <a:solidFill>
+                  <a:srgbClr val="FF0000"/>
+                </a:solidFill>
+                <a:latin typeface="Arial" panose="020B0604020202020204" pitchFamily="34" charset="0"/>
+                <a:cs typeface="Arial" panose="020B0604020202020204" pitchFamily="34" charset="0"/>
+              </a:rPr>
+              <a:t>ư</a:t>
+            </a:r>
+            <a:r>
+              <a:rPr lang="en-US" sz="2000" dirty="0" err="1">
+                <a:solidFill>
+                  <a:srgbClr val="FF0000"/>
+                </a:solidFill>
+                <a:latin typeface="Arial" panose="020B0604020202020204" pitchFamily="34" charset="0"/>
+                <a:cs typeface="Arial" panose="020B0604020202020204" pitchFamily="34" charset="0"/>
+              </a:rPr>
+              <a:t>ợc</a:t>
+            </a:r>
+            <a:r>
+              <a:rPr lang="en-US" sz="2000" dirty="0">
+                <a:solidFill>
+                  <a:srgbClr val="FF0000"/>
+                </a:solidFill>
+                <a:latin typeface="Arial" panose="020B0604020202020204" pitchFamily="34" charset="0"/>
+                <a:cs typeface="Arial" panose="020B0604020202020204" pitchFamily="34" charset="0"/>
+              </a:rPr>
+              <a:t> </a:t>
+            </a:r>
+            <a:r>
+              <a:rPr lang="en-US" sz="2000" dirty="0" err="1">
+                <a:solidFill>
+                  <a:srgbClr val="FF0000"/>
+                </a:solidFill>
+                <a:latin typeface="Arial" panose="020B0604020202020204" pitchFamily="34" charset="0"/>
+                <a:cs typeface="Arial" panose="020B0604020202020204" pitchFamily="34" charset="0"/>
+              </a:rPr>
+              <a:t>hiển</a:t>
+            </a:r>
+            <a:r>
+              <a:rPr lang="en-US" sz="2000" dirty="0">
+                <a:solidFill>
+                  <a:srgbClr val="FF0000"/>
+                </a:solidFill>
+                <a:latin typeface="Arial" panose="020B0604020202020204" pitchFamily="34" charset="0"/>
+                <a:cs typeface="Arial" panose="020B0604020202020204" pitchFamily="34" charset="0"/>
+              </a:rPr>
+              <a:t> </a:t>
+            </a:r>
+            <a:r>
+              <a:rPr lang="en-US" sz="2000" dirty="0" err="1">
+                <a:solidFill>
+                  <a:srgbClr val="FF0000"/>
+                </a:solidFill>
+                <a:latin typeface="Arial" panose="020B0604020202020204" pitchFamily="34" charset="0"/>
+                <a:cs typeface="Arial" panose="020B0604020202020204" pitchFamily="34" charset="0"/>
+              </a:rPr>
+              <a:t>thị</a:t>
+            </a:r>
+            <a:r>
+              <a:rPr lang="vi-VN" sz="2000" dirty="0">
+                <a:solidFill>
+                  <a:srgbClr val="FF0000"/>
+                </a:solidFill>
+                <a:latin typeface="Arial" panose="020B0604020202020204" pitchFamily="34" charset="0"/>
+                <a:cs typeface="Arial" panose="020B0604020202020204" pitchFamily="34" charset="0"/>
+              </a:rPr>
+              <a:t>.</a:t>
+            </a:r>
+          </a:p>
+          <a:p>
+            <a:pPr marL="285750" indent="-285750">
+              <a:buFontTx/>
+              <a:buChar char="-"/>
+            </a:pPr>
+            <a:r>
+              <a:rPr lang="en-US" sz="2000" dirty="0" err="1">
+                <a:solidFill>
+                  <a:srgbClr val="FF0000"/>
+                </a:solidFill>
+                <a:latin typeface="Arial" panose="020B0604020202020204" pitchFamily="34" charset="0"/>
+                <a:cs typeface="Arial" panose="020B0604020202020204" pitchFamily="34" charset="0"/>
+              </a:rPr>
+              <a:t>Chỉ</a:t>
+            </a:r>
+            <a:r>
+              <a:rPr lang="en-US" sz="2000" dirty="0">
+                <a:solidFill>
+                  <a:srgbClr val="FF0000"/>
+                </a:solidFill>
+                <a:latin typeface="Arial" panose="020B0604020202020204" pitchFamily="34" charset="0"/>
+                <a:cs typeface="Arial" panose="020B0604020202020204" pitchFamily="34" charset="0"/>
+              </a:rPr>
+              <a:t> </a:t>
+            </a:r>
+            <a:r>
+              <a:rPr lang="en-US" sz="2000" dirty="0" err="1">
+                <a:solidFill>
+                  <a:srgbClr val="FF0000"/>
+                </a:solidFill>
+                <a:latin typeface="Arial" panose="020B0604020202020204" pitchFamily="34" charset="0"/>
+                <a:cs typeface="Arial" panose="020B0604020202020204" pitchFamily="34" charset="0"/>
+              </a:rPr>
+              <a:t>có</a:t>
+            </a:r>
+            <a:r>
+              <a:rPr lang="en-US" sz="2000" dirty="0">
+                <a:solidFill>
+                  <a:srgbClr val="FF0000"/>
+                </a:solidFill>
+                <a:latin typeface="Arial" panose="020B0604020202020204" pitchFamily="34" charset="0"/>
+                <a:cs typeface="Arial" panose="020B0604020202020204" pitchFamily="34" charset="0"/>
+              </a:rPr>
+              <a:t> ng</a:t>
+            </a:r>
+            <a:r>
+              <a:rPr lang="vi-VN" sz="2000" dirty="0">
+                <a:solidFill>
+                  <a:srgbClr val="FF0000"/>
+                </a:solidFill>
+                <a:latin typeface="Arial" panose="020B0604020202020204" pitchFamily="34" charset="0"/>
+                <a:cs typeface="Arial" panose="020B0604020202020204" pitchFamily="34" charset="0"/>
+              </a:rPr>
+              <a:t>ư</a:t>
+            </a:r>
+            <a:r>
+              <a:rPr lang="en-US" sz="2000" dirty="0" err="1">
+                <a:solidFill>
+                  <a:srgbClr val="FF0000"/>
+                </a:solidFill>
+                <a:latin typeface="Arial" panose="020B0604020202020204" pitchFamily="34" charset="0"/>
+                <a:cs typeface="Arial" panose="020B0604020202020204" pitchFamily="34" charset="0"/>
+              </a:rPr>
+              <a:t>ời</a:t>
+            </a:r>
+            <a:r>
+              <a:rPr lang="en-US" sz="2000" dirty="0">
+                <a:solidFill>
+                  <a:srgbClr val="FF0000"/>
+                </a:solidFill>
+                <a:latin typeface="Arial" panose="020B0604020202020204" pitchFamily="34" charset="0"/>
+                <a:cs typeface="Arial" panose="020B0604020202020204" pitchFamily="34" charset="0"/>
+              </a:rPr>
+              <a:t> </a:t>
+            </a:r>
+            <a:r>
+              <a:rPr lang="en-US" sz="2000" dirty="0" err="1">
+                <a:solidFill>
+                  <a:srgbClr val="FF0000"/>
+                </a:solidFill>
+                <a:latin typeface="Arial" panose="020B0604020202020204" pitchFamily="34" charset="0"/>
+                <a:cs typeface="Arial" panose="020B0604020202020204" pitchFamily="34" charset="0"/>
+              </a:rPr>
+              <a:t>tạo</a:t>
+            </a:r>
+            <a:r>
+              <a:rPr lang="en-US" sz="2000" dirty="0">
+                <a:solidFill>
+                  <a:srgbClr val="FF0000"/>
+                </a:solidFill>
+                <a:latin typeface="Arial" panose="020B0604020202020204" pitchFamily="34" charset="0"/>
+                <a:cs typeface="Arial" panose="020B0604020202020204" pitchFamily="34" charset="0"/>
+              </a:rPr>
+              <a:t> PR </a:t>
+            </a:r>
+            <a:r>
+              <a:rPr lang="en-US" sz="2000" dirty="0" err="1">
+                <a:solidFill>
+                  <a:srgbClr val="FF0000"/>
+                </a:solidFill>
+                <a:latin typeface="Arial" panose="020B0604020202020204" pitchFamily="34" charset="0"/>
+                <a:cs typeface="Arial" panose="020B0604020202020204" pitchFamily="34" charset="0"/>
+              </a:rPr>
+              <a:t>mới</a:t>
+            </a:r>
+            <a:r>
+              <a:rPr lang="en-US" sz="2000" dirty="0">
+                <a:solidFill>
+                  <a:srgbClr val="FF0000"/>
+                </a:solidFill>
+                <a:latin typeface="Arial" panose="020B0604020202020204" pitchFamily="34" charset="0"/>
+                <a:cs typeface="Arial" panose="020B0604020202020204" pitchFamily="34" charset="0"/>
+              </a:rPr>
+              <a:t> đ</a:t>
+            </a:r>
+            <a:r>
+              <a:rPr lang="vi-VN" sz="2000" dirty="0">
+                <a:solidFill>
+                  <a:srgbClr val="FF0000"/>
+                </a:solidFill>
+                <a:latin typeface="Arial" panose="020B0604020202020204" pitchFamily="34" charset="0"/>
+                <a:cs typeface="Arial" panose="020B0604020202020204" pitchFamily="34" charset="0"/>
+              </a:rPr>
+              <a:t>ư</a:t>
+            </a:r>
+            <a:r>
+              <a:rPr lang="en-US" sz="2000" dirty="0" err="1">
+                <a:solidFill>
+                  <a:srgbClr val="FF0000"/>
+                </a:solidFill>
+                <a:latin typeface="Arial" panose="020B0604020202020204" pitchFamily="34" charset="0"/>
+                <a:cs typeface="Arial" panose="020B0604020202020204" pitchFamily="34" charset="0"/>
+              </a:rPr>
+              <a:t>ợc</a:t>
+            </a:r>
+            <a:r>
+              <a:rPr lang="en-US" sz="2000" dirty="0">
+                <a:solidFill>
+                  <a:srgbClr val="FF0000"/>
+                </a:solidFill>
+                <a:latin typeface="Arial" panose="020B0604020202020204" pitchFamily="34" charset="0"/>
+                <a:cs typeface="Arial" panose="020B0604020202020204" pitchFamily="34" charset="0"/>
+              </a:rPr>
+              <a:t> </a:t>
+            </a:r>
+            <a:r>
+              <a:rPr lang="en-US" sz="2000" dirty="0" err="1">
+                <a:solidFill>
+                  <a:srgbClr val="FF0000"/>
+                </a:solidFill>
+                <a:latin typeface="Arial" panose="020B0604020202020204" pitchFamily="34" charset="0"/>
+                <a:cs typeface="Arial" panose="020B0604020202020204" pitchFamily="34" charset="0"/>
+              </a:rPr>
+              <a:t>phép</a:t>
+            </a:r>
+            <a:r>
+              <a:rPr lang="en-US" sz="2000" dirty="0">
+                <a:solidFill>
+                  <a:srgbClr val="FF0000"/>
+                </a:solidFill>
+                <a:latin typeface="Arial" panose="020B0604020202020204" pitchFamily="34" charset="0"/>
+                <a:cs typeface="Arial" panose="020B0604020202020204" pitchFamily="34" charset="0"/>
+              </a:rPr>
+              <a:t> </a:t>
+            </a:r>
+            <a:r>
+              <a:rPr lang="en-US" sz="2000" dirty="0" err="1">
+                <a:solidFill>
+                  <a:srgbClr val="FF0000"/>
+                </a:solidFill>
+                <a:latin typeface="Arial" panose="020B0604020202020204" pitchFamily="34" charset="0"/>
+                <a:cs typeface="Arial" panose="020B0604020202020204" pitchFamily="34" charset="0"/>
+              </a:rPr>
+              <a:t>chỉnh</a:t>
+            </a:r>
+            <a:r>
+              <a:rPr lang="en-US" sz="2000" dirty="0">
+                <a:solidFill>
+                  <a:srgbClr val="FF0000"/>
+                </a:solidFill>
+                <a:latin typeface="Arial" panose="020B0604020202020204" pitchFamily="34" charset="0"/>
+                <a:cs typeface="Arial" panose="020B0604020202020204" pitchFamily="34" charset="0"/>
+              </a:rPr>
+              <a:t> </a:t>
+            </a:r>
+            <a:r>
+              <a:rPr lang="en-US" sz="2000" dirty="0" err="1">
+                <a:solidFill>
+                  <a:srgbClr val="FF0000"/>
+                </a:solidFill>
+                <a:latin typeface="Arial" panose="020B0604020202020204" pitchFamily="34" charset="0"/>
+                <a:cs typeface="Arial" panose="020B0604020202020204" pitchFamily="34" charset="0"/>
+              </a:rPr>
+              <a:t>sửa</a:t>
+            </a:r>
+            <a:r>
+              <a:rPr lang="en-US" sz="2000" dirty="0">
+                <a:solidFill>
+                  <a:srgbClr val="FF0000"/>
+                </a:solidFill>
+                <a:latin typeface="Arial" panose="020B0604020202020204" pitchFamily="34" charset="0"/>
+                <a:cs typeface="Arial" panose="020B0604020202020204" pitchFamily="34" charset="0"/>
+              </a:rPr>
+              <a:t> hay </a:t>
+            </a:r>
+            <a:r>
+              <a:rPr lang="en-US" sz="2000" dirty="0" err="1">
+                <a:solidFill>
+                  <a:srgbClr val="FF0000"/>
+                </a:solidFill>
+                <a:latin typeface="Arial" panose="020B0604020202020204" pitchFamily="34" charset="0"/>
+                <a:cs typeface="Arial" panose="020B0604020202020204" pitchFamily="34" charset="0"/>
+              </a:rPr>
+              <a:t>xóa</a:t>
+            </a:r>
+            <a:r>
+              <a:rPr lang="en-US" sz="2000" dirty="0">
+                <a:solidFill>
+                  <a:srgbClr val="FF0000"/>
+                </a:solidFill>
+                <a:latin typeface="Arial" panose="020B0604020202020204" pitchFamily="34" charset="0"/>
+                <a:cs typeface="Arial" panose="020B0604020202020204" pitchFamily="34" charset="0"/>
+              </a:rPr>
+              <a:t> </a:t>
+            </a:r>
+            <a:r>
+              <a:rPr lang="en-US" sz="2000" dirty="0" err="1">
+                <a:solidFill>
+                  <a:srgbClr val="FF0000"/>
+                </a:solidFill>
+                <a:latin typeface="Arial" panose="020B0604020202020204" pitchFamily="34" charset="0"/>
+                <a:cs typeface="Arial" panose="020B0604020202020204" pitchFamily="34" charset="0"/>
+              </a:rPr>
+              <a:t>thông</a:t>
+            </a:r>
+            <a:r>
+              <a:rPr lang="en-US" sz="2000" dirty="0">
+                <a:solidFill>
+                  <a:srgbClr val="FF0000"/>
+                </a:solidFill>
+                <a:latin typeface="Arial" panose="020B0604020202020204" pitchFamily="34" charset="0"/>
+                <a:cs typeface="Arial" panose="020B0604020202020204" pitchFamily="34" charset="0"/>
+              </a:rPr>
+              <a:t> tin PR </a:t>
+            </a:r>
+            <a:r>
+              <a:rPr lang="en-US" sz="2000" dirty="0" err="1">
+                <a:solidFill>
+                  <a:srgbClr val="FF0000"/>
+                </a:solidFill>
+                <a:latin typeface="Arial" panose="020B0604020202020204" pitchFamily="34" charset="0"/>
+                <a:cs typeface="Arial" panose="020B0604020202020204" pitchFamily="34" charset="0"/>
+              </a:rPr>
+              <a:t>của</a:t>
+            </a:r>
+            <a:r>
+              <a:rPr lang="en-US" sz="2000" dirty="0">
+                <a:solidFill>
+                  <a:srgbClr val="FF0000"/>
+                </a:solidFill>
+                <a:latin typeface="Arial" panose="020B0604020202020204" pitchFamily="34" charset="0"/>
+                <a:cs typeface="Arial" panose="020B0604020202020204" pitchFamily="34" charset="0"/>
+              </a:rPr>
+              <a:t> </a:t>
+            </a:r>
+            <a:r>
+              <a:rPr lang="en-US" sz="2000" dirty="0" err="1">
+                <a:solidFill>
+                  <a:srgbClr val="FF0000"/>
+                </a:solidFill>
+                <a:latin typeface="Arial" panose="020B0604020202020204" pitchFamily="34" charset="0"/>
+                <a:cs typeface="Arial" panose="020B0604020202020204" pitchFamily="34" charset="0"/>
+              </a:rPr>
+              <a:t>mình</a:t>
+            </a:r>
+            <a:r>
+              <a:rPr lang="en-US" sz="2000" dirty="0">
+                <a:solidFill>
+                  <a:srgbClr val="FF0000"/>
+                </a:solidFill>
+                <a:latin typeface="Arial" panose="020B0604020202020204" pitchFamily="34" charset="0"/>
+                <a:cs typeface="Arial" panose="020B0604020202020204" pitchFamily="34" charset="0"/>
+              </a:rPr>
+              <a:t>.</a:t>
+            </a:r>
+          </a:p>
+          <a:p>
+            <a:pPr marL="285750" indent="-285750">
+              <a:buFontTx/>
+              <a:buChar char="-"/>
+            </a:pPr>
+            <a:r>
+              <a:rPr lang="en-US" sz="2000" dirty="0">
+                <a:solidFill>
+                  <a:srgbClr val="FF0000"/>
+                </a:solidFill>
+                <a:latin typeface="Arial" panose="020B0604020202020204" pitchFamily="34" charset="0"/>
+                <a:cs typeface="Arial" panose="020B0604020202020204" pitchFamily="34" charset="0"/>
+              </a:rPr>
+              <a:t>PR </a:t>
+            </a:r>
+            <a:r>
+              <a:rPr lang="en-US" sz="2000" dirty="0" err="1">
+                <a:solidFill>
+                  <a:srgbClr val="FF0000"/>
+                </a:solidFill>
+                <a:latin typeface="Arial" panose="020B0604020202020204" pitchFamily="34" charset="0"/>
+                <a:cs typeface="Arial" panose="020B0604020202020204" pitchFamily="34" charset="0"/>
+              </a:rPr>
+              <a:t>sẽ</a:t>
+            </a:r>
+            <a:r>
+              <a:rPr lang="en-US" sz="2000" dirty="0">
+                <a:solidFill>
+                  <a:srgbClr val="FF0000"/>
+                </a:solidFill>
+                <a:latin typeface="Arial" panose="020B0604020202020204" pitchFamily="34" charset="0"/>
+                <a:cs typeface="Arial" panose="020B0604020202020204" pitchFamily="34" charset="0"/>
+              </a:rPr>
+              <a:t> </a:t>
+            </a:r>
+            <a:r>
+              <a:rPr lang="en-US" sz="2000" dirty="0" err="1">
+                <a:solidFill>
+                  <a:srgbClr val="FF0000"/>
+                </a:solidFill>
+                <a:latin typeface="Arial" panose="020B0604020202020204" pitchFamily="34" charset="0"/>
+                <a:cs typeface="Arial" panose="020B0604020202020204" pitchFamily="34" charset="0"/>
+              </a:rPr>
+              <a:t>tự</a:t>
+            </a:r>
+            <a:r>
+              <a:rPr lang="en-US" sz="2000" dirty="0">
+                <a:solidFill>
+                  <a:srgbClr val="FF0000"/>
+                </a:solidFill>
+                <a:latin typeface="Arial" panose="020B0604020202020204" pitchFamily="34" charset="0"/>
+                <a:cs typeface="Arial" panose="020B0604020202020204" pitchFamily="34" charset="0"/>
+              </a:rPr>
+              <a:t> </a:t>
+            </a:r>
+            <a:r>
+              <a:rPr lang="en-US" sz="2000" dirty="0" err="1">
+                <a:solidFill>
+                  <a:srgbClr val="FF0000"/>
+                </a:solidFill>
+                <a:latin typeface="Arial" panose="020B0604020202020204" pitchFamily="34" charset="0"/>
+                <a:cs typeface="Arial" panose="020B0604020202020204" pitchFamily="34" charset="0"/>
+              </a:rPr>
+              <a:t>động</a:t>
+            </a:r>
+            <a:r>
+              <a:rPr lang="en-US" sz="2000" dirty="0">
+                <a:solidFill>
+                  <a:srgbClr val="FF0000"/>
+                </a:solidFill>
+                <a:latin typeface="Arial" panose="020B0604020202020204" pitchFamily="34" charset="0"/>
+                <a:cs typeface="Arial" panose="020B0604020202020204" pitchFamily="34" charset="0"/>
+              </a:rPr>
+              <a:t> </a:t>
+            </a:r>
+            <a:r>
+              <a:rPr lang="en-US" sz="2000" dirty="0" err="1">
+                <a:solidFill>
+                  <a:srgbClr val="FF0000"/>
+                </a:solidFill>
+                <a:latin typeface="Arial" panose="020B0604020202020204" pitchFamily="34" charset="0"/>
+                <a:cs typeface="Arial" panose="020B0604020202020204" pitchFamily="34" charset="0"/>
+              </a:rPr>
+              <a:t>đóng</a:t>
+            </a:r>
+            <a:r>
+              <a:rPr lang="en-US" sz="2000" dirty="0">
+                <a:solidFill>
+                  <a:srgbClr val="FF0000"/>
+                </a:solidFill>
+                <a:latin typeface="Arial" panose="020B0604020202020204" pitchFamily="34" charset="0"/>
+                <a:cs typeface="Arial" panose="020B0604020202020204" pitchFamily="34" charset="0"/>
+              </a:rPr>
+              <a:t> </a:t>
+            </a:r>
+            <a:r>
+              <a:rPr lang="en-US" sz="2000" dirty="0" err="1">
+                <a:solidFill>
+                  <a:srgbClr val="FF0000"/>
+                </a:solidFill>
+                <a:latin typeface="Arial" panose="020B0604020202020204" pitchFamily="34" charset="0"/>
+                <a:cs typeface="Arial" panose="020B0604020202020204" pitchFamily="34" charset="0"/>
+              </a:rPr>
+              <a:t>khi</a:t>
+            </a:r>
+            <a:r>
+              <a:rPr lang="en-US" sz="2000" dirty="0">
+                <a:solidFill>
+                  <a:srgbClr val="FF0000"/>
+                </a:solidFill>
+                <a:latin typeface="Arial" panose="020B0604020202020204" pitchFamily="34" charset="0"/>
+                <a:cs typeface="Arial" panose="020B0604020202020204" pitchFamily="34" charset="0"/>
+              </a:rPr>
+              <a:t> </a:t>
+            </a:r>
+            <a:r>
+              <a:rPr lang="en-US" sz="2000" dirty="0" err="1">
+                <a:solidFill>
+                  <a:srgbClr val="FF0000"/>
+                </a:solidFill>
+                <a:latin typeface="Arial" panose="020B0604020202020204" pitchFamily="34" charset="0"/>
+                <a:cs typeface="Arial" panose="020B0604020202020204" pitchFamily="34" charset="0"/>
+              </a:rPr>
+              <a:t>bộ</a:t>
+            </a:r>
+            <a:r>
+              <a:rPr lang="en-US" sz="2000" dirty="0">
+                <a:solidFill>
+                  <a:srgbClr val="FF0000"/>
+                </a:solidFill>
+                <a:latin typeface="Arial" panose="020B0604020202020204" pitchFamily="34" charset="0"/>
+                <a:cs typeface="Arial" panose="020B0604020202020204" pitchFamily="34" charset="0"/>
+              </a:rPr>
+              <a:t> </a:t>
+            </a:r>
+            <a:r>
+              <a:rPr lang="en-US" sz="2000" dirty="0" err="1">
+                <a:solidFill>
+                  <a:srgbClr val="FF0000"/>
+                </a:solidFill>
+                <a:latin typeface="Arial" panose="020B0604020202020204" pitchFamily="34" charset="0"/>
+                <a:cs typeface="Arial" panose="020B0604020202020204" pitchFamily="34" charset="0"/>
+              </a:rPr>
+              <a:t>phận</a:t>
+            </a:r>
+            <a:r>
+              <a:rPr lang="en-US" sz="2000" dirty="0">
+                <a:solidFill>
+                  <a:srgbClr val="FF0000"/>
+                </a:solidFill>
+                <a:latin typeface="Arial" panose="020B0604020202020204" pitchFamily="34" charset="0"/>
+                <a:cs typeface="Arial" panose="020B0604020202020204" pitchFamily="34" charset="0"/>
+              </a:rPr>
+              <a:t> </a:t>
+            </a:r>
+            <a:r>
+              <a:rPr lang="en-US" sz="2000" dirty="0" err="1">
+                <a:solidFill>
+                  <a:srgbClr val="FF0000"/>
+                </a:solidFill>
+                <a:latin typeface="Arial" panose="020B0604020202020204" pitchFamily="34" charset="0"/>
+                <a:cs typeface="Arial" panose="020B0604020202020204" pitchFamily="34" charset="0"/>
+              </a:rPr>
+              <a:t>kho</a:t>
+            </a:r>
+            <a:r>
+              <a:rPr lang="en-US" sz="2000" dirty="0">
+                <a:solidFill>
+                  <a:srgbClr val="FF0000"/>
+                </a:solidFill>
+                <a:latin typeface="Arial" panose="020B0604020202020204" pitchFamily="34" charset="0"/>
+                <a:cs typeface="Arial" panose="020B0604020202020204" pitchFamily="34" charset="0"/>
+              </a:rPr>
+              <a:t> </a:t>
+            </a:r>
+            <a:r>
+              <a:rPr lang="en-US" sz="2000" dirty="0" err="1">
+                <a:solidFill>
+                  <a:srgbClr val="FF0000"/>
+                </a:solidFill>
+                <a:latin typeface="Arial" panose="020B0604020202020204" pitchFamily="34" charset="0"/>
+                <a:cs typeface="Arial" panose="020B0604020202020204" pitchFamily="34" charset="0"/>
+              </a:rPr>
+              <a:t>đã</a:t>
+            </a:r>
+            <a:r>
+              <a:rPr lang="en-US" sz="2000" dirty="0">
+                <a:solidFill>
+                  <a:srgbClr val="FF0000"/>
+                </a:solidFill>
+                <a:latin typeface="Arial" panose="020B0604020202020204" pitchFamily="34" charset="0"/>
+                <a:cs typeface="Arial" panose="020B0604020202020204" pitchFamily="34" charset="0"/>
+              </a:rPr>
+              <a:t> </a:t>
+            </a:r>
+            <a:r>
+              <a:rPr lang="en-US" sz="2000" dirty="0" err="1">
+                <a:solidFill>
+                  <a:srgbClr val="FF0000"/>
+                </a:solidFill>
+                <a:latin typeface="Arial" panose="020B0604020202020204" pitchFamily="34" charset="0"/>
+                <a:cs typeface="Arial" panose="020B0604020202020204" pitchFamily="34" charset="0"/>
+              </a:rPr>
+              <a:t>nhập</a:t>
+            </a:r>
+            <a:r>
+              <a:rPr lang="en-US" sz="2000" dirty="0">
+                <a:solidFill>
+                  <a:srgbClr val="FF0000"/>
+                </a:solidFill>
+                <a:latin typeface="Arial" panose="020B0604020202020204" pitchFamily="34" charset="0"/>
+                <a:cs typeface="Arial" panose="020B0604020202020204" pitchFamily="34" charset="0"/>
+              </a:rPr>
+              <a:t> </a:t>
+            </a:r>
+            <a:r>
+              <a:rPr lang="en-US" sz="2000" dirty="0" err="1">
+                <a:solidFill>
+                  <a:srgbClr val="FF0000"/>
+                </a:solidFill>
+                <a:latin typeface="Arial" panose="020B0604020202020204" pitchFamily="34" charset="0"/>
+                <a:cs typeface="Arial" panose="020B0604020202020204" pitchFamily="34" charset="0"/>
+              </a:rPr>
+              <a:t>kho</a:t>
+            </a:r>
+            <a:r>
+              <a:rPr lang="en-US" sz="2000" dirty="0">
+                <a:solidFill>
+                  <a:srgbClr val="FF0000"/>
+                </a:solidFill>
+                <a:latin typeface="Arial" panose="020B0604020202020204" pitchFamily="34" charset="0"/>
+                <a:cs typeface="Arial" panose="020B0604020202020204" pitchFamily="34" charset="0"/>
+              </a:rPr>
+              <a:t> </a:t>
+            </a:r>
+            <a:r>
+              <a:rPr lang="en-US" sz="2000" dirty="0" err="1">
+                <a:solidFill>
+                  <a:srgbClr val="FF0000"/>
+                </a:solidFill>
+                <a:latin typeface="Arial" panose="020B0604020202020204" pitchFamily="34" charset="0"/>
+                <a:cs typeface="Arial" panose="020B0604020202020204" pitchFamily="34" charset="0"/>
+              </a:rPr>
+              <a:t>đủ</a:t>
+            </a:r>
+            <a:r>
+              <a:rPr lang="en-US" sz="2000" dirty="0">
+                <a:solidFill>
+                  <a:srgbClr val="FF0000"/>
+                </a:solidFill>
+                <a:latin typeface="Arial" panose="020B0604020202020204" pitchFamily="34" charset="0"/>
+                <a:cs typeface="Arial" panose="020B0604020202020204" pitchFamily="34" charset="0"/>
+              </a:rPr>
+              <a:t> </a:t>
+            </a:r>
+            <a:r>
+              <a:rPr lang="en-US" sz="2000" dirty="0" err="1">
+                <a:solidFill>
+                  <a:srgbClr val="FF0000"/>
+                </a:solidFill>
+                <a:latin typeface="Arial" panose="020B0604020202020204" pitchFamily="34" charset="0"/>
+                <a:cs typeface="Arial" panose="020B0604020202020204" pitchFamily="34" charset="0"/>
+              </a:rPr>
+              <a:t>số</a:t>
+            </a:r>
+            <a:r>
+              <a:rPr lang="en-US" sz="2000" dirty="0">
+                <a:solidFill>
+                  <a:srgbClr val="FF0000"/>
+                </a:solidFill>
+                <a:latin typeface="Arial" panose="020B0604020202020204" pitchFamily="34" charset="0"/>
+                <a:cs typeface="Arial" panose="020B0604020202020204" pitchFamily="34" charset="0"/>
+              </a:rPr>
+              <a:t> l</a:t>
+            </a:r>
+            <a:r>
+              <a:rPr lang="vi-VN" sz="2000" dirty="0">
+                <a:solidFill>
+                  <a:srgbClr val="FF0000"/>
+                </a:solidFill>
+                <a:latin typeface="Arial" panose="020B0604020202020204" pitchFamily="34" charset="0"/>
+                <a:cs typeface="Arial" panose="020B0604020202020204" pitchFamily="34" charset="0"/>
+              </a:rPr>
+              <a:t>ư</a:t>
+            </a:r>
+            <a:r>
+              <a:rPr lang="en-US" sz="2000" dirty="0" err="1">
+                <a:solidFill>
+                  <a:srgbClr val="FF0000"/>
+                </a:solidFill>
+                <a:latin typeface="Arial" panose="020B0604020202020204" pitchFamily="34" charset="0"/>
+                <a:cs typeface="Arial" panose="020B0604020202020204" pitchFamily="34" charset="0"/>
+              </a:rPr>
+              <a:t>ợng</a:t>
+            </a:r>
+            <a:r>
+              <a:rPr lang="en-US" sz="2000" dirty="0">
+                <a:solidFill>
+                  <a:srgbClr val="FF0000"/>
+                </a:solidFill>
+                <a:latin typeface="Arial" panose="020B0604020202020204" pitchFamily="34" charset="0"/>
+                <a:cs typeface="Arial" panose="020B0604020202020204" pitchFamily="34" charset="0"/>
+              </a:rPr>
+              <a:t>.</a:t>
+            </a:r>
+          </a:p>
+          <a:p>
+            <a:pPr marL="285750" indent="-285750">
+              <a:buFontTx/>
+              <a:buChar char="-"/>
+            </a:pPr>
+            <a:r>
+              <a:rPr lang="en-US" sz="2000" dirty="0" err="1">
+                <a:solidFill>
+                  <a:srgbClr val="FF0000"/>
+                </a:solidFill>
+                <a:latin typeface="Arial" panose="020B0604020202020204" pitchFamily="34" charset="0"/>
+                <a:cs typeface="Arial" panose="020B0604020202020204" pitchFamily="34" charset="0"/>
+              </a:rPr>
+              <a:t>Phòng</a:t>
+            </a:r>
+            <a:r>
+              <a:rPr lang="en-US" sz="2000" dirty="0">
+                <a:solidFill>
+                  <a:srgbClr val="FF0000"/>
+                </a:solidFill>
+                <a:latin typeface="Arial" panose="020B0604020202020204" pitchFamily="34" charset="0"/>
+                <a:cs typeface="Arial" panose="020B0604020202020204" pitchFamily="34" charset="0"/>
+              </a:rPr>
+              <a:t> </a:t>
+            </a:r>
+            <a:r>
+              <a:rPr lang="en-US" sz="2000" dirty="0" err="1">
+                <a:solidFill>
+                  <a:srgbClr val="FF0000"/>
+                </a:solidFill>
+                <a:latin typeface="Arial" panose="020B0604020202020204" pitchFamily="34" charset="0"/>
+                <a:cs typeface="Arial" panose="020B0604020202020204" pitchFamily="34" charset="0"/>
+              </a:rPr>
+              <a:t>mua</a:t>
+            </a:r>
+            <a:r>
+              <a:rPr lang="en-US" sz="2000" dirty="0">
+                <a:solidFill>
+                  <a:srgbClr val="FF0000"/>
+                </a:solidFill>
+                <a:latin typeface="Arial" panose="020B0604020202020204" pitchFamily="34" charset="0"/>
+                <a:cs typeface="Arial" panose="020B0604020202020204" pitchFamily="34" charset="0"/>
+              </a:rPr>
+              <a:t> </a:t>
+            </a:r>
+            <a:r>
+              <a:rPr lang="en-US" sz="2000" dirty="0" err="1">
+                <a:solidFill>
+                  <a:srgbClr val="FF0000"/>
+                </a:solidFill>
+                <a:latin typeface="Arial" panose="020B0604020202020204" pitchFamily="34" charset="0"/>
+                <a:cs typeface="Arial" panose="020B0604020202020204" pitchFamily="34" charset="0"/>
+              </a:rPr>
+              <a:t>hàng</a:t>
+            </a:r>
+            <a:r>
+              <a:rPr lang="en-US" sz="2000" dirty="0">
+                <a:solidFill>
+                  <a:srgbClr val="FF0000"/>
+                </a:solidFill>
+                <a:latin typeface="Arial" panose="020B0604020202020204" pitchFamily="34" charset="0"/>
+                <a:cs typeface="Arial" panose="020B0604020202020204" pitchFamily="34" charset="0"/>
+              </a:rPr>
+              <a:t> </a:t>
+            </a:r>
+            <a:r>
+              <a:rPr lang="en-US" sz="2000" dirty="0" err="1">
+                <a:solidFill>
+                  <a:srgbClr val="FF0000"/>
+                </a:solidFill>
+                <a:latin typeface="Arial" panose="020B0604020202020204" pitchFamily="34" charset="0"/>
+                <a:cs typeface="Arial" panose="020B0604020202020204" pitchFamily="34" charset="0"/>
+              </a:rPr>
+              <a:t>sẽ</a:t>
+            </a:r>
+            <a:r>
+              <a:rPr lang="en-US" sz="2000" dirty="0">
+                <a:solidFill>
+                  <a:srgbClr val="FF0000"/>
+                </a:solidFill>
+                <a:latin typeface="Arial" panose="020B0604020202020204" pitchFamily="34" charset="0"/>
+                <a:cs typeface="Arial" panose="020B0604020202020204" pitchFamily="34" charset="0"/>
+              </a:rPr>
+              <a:t> </a:t>
+            </a:r>
+            <a:r>
+              <a:rPr lang="en-US" sz="2000" dirty="0" err="1">
+                <a:solidFill>
+                  <a:srgbClr val="FF0000"/>
+                </a:solidFill>
+                <a:latin typeface="Arial" panose="020B0604020202020204" pitchFamily="34" charset="0"/>
+                <a:cs typeface="Arial" panose="020B0604020202020204" pitchFamily="34" charset="0"/>
+              </a:rPr>
+              <a:t>thấy</a:t>
+            </a:r>
+            <a:r>
+              <a:rPr lang="en-US" sz="2000" dirty="0">
+                <a:solidFill>
+                  <a:srgbClr val="FF0000"/>
+                </a:solidFill>
+                <a:latin typeface="Arial" panose="020B0604020202020204" pitchFamily="34" charset="0"/>
+                <a:cs typeface="Arial" panose="020B0604020202020204" pitchFamily="34" charset="0"/>
+              </a:rPr>
+              <a:t> </a:t>
+            </a:r>
+            <a:r>
+              <a:rPr lang="en-US" sz="2000" dirty="0" err="1">
+                <a:solidFill>
+                  <a:srgbClr val="FF0000"/>
+                </a:solidFill>
+                <a:latin typeface="Arial" panose="020B0604020202020204" pitchFamily="34" charset="0"/>
+                <a:cs typeface="Arial" panose="020B0604020202020204" pitchFamily="34" charset="0"/>
+              </a:rPr>
+              <a:t>toàn</a:t>
+            </a:r>
+            <a:r>
+              <a:rPr lang="en-US" sz="2000" dirty="0">
+                <a:solidFill>
+                  <a:srgbClr val="FF0000"/>
+                </a:solidFill>
+                <a:latin typeface="Arial" panose="020B0604020202020204" pitchFamily="34" charset="0"/>
+                <a:cs typeface="Arial" panose="020B0604020202020204" pitchFamily="34" charset="0"/>
+              </a:rPr>
+              <a:t> </a:t>
+            </a:r>
+            <a:r>
+              <a:rPr lang="en-US" sz="2000" dirty="0" err="1">
+                <a:solidFill>
+                  <a:srgbClr val="FF0000"/>
+                </a:solidFill>
+                <a:latin typeface="Arial" panose="020B0604020202020204" pitchFamily="34" charset="0"/>
+                <a:cs typeface="Arial" panose="020B0604020202020204" pitchFamily="34" charset="0"/>
+              </a:rPr>
+              <a:t>bộ</a:t>
+            </a:r>
+            <a:r>
+              <a:rPr lang="en-US" sz="2000" dirty="0">
+                <a:solidFill>
+                  <a:srgbClr val="FF0000"/>
+                </a:solidFill>
+                <a:latin typeface="Arial" panose="020B0604020202020204" pitchFamily="34" charset="0"/>
+                <a:cs typeface="Arial" panose="020B0604020202020204" pitchFamily="34" charset="0"/>
+              </a:rPr>
+              <a:t> PR </a:t>
+            </a:r>
+            <a:r>
+              <a:rPr lang="en-US" sz="2000" dirty="0" err="1">
+                <a:solidFill>
+                  <a:srgbClr val="FF0000"/>
+                </a:solidFill>
+                <a:latin typeface="Arial" panose="020B0604020202020204" pitchFamily="34" charset="0"/>
+                <a:cs typeface="Arial" panose="020B0604020202020204" pitchFamily="34" charset="0"/>
+              </a:rPr>
+              <a:t>của</a:t>
+            </a:r>
+            <a:r>
+              <a:rPr lang="en-US" sz="2000" dirty="0">
+                <a:solidFill>
+                  <a:srgbClr val="FF0000"/>
+                </a:solidFill>
+                <a:latin typeface="Arial" panose="020B0604020202020204" pitchFamily="34" charset="0"/>
+                <a:cs typeface="Arial" panose="020B0604020202020204" pitchFamily="34" charset="0"/>
+              </a:rPr>
+              <a:t> </a:t>
+            </a:r>
+            <a:r>
+              <a:rPr lang="en-US" sz="2000" dirty="0" err="1">
+                <a:solidFill>
+                  <a:srgbClr val="FF0000"/>
+                </a:solidFill>
+                <a:latin typeface="Arial" panose="020B0604020202020204" pitchFamily="34" charset="0"/>
+                <a:cs typeface="Arial" panose="020B0604020202020204" pitchFamily="34" charset="0"/>
+              </a:rPr>
+              <a:t>các</a:t>
+            </a:r>
+            <a:r>
+              <a:rPr lang="en-US" sz="2000" dirty="0">
+                <a:solidFill>
+                  <a:srgbClr val="FF0000"/>
+                </a:solidFill>
+                <a:latin typeface="Arial" panose="020B0604020202020204" pitchFamily="34" charset="0"/>
+                <a:cs typeface="Arial" panose="020B0604020202020204" pitchFamily="34" charset="0"/>
+              </a:rPr>
+              <a:t> </a:t>
+            </a:r>
+            <a:r>
+              <a:rPr lang="en-US" sz="2000" dirty="0" err="1">
+                <a:solidFill>
+                  <a:srgbClr val="FF0000"/>
+                </a:solidFill>
+                <a:latin typeface="Arial" panose="020B0604020202020204" pitchFamily="34" charset="0"/>
+                <a:cs typeface="Arial" panose="020B0604020202020204" pitchFamily="34" charset="0"/>
+              </a:rPr>
+              <a:t>công</a:t>
+            </a:r>
+            <a:r>
+              <a:rPr lang="en-US" sz="2000" dirty="0">
+                <a:solidFill>
+                  <a:srgbClr val="FF0000"/>
+                </a:solidFill>
+                <a:latin typeface="Arial" panose="020B0604020202020204" pitchFamily="34" charset="0"/>
+                <a:cs typeface="Arial" panose="020B0604020202020204" pitchFamily="34" charset="0"/>
+              </a:rPr>
+              <a:t> ty </a:t>
+            </a:r>
+            <a:r>
+              <a:rPr lang="en-US" sz="2000" dirty="0" err="1">
+                <a:solidFill>
+                  <a:srgbClr val="FF0000"/>
+                </a:solidFill>
+                <a:latin typeface="Arial" panose="020B0604020202020204" pitchFamily="34" charset="0"/>
+                <a:cs typeface="Arial" panose="020B0604020202020204" pitchFamily="34" charset="0"/>
+              </a:rPr>
+              <a:t>thành</a:t>
+            </a:r>
+            <a:r>
+              <a:rPr lang="en-US" sz="2000" dirty="0">
+                <a:solidFill>
+                  <a:srgbClr val="FF0000"/>
+                </a:solidFill>
+                <a:latin typeface="Arial" panose="020B0604020202020204" pitchFamily="34" charset="0"/>
+                <a:cs typeface="Arial" panose="020B0604020202020204" pitchFamily="34" charset="0"/>
+              </a:rPr>
+              <a:t> </a:t>
+            </a:r>
+            <a:r>
+              <a:rPr lang="en-US" sz="2000" dirty="0" err="1">
+                <a:solidFill>
+                  <a:srgbClr val="FF0000"/>
+                </a:solidFill>
+                <a:latin typeface="Arial" panose="020B0604020202020204" pitchFamily="34" charset="0"/>
+                <a:cs typeface="Arial" panose="020B0604020202020204" pitchFamily="34" charset="0"/>
+              </a:rPr>
+              <a:t>viên</a:t>
+            </a:r>
+            <a:r>
+              <a:rPr lang="en-US" sz="2000" dirty="0">
+                <a:solidFill>
+                  <a:srgbClr val="FF0000"/>
+                </a:solidFill>
+                <a:latin typeface="Arial" panose="020B0604020202020204" pitchFamily="34" charset="0"/>
+                <a:cs typeface="Arial" panose="020B0604020202020204" pitchFamily="34" charset="0"/>
+              </a:rPr>
+              <a:t>.</a:t>
+            </a:r>
+            <a:endParaRPr lang="vi-VN" sz="2000" dirty="0">
+              <a:solidFill>
+                <a:srgbClr val="FF0000"/>
+              </a:solidFill>
+              <a:latin typeface="Arial" panose="020B0604020202020204" pitchFamily="34" charset="0"/>
+              <a:cs typeface="Arial" panose="020B0604020202020204" pitchFamily="34" charset="0"/>
+            </a:endParaRPr>
+          </a:p>
+          <a:p>
+            <a:endParaRPr lang="vi-VN" sz="2000" dirty="0">
+              <a:solidFill>
+                <a:srgbClr val="FF0000"/>
+              </a:solidFill>
+              <a:latin typeface="Arial" panose="020B0604020202020204" pitchFamily="34" charset="0"/>
+              <a:cs typeface="Arial" panose="020B0604020202020204" pitchFamily="34" charset="0"/>
+            </a:endParaRPr>
           </a:p>
         </p:txBody>
       </p:sp>
     </p:spTree>
     <p:extLst>
       <p:ext uri="{BB962C8B-B14F-4D97-AF65-F5344CB8AC3E}">
-        <p14:creationId xmlns:p14="http://schemas.microsoft.com/office/powerpoint/2010/main" val="1820511264"/>
+        <p14:creationId xmlns:p14="http://schemas.microsoft.com/office/powerpoint/2010/main" val="2857417931"/>
       </p:ext>
     </p:extLst>
   </p:cSld>
@@ -3073,36 +4377,147 @@
           <a:lstStyle/>
           <a:p>
             <a:r>
-              <a:rPr lang="en-US" b="1">
+              <a:rPr lang="en-US" b="1" dirty="0" err="1">
                 <a:latin typeface="Segoe UI" panose="020B0502040204020203" pitchFamily="34" charset="0"/>
                 <a:cs typeface="Segoe UI" panose="020B0502040204020203" pitchFamily="34" charset="0"/>
               </a:rPr>
-              <a:t>Trang cổng thông tin t</a:t>
-            </a:r>
-            <a:r>
-              <a:rPr lang="vi-VN" b="1">
+              <a:t>Ứng</a:t>
+            </a:r>
+            <a:r>
+              <a:rPr lang="en-US" b="1" dirty="0">
                 <a:latin typeface="Segoe UI" panose="020B0502040204020203" pitchFamily="34" charset="0"/>
                 <a:cs typeface="Segoe UI" panose="020B0502040204020203" pitchFamily="34" charset="0"/>
               </a:rPr>
-              <a:t>ư</a:t>
-            </a:r>
-            <a:r>
-              <a:rPr lang="en-US" b="1">
+              <a:t> </a:t>
+            </a:r>
+            <a:r>
+              <a:rPr lang="en-US" b="1" dirty="0" err="1">
                 <a:latin typeface="Segoe UI" panose="020B0502040204020203" pitchFamily="34" charset="0"/>
                 <a:cs typeface="Segoe UI" panose="020B0502040204020203" pitchFamily="34" charset="0"/>
               </a:rPr>
-              <a:t>ơng lai (Sharepoint 365)</a:t>
-            </a:r>
-            <a:endParaRPr lang="it-IT" b="1"/>
+              <a:t>dụng</a:t>
+            </a:r>
+            <a:r>
+              <a:rPr lang="en-US" b="1" dirty="0">
+                <a:latin typeface="Segoe UI" panose="020B0502040204020203" pitchFamily="34" charset="0"/>
+                <a:cs typeface="Segoe UI" panose="020B0502040204020203" pitchFamily="34" charset="0"/>
+              </a:rPr>
+              <a:t> </a:t>
+            </a:r>
+            <a:r>
+              <a:rPr lang="en-US" b="1" dirty="0" err="1">
+                <a:latin typeface="Segoe UI" panose="020B0502040204020203" pitchFamily="34" charset="0"/>
+                <a:cs typeface="Segoe UI" panose="020B0502040204020203" pitchFamily="34" charset="0"/>
+              </a:rPr>
+              <a:t>quản</a:t>
+            </a:r>
+            <a:r>
+              <a:rPr lang="en-US" b="1" dirty="0">
+                <a:latin typeface="Segoe UI" panose="020B0502040204020203" pitchFamily="34" charset="0"/>
+                <a:cs typeface="Segoe UI" panose="020B0502040204020203" pitchFamily="34" charset="0"/>
+              </a:rPr>
+              <a:t> </a:t>
+            </a:r>
+            <a:r>
+              <a:rPr lang="en-US" b="1" dirty="0" err="1">
+                <a:latin typeface="Segoe UI" panose="020B0502040204020203" pitchFamily="34" charset="0"/>
+                <a:cs typeface="Segoe UI" panose="020B0502040204020203" pitchFamily="34" charset="0"/>
+              </a:rPr>
+              <a:t>lý</a:t>
+            </a:r>
+            <a:r>
+              <a:rPr lang="en-US" b="1" dirty="0">
+                <a:latin typeface="Segoe UI" panose="020B0502040204020203" pitchFamily="34" charset="0"/>
+                <a:cs typeface="Segoe UI" panose="020B0502040204020203" pitchFamily="34" charset="0"/>
+              </a:rPr>
+              <a:t> PRPO </a:t>
+            </a:r>
+            <a:r>
+              <a:rPr lang="en-US" b="1" dirty="0" err="1">
+                <a:latin typeface="Segoe UI" panose="020B0502040204020203" pitchFamily="34" charset="0"/>
+                <a:cs typeface="Segoe UI" panose="020B0502040204020203" pitchFamily="34" charset="0"/>
+              </a:rPr>
+              <a:t>mới</a:t>
+            </a:r>
+            <a:endParaRPr lang="it-IT" b="1" dirty="0"/>
+          </a:p>
+        </p:txBody>
+      </p:sp>
+      <p:sp>
+        <p:nvSpPr>
+          <p:cNvPr id="5" name="TextBox 4">
+            <a:extLst>
+              <a:ext uri="{FF2B5EF4-FFF2-40B4-BE49-F238E27FC236}">
+                <a16:creationId xmlns:a16="http://schemas.microsoft.com/office/drawing/2014/main" id="{FB5BC7C6-B3A1-421B-BFBC-47D37CD04D71}"/>
+              </a:ext>
+            </a:extLst>
+          </p:cNvPr>
+          <p:cNvSpPr txBox="1"/>
+          <p:nvPr/>
+        </p:nvSpPr>
+        <p:spPr>
+          <a:xfrm>
+            <a:off x="5391859" y="833879"/>
+            <a:ext cx="1398140" cy="1200329"/>
+          </a:xfrm>
+          <a:prstGeom prst="rect">
+            <a:avLst/>
+          </a:prstGeom>
+          <a:noFill/>
+        </p:spPr>
+        <p:txBody>
+          <a:bodyPr wrap="none" rtlCol="0">
+            <a:spAutoFit/>
+          </a:bodyPr>
+          <a:lstStyle/>
+          <a:p>
+            <a:pPr algn="ctr"/>
+            <a:r>
+              <a:rPr lang="en-US" sz="7200" dirty="0">
+                <a:solidFill>
+                  <a:schemeClr val="tx1">
+                    <a:lumMod val="75000"/>
+                    <a:lumOff val="25000"/>
+                  </a:schemeClr>
+                </a:solidFill>
+                <a:effectLst>
+                  <a:outerShdw blurRad="38100" dist="38100" dir="2700000" algn="tl">
+                    <a:srgbClr val="000000">
+                      <a:alpha val="43137"/>
+                    </a:srgbClr>
+                  </a:outerShdw>
+                </a:effectLst>
+                <a:latin typeface="Segoe UI" panose="020B0502040204020203" pitchFamily="34" charset="0"/>
+                <a:cs typeface="Segoe UI" panose="020B0502040204020203" pitchFamily="34" charset="0"/>
+              </a:rPr>
+              <a:t>PO</a:t>
+            </a:r>
+            <a:endParaRPr lang="vi-VN" sz="7200" dirty="0">
+              <a:solidFill>
+                <a:schemeClr val="tx1">
+                  <a:lumMod val="75000"/>
+                  <a:lumOff val="25000"/>
+                </a:schemeClr>
+              </a:solidFill>
+              <a:effectLst>
+                <a:outerShdw blurRad="38100" dist="38100" dir="2700000" algn="tl">
+                  <a:srgbClr val="000000">
+                    <a:alpha val="43137"/>
+                  </a:srgbClr>
+                </a:outerShdw>
+              </a:effectLst>
+              <a:latin typeface="Segoe UI" panose="020B0502040204020203" pitchFamily="34" charset="0"/>
+              <a:cs typeface="Segoe UI" panose="020B0502040204020203" pitchFamily="34" charset="0"/>
+            </a:endParaRPr>
           </a:p>
         </p:txBody>
       </p:sp>
       <p:pic>
         <p:nvPicPr>
-          <p:cNvPr id="8" name="Picture 7">
+          <p:cNvPr id="6" name="Picture 5">
             <a:extLst>
               <a:ext uri="{FF2B5EF4-FFF2-40B4-BE49-F238E27FC236}">
-                <a16:creationId xmlns:a16="http://schemas.microsoft.com/office/drawing/2014/main" id="{5A34C44B-90D8-4962-A403-12B569BC7AF2}"/>
+                <a16:creationId xmlns:a16="http://schemas.microsoft.com/office/drawing/2014/main" id="{09C72362-356A-43DE-9A55-F375A07D2572}"/>
               </a:ext>
             </a:extLst>
           </p:cNvPr>
@@ -3112,25 +4527,595 @@
           <p:nvPr/>
         </p:nvPicPr>
         <p:blipFill>
-          <a:blip r:embed="rId2"/>
+          <a:blip r:embed="rId2">
+            <a:extLst>
+              <a:ext uri="{28A0092B-C50C-407E-A947-70E740481C1C}">
+                <a14:useLocalDpi xmlns:a14="http://schemas.microsoft.com/office/drawing/2010/main" val="0"/>
+              </a:ext>
+            </a:extLst>
+          </a:blip>
           <a:stretch>
             <a:fillRect/>
           </a:stretch>
         </p:blipFill>
         <p:spPr>
           <a:xfrm>
-            <a:off x="2073690" y="1196752"/>
-            <a:ext cx="8044619" cy="5574670"/>
+            <a:off x="711138" y="1972839"/>
+            <a:ext cx="10848528" cy="4657441"/>
           </a:xfrm>
           <a:prstGeom prst="rect">
             <a:avLst/>
           </a:prstGeom>
         </p:spPr>
       </p:pic>
+      <p:sp>
+        <p:nvSpPr>
+          <p:cNvPr id="10" name="Callout: Bent Line 9">
+            <a:extLst>
+              <a:ext uri="{FF2B5EF4-FFF2-40B4-BE49-F238E27FC236}">
+                <a16:creationId xmlns:a16="http://schemas.microsoft.com/office/drawing/2014/main" id="{6ED5369B-7B42-4445-AB4B-F0574865E393}"/>
+              </a:ext>
+            </a:extLst>
+          </p:cNvPr>
+          <p:cNvSpPr/>
+          <p:nvPr/>
+        </p:nvSpPr>
+        <p:spPr>
+          <a:xfrm>
+            <a:off x="2021213" y="2564904"/>
+            <a:ext cx="864096" cy="504056"/>
+          </a:xfrm>
+          <a:prstGeom prst="borderCallout2">
+            <a:avLst>
+              <a:gd name="adj1" fmla="val 18750"/>
+              <a:gd name="adj2" fmla="val -8333"/>
+              <a:gd name="adj3" fmla="val 18750"/>
+              <a:gd name="adj4" fmla="val -16667"/>
+              <a:gd name="adj5" fmla="val 37633"/>
+              <a:gd name="adj6" fmla="val -92019"/>
+            </a:avLst>
+          </a:prstGeom>
+          <a:ln>
+            <a:solidFill>
+              <a:schemeClr val="accent2"/>
+            </a:solidFill>
+          </a:ln>
+        </p:spPr>
+        <p:style>
+          <a:lnRef idx="2">
+            <a:schemeClr val="accent6"/>
+          </a:lnRef>
+          <a:fillRef idx="1">
+            <a:schemeClr val="lt1"/>
+          </a:fillRef>
+          <a:effectRef idx="0">
+            <a:schemeClr val="accent6"/>
+          </a:effectRef>
+          <a:fontRef idx="minor">
+            <a:schemeClr val="dk1"/>
+          </a:fontRef>
+        </p:style>
+        <p:txBody>
+          <a:bodyPr rtlCol="0" anchor="ctr"/>
+          <a:lstStyle/>
+          <a:p>
+            <a:pPr algn="ctr"/>
+            <a:r>
+              <a:rPr lang="en-US" dirty="0" err="1"/>
+              <a:t>Tạo</a:t>
+            </a:r>
+            <a:r>
+              <a:rPr lang="en-US" dirty="0"/>
+              <a:t> PO</a:t>
+            </a:r>
+          </a:p>
+        </p:txBody>
+      </p:sp>
+      <p:sp>
+        <p:nvSpPr>
+          <p:cNvPr id="11" name="Callout: Bent Line 10">
+            <a:extLst>
+              <a:ext uri="{FF2B5EF4-FFF2-40B4-BE49-F238E27FC236}">
+                <a16:creationId xmlns:a16="http://schemas.microsoft.com/office/drawing/2014/main" id="{7FC8A90C-CFEE-411B-A246-101FBFB49957}"/>
+              </a:ext>
+            </a:extLst>
+          </p:cNvPr>
+          <p:cNvSpPr/>
+          <p:nvPr/>
+        </p:nvSpPr>
+        <p:spPr>
+          <a:xfrm>
+            <a:off x="4726628" y="2564904"/>
+            <a:ext cx="3817643" cy="504056"/>
+          </a:xfrm>
+          <a:prstGeom prst="borderCallout2">
+            <a:avLst>
+              <a:gd name="adj1" fmla="val 38286"/>
+              <a:gd name="adj2" fmla="val -3543"/>
+              <a:gd name="adj3" fmla="val 52241"/>
+              <a:gd name="adj4" fmla="val -14825"/>
+              <a:gd name="adj5" fmla="val 109621"/>
+              <a:gd name="adj6" fmla="val -20280"/>
+            </a:avLst>
+          </a:prstGeom>
+          <a:ln>
+            <a:solidFill>
+              <a:schemeClr val="accent2"/>
+            </a:solidFill>
+          </a:ln>
+        </p:spPr>
+        <p:style>
+          <a:lnRef idx="2">
+            <a:schemeClr val="accent6"/>
+          </a:lnRef>
+          <a:fillRef idx="1">
+            <a:schemeClr val="lt1"/>
+          </a:fillRef>
+          <a:effectRef idx="0">
+            <a:schemeClr val="accent6"/>
+          </a:effectRef>
+          <a:fontRef idx="minor">
+            <a:schemeClr val="dk1"/>
+          </a:fontRef>
+        </p:style>
+        <p:txBody>
+          <a:bodyPr rtlCol="0" anchor="ctr"/>
+          <a:lstStyle/>
+          <a:p>
+            <a:pPr algn="ctr"/>
+            <a:r>
+              <a:rPr lang="en-US" dirty="0" err="1"/>
+              <a:t>Thống</a:t>
+            </a:r>
+            <a:r>
+              <a:rPr lang="en-US" dirty="0"/>
+              <a:t> </a:t>
+            </a:r>
+            <a:r>
+              <a:rPr lang="en-US" dirty="0" err="1"/>
+              <a:t>kê</a:t>
+            </a:r>
+            <a:r>
+              <a:rPr lang="en-US" dirty="0"/>
+              <a:t> </a:t>
+            </a:r>
+            <a:r>
+              <a:rPr lang="en-US" dirty="0" err="1"/>
+              <a:t>số</a:t>
+            </a:r>
+            <a:r>
+              <a:rPr lang="en-US" dirty="0"/>
+              <a:t> l</a:t>
+            </a:r>
+            <a:r>
+              <a:rPr lang="vi-VN" dirty="0"/>
+              <a:t>ư</a:t>
+            </a:r>
+            <a:r>
+              <a:rPr lang="en-US" dirty="0" err="1"/>
+              <a:t>ợng</a:t>
+            </a:r>
+            <a:r>
+              <a:rPr lang="en-US" dirty="0"/>
+              <a:t> PO </a:t>
+            </a:r>
+            <a:r>
+              <a:rPr lang="en-US" dirty="0" err="1"/>
+              <a:t>theo</a:t>
+            </a:r>
+            <a:r>
+              <a:rPr lang="en-US" dirty="0"/>
+              <a:t> </a:t>
+            </a:r>
+            <a:r>
+              <a:rPr lang="en-US" dirty="0" err="1"/>
+              <a:t>tình</a:t>
+            </a:r>
+            <a:r>
+              <a:rPr lang="en-US" dirty="0"/>
+              <a:t> </a:t>
+            </a:r>
+            <a:r>
+              <a:rPr lang="en-US" dirty="0" err="1"/>
+              <a:t>trạng</a:t>
+            </a:r>
+            <a:r>
+              <a:rPr lang="en-US" dirty="0"/>
+              <a:t>, </a:t>
+            </a:r>
+            <a:r>
+              <a:rPr lang="en-US" dirty="0" err="1"/>
+              <a:t>theo</a:t>
+            </a:r>
+            <a:r>
+              <a:rPr lang="en-US" dirty="0"/>
+              <a:t> </a:t>
+            </a:r>
+            <a:r>
+              <a:rPr lang="en-US" dirty="0" err="1"/>
+              <a:t>công</a:t>
+            </a:r>
+            <a:r>
+              <a:rPr lang="en-US" dirty="0"/>
+              <a:t> ty </a:t>
+            </a:r>
+            <a:r>
+              <a:rPr lang="en-US" dirty="0" err="1"/>
+              <a:t>thành</a:t>
+            </a:r>
+            <a:r>
+              <a:rPr lang="en-US" dirty="0"/>
+              <a:t> </a:t>
+            </a:r>
+            <a:r>
+              <a:rPr lang="en-US" dirty="0" err="1"/>
+              <a:t>viên</a:t>
+            </a:r>
+            <a:endParaRPr lang="en-US" dirty="0"/>
+          </a:p>
+        </p:txBody>
+      </p:sp>
+      <p:sp>
+        <p:nvSpPr>
+          <p:cNvPr id="12" name="Callout: Bent Line 11">
+            <a:extLst>
+              <a:ext uri="{FF2B5EF4-FFF2-40B4-BE49-F238E27FC236}">
+                <a16:creationId xmlns:a16="http://schemas.microsoft.com/office/drawing/2014/main" id="{0377C39B-08BD-4109-ACC8-4748FFFF6F43}"/>
+              </a:ext>
+            </a:extLst>
+          </p:cNvPr>
+          <p:cNvSpPr/>
+          <p:nvPr/>
+        </p:nvSpPr>
+        <p:spPr>
+          <a:xfrm>
+            <a:off x="9347200" y="2564904"/>
+            <a:ext cx="1573336" cy="504056"/>
+          </a:xfrm>
+          <a:prstGeom prst="borderCallout2">
+            <a:avLst>
+              <a:gd name="adj1" fmla="val 24509"/>
+              <a:gd name="adj2" fmla="val 107567"/>
+              <a:gd name="adj3" fmla="val 90737"/>
+              <a:gd name="adj4" fmla="val 139102"/>
+              <a:gd name="adj5" fmla="val 293909"/>
+              <a:gd name="adj6" fmla="val 104785"/>
+            </a:avLst>
+          </a:prstGeom>
+          <a:ln>
+            <a:solidFill>
+              <a:schemeClr val="accent2"/>
+            </a:solidFill>
+          </a:ln>
+        </p:spPr>
+        <p:style>
+          <a:lnRef idx="2">
+            <a:schemeClr val="accent6"/>
+          </a:lnRef>
+          <a:fillRef idx="1">
+            <a:schemeClr val="lt1"/>
+          </a:fillRef>
+          <a:effectRef idx="0">
+            <a:schemeClr val="accent6"/>
+          </a:effectRef>
+          <a:fontRef idx="minor">
+            <a:schemeClr val="dk1"/>
+          </a:fontRef>
+        </p:style>
+        <p:txBody>
+          <a:bodyPr rtlCol="0" anchor="ctr"/>
+          <a:lstStyle/>
+          <a:p>
+            <a:pPr algn="ctr"/>
+            <a:r>
+              <a:rPr lang="en-US" dirty="0" err="1"/>
+              <a:t>Tìm</a:t>
+            </a:r>
+            <a:r>
+              <a:rPr lang="en-US" dirty="0"/>
+              <a:t> </a:t>
+            </a:r>
+            <a:r>
+              <a:rPr lang="en-US" dirty="0" err="1"/>
+              <a:t>kiếm</a:t>
+            </a:r>
+            <a:r>
+              <a:rPr lang="en-US" dirty="0"/>
+              <a:t> PO </a:t>
+            </a:r>
+            <a:r>
+              <a:rPr lang="en-US" dirty="0" err="1"/>
+              <a:t>nhanh</a:t>
+            </a:r>
+            <a:endParaRPr lang="en-US" dirty="0"/>
+          </a:p>
+        </p:txBody>
+      </p:sp>
+      <p:sp>
+        <p:nvSpPr>
+          <p:cNvPr id="13" name="Callout: Bent Line 12">
+            <a:extLst>
+              <a:ext uri="{FF2B5EF4-FFF2-40B4-BE49-F238E27FC236}">
+                <a16:creationId xmlns:a16="http://schemas.microsoft.com/office/drawing/2014/main" id="{AF0B0C65-79D4-4E74-9173-66CE24E056C3}"/>
+              </a:ext>
+            </a:extLst>
+          </p:cNvPr>
+          <p:cNvSpPr/>
+          <p:nvPr/>
+        </p:nvSpPr>
+        <p:spPr>
+          <a:xfrm>
+            <a:off x="6528048" y="3599656"/>
+            <a:ext cx="2562171" cy="504056"/>
+          </a:xfrm>
+          <a:prstGeom prst="borderCallout2">
+            <a:avLst>
+              <a:gd name="adj1" fmla="val 56184"/>
+              <a:gd name="adj2" fmla="val 102682"/>
+              <a:gd name="adj3" fmla="val 64822"/>
+              <a:gd name="adj4" fmla="val 110697"/>
+              <a:gd name="adj5" fmla="val 136600"/>
+              <a:gd name="adj6" fmla="val 117499"/>
+            </a:avLst>
+          </a:prstGeom>
+          <a:ln>
+            <a:solidFill>
+              <a:schemeClr val="accent2"/>
+            </a:solidFill>
+          </a:ln>
+        </p:spPr>
+        <p:style>
+          <a:lnRef idx="2">
+            <a:schemeClr val="accent6"/>
+          </a:lnRef>
+          <a:fillRef idx="1">
+            <a:schemeClr val="lt1"/>
+          </a:fillRef>
+          <a:effectRef idx="0">
+            <a:schemeClr val="accent6"/>
+          </a:effectRef>
+          <a:fontRef idx="minor">
+            <a:schemeClr val="dk1"/>
+          </a:fontRef>
+        </p:style>
+        <p:txBody>
+          <a:bodyPr rtlCol="0" anchor="ctr"/>
+          <a:lstStyle/>
+          <a:p>
+            <a:pPr algn="ctr"/>
+            <a:r>
+              <a:rPr lang="en-US" dirty="0" err="1"/>
+              <a:t>Chỉnh</a:t>
+            </a:r>
+            <a:r>
+              <a:rPr lang="en-US" dirty="0"/>
+              <a:t> </a:t>
+            </a:r>
+            <a:r>
+              <a:rPr lang="en-US" dirty="0" err="1"/>
+              <a:t>sửa</a:t>
+            </a:r>
+            <a:r>
+              <a:rPr lang="en-US" dirty="0"/>
+              <a:t>, in, </a:t>
+            </a:r>
+            <a:r>
+              <a:rPr lang="en-US" dirty="0" err="1"/>
+              <a:t>xóa</a:t>
+            </a:r>
+            <a:r>
+              <a:rPr lang="en-US" dirty="0"/>
+              <a:t> PO</a:t>
+            </a:r>
+          </a:p>
+        </p:txBody>
+      </p:sp>
+      <p:sp>
+        <p:nvSpPr>
+          <p:cNvPr id="14" name="Callout: Bent Line 13">
+            <a:extLst>
+              <a:ext uri="{FF2B5EF4-FFF2-40B4-BE49-F238E27FC236}">
+                <a16:creationId xmlns:a16="http://schemas.microsoft.com/office/drawing/2014/main" id="{E194F966-7A18-48C7-AF0B-4A9A70CB0BEA}"/>
+              </a:ext>
+            </a:extLst>
+          </p:cNvPr>
+          <p:cNvSpPr/>
+          <p:nvPr/>
+        </p:nvSpPr>
+        <p:spPr>
+          <a:xfrm>
+            <a:off x="3791744" y="3724539"/>
+            <a:ext cx="2215969" cy="504056"/>
+          </a:xfrm>
+          <a:prstGeom prst="borderCallout2">
+            <a:avLst>
+              <a:gd name="adj1" fmla="val 56184"/>
+              <a:gd name="adj2" fmla="val 102682"/>
+              <a:gd name="adj3" fmla="val 64822"/>
+              <a:gd name="adj4" fmla="val 110697"/>
+              <a:gd name="adj5" fmla="val 105369"/>
+              <a:gd name="adj6" fmla="val 113584"/>
+            </a:avLst>
+          </a:prstGeom>
+          <a:ln>
+            <a:solidFill>
+              <a:schemeClr val="accent2"/>
+            </a:solidFill>
+          </a:ln>
+        </p:spPr>
+        <p:style>
+          <a:lnRef idx="2">
+            <a:schemeClr val="accent6"/>
+          </a:lnRef>
+          <a:fillRef idx="1">
+            <a:schemeClr val="lt1"/>
+          </a:fillRef>
+          <a:effectRef idx="0">
+            <a:schemeClr val="accent6"/>
+          </a:effectRef>
+          <a:fontRef idx="minor">
+            <a:schemeClr val="dk1"/>
+          </a:fontRef>
+        </p:style>
+        <p:txBody>
+          <a:bodyPr rtlCol="0" anchor="ctr"/>
+          <a:lstStyle/>
+          <a:p>
+            <a:pPr algn="ctr"/>
+            <a:r>
+              <a:rPr lang="en-US" dirty="0" err="1"/>
+              <a:t>Sắp</a:t>
+            </a:r>
+            <a:r>
+              <a:rPr lang="en-US" dirty="0"/>
+              <a:t> </a:t>
+            </a:r>
+            <a:r>
+              <a:rPr lang="en-US" dirty="0" err="1"/>
+              <a:t>xếp</a:t>
+            </a:r>
+            <a:r>
+              <a:rPr lang="en-US" dirty="0"/>
+              <a:t> </a:t>
+            </a:r>
+            <a:r>
+              <a:rPr lang="en-US" dirty="0" err="1"/>
+              <a:t>theo</a:t>
+            </a:r>
+            <a:r>
+              <a:rPr lang="en-US" dirty="0"/>
+              <a:t> </a:t>
+            </a:r>
+            <a:r>
+              <a:rPr lang="en-US" dirty="0" err="1"/>
+              <a:t>cột</a:t>
+            </a:r>
+            <a:r>
+              <a:rPr lang="en-US" dirty="0"/>
+              <a:t> </a:t>
+            </a:r>
+            <a:r>
+              <a:rPr lang="en-US" dirty="0" err="1"/>
+              <a:t>thông</a:t>
+            </a:r>
+            <a:r>
+              <a:rPr lang="en-US" dirty="0"/>
+              <a:t> tin PO</a:t>
+            </a:r>
+          </a:p>
+        </p:txBody>
+      </p:sp>
+      <p:sp>
+        <p:nvSpPr>
+          <p:cNvPr id="15" name="Callout: Bent Line 14">
+            <a:extLst>
+              <a:ext uri="{FF2B5EF4-FFF2-40B4-BE49-F238E27FC236}">
+                <a16:creationId xmlns:a16="http://schemas.microsoft.com/office/drawing/2014/main" id="{AF53C0A0-3EF2-4196-A55D-7EF1921C9644}"/>
+              </a:ext>
+            </a:extLst>
+          </p:cNvPr>
+          <p:cNvSpPr/>
+          <p:nvPr/>
+        </p:nvSpPr>
+        <p:spPr>
+          <a:xfrm>
+            <a:off x="1987882" y="3480973"/>
+            <a:ext cx="1457660" cy="820586"/>
+          </a:xfrm>
+          <a:prstGeom prst="borderCallout2">
+            <a:avLst>
+              <a:gd name="adj1" fmla="val 30269"/>
+              <a:gd name="adj2" fmla="val -2684"/>
+              <a:gd name="adj3" fmla="val 36727"/>
+              <a:gd name="adj4" fmla="val -24041"/>
+              <a:gd name="adj5" fmla="val 63223"/>
+              <a:gd name="adj6" fmla="val -39993"/>
+            </a:avLst>
+          </a:prstGeom>
+          <a:ln>
+            <a:solidFill>
+              <a:schemeClr val="accent2"/>
+            </a:solidFill>
+          </a:ln>
+        </p:spPr>
+        <p:style>
+          <a:lnRef idx="2">
+            <a:schemeClr val="accent6"/>
+          </a:lnRef>
+          <a:fillRef idx="1">
+            <a:schemeClr val="lt1"/>
+          </a:fillRef>
+          <a:effectRef idx="0">
+            <a:schemeClr val="accent6"/>
+          </a:effectRef>
+          <a:fontRef idx="minor">
+            <a:schemeClr val="dk1"/>
+          </a:fontRef>
+        </p:style>
+        <p:txBody>
+          <a:bodyPr rtlCol="0" anchor="ctr"/>
+          <a:lstStyle/>
+          <a:p>
+            <a:pPr algn="ctr"/>
+            <a:r>
+              <a:rPr lang="en-US" dirty="0" err="1"/>
+              <a:t>Tùy</a:t>
+            </a:r>
+            <a:r>
+              <a:rPr lang="en-US" dirty="0"/>
+              <a:t> </a:t>
+            </a:r>
+            <a:r>
+              <a:rPr lang="en-US" dirty="0" err="1"/>
+              <a:t>chỉnh</a:t>
+            </a:r>
+            <a:r>
+              <a:rPr lang="en-US" dirty="0"/>
+              <a:t> </a:t>
+            </a:r>
+            <a:r>
+              <a:rPr lang="en-US" dirty="0" err="1"/>
+              <a:t>hiển</a:t>
+            </a:r>
+            <a:r>
+              <a:rPr lang="en-US" dirty="0"/>
+              <a:t> </a:t>
+            </a:r>
+            <a:r>
+              <a:rPr lang="en-US" dirty="0" err="1"/>
+              <a:t>thị</a:t>
+            </a:r>
+            <a:r>
+              <a:rPr lang="en-US" dirty="0"/>
+              <a:t> </a:t>
+            </a:r>
+            <a:r>
+              <a:rPr lang="en-US" dirty="0" err="1"/>
+              <a:t>số</a:t>
+            </a:r>
+            <a:r>
+              <a:rPr lang="en-US" dirty="0"/>
+              <a:t> l</a:t>
+            </a:r>
+            <a:r>
+              <a:rPr lang="vi-VN" dirty="0"/>
+              <a:t>ư</a:t>
+            </a:r>
+            <a:r>
+              <a:rPr lang="en-US" dirty="0" err="1"/>
+              <a:t>ợng</a:t>
+            </a:r>
+            <a:r>
+              <a:rPr lang="en-US" dirty="0"/>
+              <a:t> PO</a:t>
+            </a:r>
+          </a:p>
+        </p:txBody>
+      </p:sp>
     </p:spTree>
     <p:extLst>
       <p:ext uri="{BB962C8B-B14F-4D97-AF65-F5344CB8AC3E}">
-        <p14:creationId xmlns:p14="http://schemas.microsoft.com/office/powerpoint/2010/main" val="3714669940"/>
+        <p14:creationId xmlns:p14="http://schemas.microsoft.com/office/powerpoint/2010/main" val="4038309589"/>
       </p:ext>
     </p:extLst>
   </p:cSld>
@@ -3209,36 +5194,147 @@
           <a:lstStyle/>
           <a:p>
             <a:r>
-              <a:rPr lang="en-US" b="1">
+              <a:rPr lang="en-US" b="1" dirty="0" err="1">
                 <a:latin typeface="Segoe UI" panose="020B0502040204020203" pitchFamily="34" charset="0"/>
                 <a:cs typeface="Segoe UI" panose="020B0502040204020203" pitchFamily="34" charset="0"/>
               </a:rPr>
-              <a:t>Trang cổng thông tin t</a:t>
-            </a:r>
-            <a:r>
-              <a:rPr lang="vi-VN" b="1">
+              <a:t>Ứng</a:t>
+            </a:r>
+            <a:r>
+              <a:rPr lang="en-US" b="1" dirty="0">
                 <a:latin typeface="Segoe UI" panose="020B0502040204020203" pitchFamily="34" charset="0"/>
                 <a:cs typeface="Segoe UI" panose="020B0502040204020203" pitchFamily="34" charset="0"/>
               </a:rPr>
-              <a:t>ư</a:t>
-            </a:r>
-            <a:r>
-              <a:rPr lang="en-US" b="1">
+              <a:t> </a:t>
+            </a:r>
+            <a:r>
+              <a:rPr lang="en-US" b="1" dirty="0" err="1">
                 <a:latin typeface="Segoe UI" panose="020B0502040204020203" pitchFamily="34" charset="0"/>
                 <a:cs typeface="Segoe UI" panose="020B0502040204020203" pitchFamily="34" charset="0"/>
               </a:rPr>
-              <a:t>ơng lai (Sharepoint 365)</a:t>
-            </a:r>
-            <a:endParaRPr lang="it-IT" b="1"/>
+              <a:t>dụng</a:t>
+            </a:r>
+            <a:r>
+              <a:rPr lang="en-US" b="1" dirty="0">
+                <a:latin typeface="Segoe UI" panose="020B0502040204020203" pitchFamily="34" charset="0"/>
+                <a:cs typeface="Segoe UI" panose="020B0502040204020203" pitchFamily="34" charset="0"/>
+              </a:rPr>
+              <a:t> </a:t>
+            </a:r>
+            <a:r>
+              <a:rPr lang="en-US" b="1" dirty="0" err="1">
+                <a:latin typeface="Segoe UI" panose="020B0502040204020203" pitchFamily="34" charset="0"/>
+                <a:cs typeface="Segoe UI" panose="020B0502040204020203" pitchFamily="34" charset="0"/>
+              </a:rPr>
+              <a:t>quản</a:t>
+            </a:r>
+            <a:r>
+              <a:rPr lang="en-US" b="1" dirty="0">
+                <a:latin typeface="Segoe UI" panose="020B0502040204020203" pitchFamily="34" charset="0"/>
+                <a:cs typeface="Segoe UI" panose="020B0502040204020203" pitchFamily="34" charset="0"/>
+              </a:rPr>
+              <a:t> </a:t>
+            </a:r>
+            <a:r>
+              <a:rPr lang="en-US" b="1" dirty="0" err="1">
+                <a:latin typeface="Segoe UI" panose="020B0502040204020203" pitchFamily="34" charset="0"/>
+                <a:cs typeface="Segoe UI" panose="020B0502040204020203" pitchFamily="34" charset="0"/>
+              </a:rPr>
+              <a:t>lý</a:t>
+            </a:r>
+            <a:r>
+              <a:rPr lang="en-US" b="1" dirty="0">
+                <a:latin typeface="Segoe UI" panose="020B0502040204020203" pitchFamily="34" charset="0"/>
+                <a:cs typeface="Segoe UI" panose="020B0502040204020203" pitchFamily="34" charset="0"/>
+              </a:rPr>
+              <a:t> PRPO </a:t>
+            </a:r>
+            <a:r>
+              <a:rPr lang="en-US" b="1" dirty="0" err="1">
+                <a:latin typeface="Segoe UI" panose="020B0502040204020203" pitchFamily="34" charset="0"/>
+                <a:cs typeface="Segoe UI" panose="020B0502040204020203" pitchFamily="34" charset="0"/>
+              </a:rPr>
+              <a:t>mới</a:t>
+            </a:r>
+            <a:endParaRPr lang="it-IT" b="1" dirty="0"/>
+          </a:p>
+        </p:txBody>
+      </p:sp>
+      <p:sp>
+        <p:nvSpPr>
+          <p:cNvPr id="5" name="TextBox 4">
+            <a:extLst>
+              <a:ext uri="{FF2B5EF4-FFF2-40B4-BE49-F238E27FC236}">
+                <a16:creationId xmlns:a16="http://schemas.microsoft.com/office/drawing/2014/main" id="{FB5BC7C6-B3A1-421B-BFBC-47D37CD04D71}"/>
+              </a:ext>
+            </a:extLst>
+          </p:cNvPr>
+          <p:cNvSpPr txBox="1"/>
+          <p:nvPr/>
+        </p:nvSpPr>
+        <p:spPr>
+          <a:xfrm>
+            <a:off x="5391859" y="833879"/>
+            <a:ext cx="1398140" cy="1200329"/>
+          </a:xfrm>
+          <a:prstGeom prst="rect">
+            <a:avLst/>
+          </a:prstGeom>
+          <a:noFill/>
+        </p:spPr>
+        <p:txBody>
+          <a:bodyPr wrap="none" rtlCol="0">
+            <a:spAutoFit/>
+          </a:bodyPr>
+          <a:lstStyle/>
+          <a:p>
+            <a:pPr algn="ctr"/>
+            <a:r>
+              <a:rPr lang="en-US" sz="7200" dirty="0">
+                <a:solidFill>
+                  <a:schemeClr val="tx1">
+                    <a:lumMod val="75000"/>
+                    <a:lumOff val="25000"/>
+                  </a:schemeClr>
+                </a:solidFill>
+                <a:effectLst>
+                  <a:outerShdw blurRad="38100" dist="38100" dir="2700000" algn="tl">
+                    <a:srgbClr val="000000">
+                      <a:alpha val="43137"/>
+                    </a:srgbClr>
+                  </a:outerShdw>
+                </a:effectLst>
+                <a:latin typeface="Segoe UI" panose="020B0502040204020203" pitchFamily="34" charset="0"/>
+                <a:cs typeface="Segoe UI" panose="020B0502040204020203" pitchFamily="34" charset="0"/>
+              </a:rPr>
+              <a:t>PO</a:t>
+            </a:r>
+            <a:endParaRPr lang="vi-VN" sz="7200" dirty="0">
+              <a:solidFill>
+                <a:schemeClr val="tx1">
+                  <a:lumMod val="75000"/>
+                  <a:lumOff val="25000"/>
+                </a:schemeClr>
+              </a:solidFill>
+              <a:effectLst>
+                <a:outerShdw blurRad="38100" dist="38100" dir="2700000" algn="tl">
+                  <a:srgbClr val="000000">
+                    <a:alpha val="43137"/>
+                  </a:srgbClr>
+                </a:outerShdw>
+              </a:effectLst>
+              <a:latin typeface="Segoe UI" panose="020B0502040204020203" pitchFamily="34" charset="0"/>
+              <a:cs typeface="Segoe UI" panose="020B0502040204020203" pitchFamily="34" charset="0"/>
+            </a:endParaRPr>
           </a:p>
         </p:txBody>
       </p:sp>
       <p:pic>
         <p:nvPicPr>
-          <p:cNvPr id="5" name="Picture 4">
+          <p:cNvPr id="7" name="Picture 6">
             <a:extLst>
               <a:ext uri="{FF2B5EF4-FFF2-40B4-BE49-F238E27FC236}">
-                <a16:creationId xmlns:a16="http://schemas.microsoft.com/office/drawing/2014/main" id="{5DA7F327-670F-454F-81D2-C3C39AFA09D2}"/>
+                <a16:creationId xmlns:a16="http://schemas.microsoft.com/office/drawing/2014/main" id="{309A3A62-5511-47F5-A85D-826D62BDE47C}"/>
               </a:ext>
             </a:extLst>
           </p:cNvPr>
@@ -3248,25 +5344,522 @@
           <p:nvPr/>
         </p:nvPicPr>
         <p:blipFill>
-          <a:blip r:embed="rId2"/>
+          <a:blip r:embed="rId2">
+            <a:extLst>
+              <a:ext uri="{28A0092B-C50C-407E-A947-70E740481C1C}">
+                <a14:useLocalDpi xmlns:a14="http://schemas.microsoft.com/office/drawing/2010/main" val="0"/>
+              </a:ext>
+            </a:extLst>
+          </a:blip>
           <a:stretch>
             <a:fillRect/>
           </a:stretch>
         </p:blipFill>
         <p:spPr>
           <a:xfrm>
-            <a:off x="2217706" y="1280894"/>
-            <a:ext cx="7756587" cy="5375072"/>
+            <a:off x="955614" y="1795466"/>
+            <a:ext cx="10270629" cy="5043063"/>
           </a:xfrm>
           <a:prstGeom prst="rect">
             <a:avLst/>
           </a:prstGeom>
         </p:spPr>
       </p:pic>
+      <p:sp>
+        <p:nvSpPr>
+          <p:cNvPr id="16" name="Callout: Bent Line 15">
+            <a:extLst>
+              <a:ext uri="{FF2B5EF4-FFF2-40B4-BE49-F238E27FC236}">
+                <a16:creationId xmlns:a16="http://schemas.microsoft.com/office/drawing/2014/main" id="{01E781D1-17C6-45BD-BB1D-B51AB5D2A40F}"/>
+              </a:ext>
+            </a:extLst>
+          </p:cNvPr>
+          <p:cNvSpPr/>
+          <p:nvPr/>
+        </p:nvSpPr>
+        <p:spPr>
+          <a:xfrm>
+            <a:off x="191344" y="1628800"/>
+            <a:ext cx="1800200" cy="909464"/>
+          </a:xfrm>
+          <a:prstGeom prst="borderCallout2">
+            <a:avLst>
+              <a:gd name="adj1" fmla="val 38286"/>
+              <a:gd name="adj2" fmla="val 102373"/>
+              <a:gd name="adj3" fmla="val 68986"/>
+              <a:gd name="adj4" fmla="val 188464"/>
+              <a:gd name="adj5" fmla="val 133196"/>
+              <a:gd name="adj6" fmla="val 118126"/>
+            </a:avLst>
+          </a:prstGeom>
+          <a:ln>
+            <a:solidFill>
+              <a:schemeClr val="accent2"/>
+            </a:solidFill>
+          </a:ln>
+        </p:spPr>
+        <p:style>
+          <a:lnRef idx="2">
+            <a:schemeClr val="accent6"/>
+          </a:lnRef>
+          <a:fillRef idx="1">
+            <a:schemeClr val="lt1"/>
+          </a:fillRef>
+          <a:effectRef idx="0">
+            <a:schemeClr val="accent6"/>
+          </a:effectRef>
+          <a:fontRef idx="minor">
+            <a:schemeClr val="dk1"/>
+          </a:fontRef>
+        </p:style>
+        <p:txBody>
+          <a:bodyPr rtlCol="0" anchor="ctr"/>
+          <a:lstStyle/>
+          <a:p>
+            <a:pPr algn="ctr"/>
+            <a:r>
+              <a:rPr lang="en-US" dirty="0" err="1"/>
+              <a:t>Chọn</a:t>
+            </a:r>
+            <a:r>
+              <a:rPr lang="en-US" dirty="0"/>
+              <a:t> </a:t>
+            </a:r>
+            <a:r>
+              <a:rPr lang="en-US" dirty="0" err="1"/>
+              <a:t>nhà</a:t>
+            </a:r>
+            <a:r>
+              <a:rPr lang="en-US" dirty="0"/>
+              <a:t> </a:t>
+            </a:r>
+            <a:r>
+              <a:rPr lang="en-US" dirty="0" err="1"/>
+              <a:t>cung</a:t>
+            </a:r>
+            <a:r>
+              <a:rPr lang="en-US" dirty="0"/>
+              <a:t> </a:t>
+            </a:r>
+            <a:r>
+              <a:rPr lang="en-US" dirty="0" err="1"/>
+              <a:t>cấp</a:t>
+            </a:r>
+            <a:r>
+              <a:rPr lang="en-US" dirty="0"/>
+              <a:t> </a:t>
+            </a:r>
+            <a:r>
+              <a:rPr lang="en-US" dirty="0" err="1"/>
+              <a:t>từ</a:t>
+            </a:r>
+            <a:r>
+              <a:rPr lang="en-US" dirty="0"/>
+              <a:t> </a:t>
+            </a:r>
+            <a:r>
+              <a:rPr lang="en-US" dirty="0" err="1"/>
+              <a:t>hệ</a:t>
+            </a:r>
+            <a:r>
+              <a:rPr lang="en-US" dirty="0"/>
+              <a:t> </a:t>
+            </a:r>
+            <a:r>
+              <a:rPr lang="en-US" dirty="0" err="1"/>
+              <a:t>thống</a:t>
+            </a:r>
+            <a:r>
+              <a:rPr lang="en-US" dirty="0"/>
+              <a:t> SAP</a:t>
+            </a:r>
+          </a:p>
+        </p:txBody>
+      </p:sp>
+      <p:sp>
+        <p:nvSpPr>
+          <p:cNvPr id="17" name="Callout: Bent Line 16">
+            <a:extLst>
+              <a:ext uri="{FF2B5EF4-FFF2-40B4-BE49-F238E27FC236}">
+                <a16:creationId xmlns:a16="http://schemas.microsoft.com/office/drawing/2014/main" id="{45B028BE-D830-4864-9947-CC43319491BC}"/>
+              </a:ext>
+            </a:extLst>
+          </p:cNvPr>
+          <p:cNvSpPr/>
+          <p:nvPr/>
+        </p:nvSpPr>
+        <p:spPr>
+          <a:xfrm>
+            <a:off x="65657" y="2974268"/>
+            <a:ext cx="1800200" cy="454732"/>
+          </a:xfrm>
+          <a:prstGeom prst="borderCallout2">
+            <a:avLst>
+              <a:gd name="adj1" fmla="val 38286"/>
+              <a:gd name="adj2" fmla="val 102373"/>
+              <a:gd name="adj3" fmla="val 42690"/>
+              <a:gd name="adj4" fmla="val 153298"/>
+              <a:gd name="adj5" fmla="val 127009"/>
+              <a:gd name="adj6" fmla="val 121252"/>
+            </a:avLst>
+          </a:prstGeom>
+          <a:ln>
+            <a:solidFill>
+              <a:schemeClr val="accent2"/>
+            </a:solidFill>
+          </a:ln>
+        </p:spPr>
+        <p:style>
+          <a:lnRef idx="2">
+            <a:schemeClr val="accent6"/>
+          </a:lnRef>
+          <a:fillRef idx="1">
+            <a:schemeClr val="lt1"/>
+          </a:fillRef>
+          <a:effectRef idx="0">
+            <a:schemeClr val="accent6"/>
+          </a:effectRef>
+          <a:fontRef idx="minor">
+            <a:schemeClr val="dk1"/>
+          </a:fontRef>
+        </p:style>
+        <p:txBody>
+          <a:bodyPr rtlCol="0" anchor="ctr"/>
+          <a:lstStyle/>
+          <a:p>
+            <a:pPr algn="ctr"/>
+            <a:r>
+              <a:rPr lang="en-US" dirty="0" err="1"/>
+              <a:t>Tự</a:t>
+            </a:r>
+            <a:r>
+              <a:rPr lang="en-US" dirty="0"/>
+              <a:t> </a:t>
+            </a:r>
+            <a:r>
+              <a:rPr lang="en-US" dirty="0" err="1"/>
+              <a:t>động</a:t>
+            </a:r>
+            <a:r>
+              <a:rPr lang="en-US" dirty="0"/>
+              <a:t> </a:t>
+            </a:r>
+            <a:r>
+              <a:rPr lang="en-US" dirty="0" err="1"/>
+              <a:t>lấy</a:t>
+            </a:r>
+            <a:r>
+              <a:rPr lang="en-US" dirty="0"/>
+              <a:t> </a:t>
+            </a:r>
+            <a:r>
+              <a:rPr lang="en-US" dirty="0" err="1"/>
+              <a:t>số</a:t>
+            </a:r>
+            <a:r>
+              <a:rPr lang="en-US" dirty="0"/>
+              <a:t> PO</a:t>
+            </a:r>
+          </a:p>
+        </p:txBody>
+      </p:sp>
+      <p:sp>
+        <p:nvSpPr>
+          <p:cNvPr id="18" name="Callout: Bent Line 17">
+            <a:extLst>
+              <a:ext uri="{FF2B5EF4-FFF2-40B4-BE49-F238E27FC236}">
+                <a16:creationId xmlns:a16="http://schemas.microsoft.com/office/drawing/2014/main" id="{67704FFC-CB83-482C-BCE4-1B72486FA3C9}"/>
+              </a:ext>
+            </a:extLst>
+          </p:cNvPr>
+          <p:cNvSpPr/>
+          <p:nvPr/>
+        </p:nvSpPr>
+        <p:spPr>
+          <a:xfrm>
+            <a:off x="83185" y="3595666"/>
+            <a:ext cx="1800200" cy="542342"/>
+          </a:xfrm>
+          <a:prstGeom prst="borderCallout2">
+            <a:avLst>
+              <a:gd name="adj1" fmla="val 38286"/>
+              <a:gd name="adj2" fmla="val 102373"/>
+              <a:gd name="adj3" fmla="val 68986"/>
+              <a:gd name="adj4" fmla="val 139233"/>
+              <a:gd name="adj5" fmla="val 264794"/>
+              <a:gd name="adj6" fmla="val 102497"/>
+            </a:avLst>
+          </a:prstGeom>
+          <a:ln>
+            <a:solidFill>
+              <a:schemeClr val="accent2"/>
+            </a:solidFill>
+          </a:ln>
+        </p:spPr>
+        <p:style>
+          <a:lnRef idx="2">
+            <a:schemeClr val="accent6"/>
+          </a:lnRef>
+          <a:fillRef idx="1">
+            <a:schemeClr val="lt1"/>
+          </a:fillRef>
+          <a:effectRef idx="0">
+            <a:schemeClr val="accent6"/>
+          </a:effectRef>
+          <a:fontRef idx="minor">
+            <a:schemeClr val="dk1"/>
+          </a:fontRef>
+        </p:style>
+        <p:txBody>
+          <a:bodyPr rtlCol="0" anchor="ctr"/>
+          <a:lstStyle/>
+          <a:p>
+            <a:pPr algn="ctr"/>
+            <a:r>
+              <a:rPr lang="en-US" dirty="0" err="1"/>
+              <a:t>Lấy</a:t>
+            </a:r>
+            <a:r>
+              <a:rPr lang="en-US" dirty="0"/>
+              <a:t> </a:t>
+            </a:r>
+            <a:r>
+              <a:rPr lang="en-US" dirty="0" err="1"/>
+              <a:t>thông</a:t>
+            </a:r>
+            <a:r>
+              <a:rPr lang="en-US" dirty="0"/>
+              <a:t> tin PR qua PO</a:t>
+            </a:r>
+          </a:p>
+        </p:txBody>
+      </p:sp>
+      <p:sp>
+        <p:nvSpPr>
+          <p:cNvPr id="19" name="Callout: Bent Line 18">
+            <a:extLst>
+              <a:ext uri="{FF2B5EF4-FFF2-40B4-BE49-F238E27FC236}">
+                <a16:creationId xmlns:a16="http://schemas.microsoft.com/office/drawing/2014/main" id="{8A7B4E72-AEAB-4BC5-9279-0863638D38BE}"/>
+              </a:ext>
+            </a:extLst>
+          </p:cNvPr>
+          <p:cNvSpPr/>
+          <p:nvPr/>
+        </p:nvSpPr>
+        <p:spPr>
+          <a:xfrm>
+            <a:off x="65657" y="5373216"/>
+            <a:ext cx="1800200" cy="542342"/>
+          </a:xfrm>
+          <a:prstGeom prst="borderCallout2">
+            <a:avLst>
+              <a:gd name="adj1" fmla="val 38286"/>
+              <a:gd name="adj2" fmla="val 102373"/>
+              <a:gd name="adj3" fmla="val 68986"/>
+              <a:gd name="adj4" fmla="val 122041"/>
+              <a:gd name="adj5" fmla="val 223292"/>
+              <a:gd name="adj6" fmla="val 84524"/>
+            </a:avLst>
+          </a:prstGeom>
+          <a:ln>
+            <a:solidFill>
+              <a:schemeClr val="accent2"/>
+            </a:solidFill>
+          </a:ln>
+        </p:spPr>
+        <p:style>
+          <a:lnRef idx="2">
+            <a:schemeClr val="accent6"/>
+          </a:lnRef>
+          <a:fillRef idx="1">
+            <a:schemeClr val="lt1"/>
+          </a:fillRef>
+          <a:effectRef idx="0">
+            <a:schemeClr val="accent6"/>
+          </a:effectRef>
+          <a:fontRef idx="minor">
+            <a:schemeClr val="dk1"/>
+          </a:fontRef>
+        </p:style>
+        <p:txBody>
+          <a:bodyPr rtlCol="0" anchor="ctr"/>
+          <a:lstStyle/>
+          <a:p>
+            <a:pPr algn="ctr"/>
+            <a:r>
+              <a:rPr lang="en-US" dirty="0"/>
+              <a:t>L</a:t>
+            </a:r>
+            <a:r>
+              <a:rPr lang="vi-VN" dirty="0"/>
+              <a:t>ư</a:t>
+            </a:r>
+            <a:r>
+              <a:rPr lang="en-US" dirty="0"/>
+              <a:t>u </a:t>
+            </a:r>
+            <a:r>
+              <a:rPr lang="en-US" dirty="0" err="1"/>
+              <a:t>tạm</a:t>
+            </a:r>
+            <a:r>
+              <a:rPr lang="en-US" dirty="0"/>
+              <a:t> </a:t>
+            </a:r>
+            <a:r>
+              <a:rPr lang="en-US" dirty="0" err="1"/>
+              <a:t>thông</a:t>
+            </a:r>
+            <a:r>
+              <a:rPr lang="en-US" dirty="0"/>
+              <a:t> tin PO </a:t>
+            </a:r>
+          </a:p>
+        </p:txBody>
+      </p:sp>
+      <p:sp>
+        <p:nvSpPr>
+          <p:cNvPr id="20" name="Callout: Bent Line 19">
+            <a:extLst>
+              <a:ext uri="{FF2B5EF4-FFF2-40B4-BE49-F238E27FC236}">
+                <a16:creationId xmlns:a16="http://schemas.microsoft.com/office/drawing/2014/main" id="{CCC8AA40-794C-4D57-A404-3D8D45337AA0}"/>
+              </a:ext>
+            </a:extLst>
+          </p:cNvPr>
+          <p:cNvSpPr/>
+          <p:nvPr/>
+        </p:nvSpPr>
+        <p:spPr>
+          <a:xfrm>
+            <a:off x="8710787" y="2034208"/>
+            <a:ext cx="2844800" cy="554527"/>
+          </a:xfrm>
+          <a:prstGeom prst="borderCallout2">
+            <a:avLst>
+              <a:gd name="adj1" fmla="val 38286"/>
+              <a:gd name="adj2" fmla="val 102373"/>
+              <a:gd name="adj3" fmla="val 128198"/>
+              <a:gd name="adj4" fmla="val 110221"/>
+              <a:gd name="adj5" fmla="val 264673"/>
+              <a:gd name="adj6" fmla="val 57252"/>
+            </a:avLst>
+          </a:prstGeom>
+          <a:ln>
+            <a:solidFill>
+              <a:schemeClr val="accent2"/>
+            </a:solidFill>
+          </a:ln>
+        </p:spPr>
+        <p:style>
+          <a:lnRef idx="2">
+            <a:schemeClr val="accent6"/>
+          </a:lnRef>
+          <a:fillRef idx="1">
+            <a:schemeClr val="lt1"/>
+          </a:fillRef>
+          <a:effectRef idx="0">
+            <a:schemeClr val="accent6"/>
+          </a:effectRef>
+          <a:fontRef idx="minor">
+            <a:schemeClr val="dk1"/>
+          </a:fontRef>
+        </p:style>
+        <p:txBody>
+          <a:bodyPr rtlCol="0" anchor="ctr"/>
+          <a:lstStyle/>
+          <a:p>
+            <a:pPr algn="ctr"/>
+            <a:r>
+              <a:rPr lang="en-US" dirty="0" err="1"/>
+              <a:t>Tự</a:t>
+            </a:r>
+            <a:r>
+              <a:rPr lang="en-US" dirty="0"/>
+              <a:t> </a:t>
+            </a:r>
+            <a:r>
+              <a:rPr lang="en-US" dirty="0" err="1"/>
+              <a:t>động</a:t>
+            </a:r>
+            <a:r>
+              <a:rPr lang="en-US" dirty="0"/>
+              <a:t> </a:t>
+            </a:r>
+            <a:r>
+              <a:rPr lang="en-US" dirty="0" err="1"/>
+              <a:t>chọn</a:t>
+            </a:r>
+            <a:r>
+              <a:rPr lang="en-US" dirty="0"/>
+              <a:t> ng</a:t>
+            </a:r>
+            <a:r>
+              <a:rPr lang="vi-VN" dirty="0"/>
+              <a:t>ư</a:t>
+            </a:r>
+            <a:r>
+              <a:rPr lang="en-US" dirty="0" err="1"/>
+              <a:t>ời</a:t>
+            </a:r>
+            <a:r>
+              <a:rPr lang="en-US" dirty="0"/>
+              <a:t> </a:t>
+            </a:r>
+            <a:r>
+              <a:rPr lang="en-US" dirty="0" err="1"/>
+              <a:t>duyệt</a:t>
+            </a:r>
+            <a:r>
+              <a:rPr lang="en-US" dirty="0"/>
+              <a:t> </a:t>
+            </a:r>
+            <a:r>
+              <a:rPr lang="en-US" dirty="0" err="1"/>
+              <a:t>theo</a:t>
+            </a:r>
+            <a:r>
+              <a:rPr lang="en-US" dirty="0"/>
+              <a:t> </a:t>
+            </a:r>
+            <a:r>
+              <a:rPr lang="en-US" dirty="0" err="1"/>
+              <a:t>giá</a:t>
+            </a:r>
+            <a:r>
+              <a:rPr lang="en-US" dirty="0"/>
+              <a:t> </a:t>
+            </a:r>
+            <a:r>
+              <a:rPr lang="en-US" dirty="0" err="1"/>
+              <a:t>rị</a:t>
+            </a:r>
+            <a:r>
+              <a:rPr lang="en-US" dirty="0"/>
+              <a:t> PO </a:t>
+            </a:r>
+            <a:r>
+              <a:rPr lang="en-US" dirty="0" err="1"/>
+              <a:t>hoặc</a:t>
+            </a:r>
+            <a:r>
+              <a:rPr lang="en-US" dirty="0"/>
+              <a:t> </a:t>
+            </a:r>
+            <a:r>
+              <a:rPr lang="en-US" dirty="0" err="1"/>
+              <a:t>theo</a:t>
+            </a:r>
+            <a:r>
+              <a:rPr lang="en-US" dirty="0"/>
+              <a:t> HĐ</a:t>
+            </a:r>
+          </a:p>
+        </p:txBody>
+      </p:sp>
     </p:spTree>
     <p:extLst>
       <p:ext uri="{BB962C8B-B14F-4D97-AF65-F5344CB8AC3E}">
-        <p14:creationId xmlns:p14="http://schemas.microsoft.com/office/powerpoint/2010/main" val="1144240205"/>
+        <p14:creationId xmlns:p14="http://schemas.microsoft.com/office/powerpoint/2010/main" val="1973243417"/>
       </p:ext>
     </p:extLst>
   </p:cSld>
@@ -3280,142 +5873,6 @@
 </file>
 
 <file path=ppt/slides/slide13.xml><?xml version="1.0" encoding="utf-8"?>
-<p:sld xmlns:a="http://schemas.openxmlformats.org/drawingml/2006/main" xmlns:r="http://schemas.openxmlformats.org/officeDocument/2006/relationships" xmlns:p="http://schemas.openxmlformats.org/presentationml/2006/main">
-  <p:cSld>
-    <p:spTree>
-      <p:nvGrpSpPr>
-        <p:cNvPr id="1" name=""/>
-        <p:cNvGrpSpPr/>
-        <p:nvPr/>
-      </p:nvGrpSpPr>
-      <p:grpSpPr>
-        <a:xfrm>
-          <a:off x="0" y="0"/>
-          <a:ext cx="0" cy="0"/>
-          <a:chOff x="0" y="0"/>
-          <a:chExt cx="0" cy="0"/>
-        </a:xfrm>
-      </p:grpSpPr>
-      <p:sp>
-        <p:nvSpPr>
-          <p:cNvPr id="3" name="Slide Number Placeholder 2"/>
-          <p:cNvSpPr>
-            <a:spLocks noGrp="1"/>
-          </p:cNvSpPr>
-          <p:nvPr>
-            <p:ph type="sldNum" sz="quarter" idx="12"/>
-          </p:nvPr>
-        </p:nvSpPr>
-        <p:spPr/>
-        <p:txBody>
-          <a:bodyPr/>
-          <a:lstStyle/>
-          <a:p>
-            <a:r>
-              <a:rPr lang="en-US"/>
-              <a:t>Trang </a:t>
-            </a:r>
-            <a:fld id="{E7D32B5F-41CF-481A-8F91-FA06097D4788}" type="slidenum">
-              <a:rPr lang="vi-VN" smtClean="0"/>
-              <a:pPr/>
-              <a:t>13</a:t>
-            </a:fld>
-            <a:endParaRPr lang="vi-VN"/>
-          </a:p>
-        </p:txBody>
-      </p:sp>
-      <p:sp>
-        <p:nvSpPr>
-          <p:cNvPr id="4" name="Title 3"/>
-          <p:cNvSpPr>
-            <a:spLocks noGrp="1"/>
-          </p:cNvSpPr>
-          <p:nvPr>
-            <p:ph type="title"/>
-          </p:nvPr>
-        </p:nvSpPr>
-        <p:spPr>
-          <a:xfrm>
-            <a:off x="3215680" y="584684"/>
-            <a:ext cx="8366721" cy="501774"/>
-          </a:xfrm>
-        </p:spPr>
-        <p:txBody>
-          <a:bodyPr/>
-          <a:lstStyle/>
-          <a:p>
-            <a:r>
-              <a:rPr lang="en-US" b="1">
-                <a:latin typeface="Segoe UI" panose="020B0502040204020203" pitchFamily="34" charset="0"/>
-                <a:cs typeface="Segoe UI" panose="020B0502040204020203" pitchFamily="34" charset="0"/>
-              </a:rPr>
-              <a:t>Trang cổng thông tin t</a:t>
-            </a:r>
-            <a:r>
-              <a:rPr lang="vi-VN" b="1">
-                <a:latin typeface="Segoe UI" panose="020B0502040204020203" pitchFamily="34" charset="0"/>
-                <a:cs typeface="Segoe UI" panose="020B0502040204020203" pitchFamily="34" charset="0"/>
-              </a:rPr>
-              <a:t>ư</a:t>
-            </a:r>
-            <a:r>
-              <a:rPr lang="en-US" b="1">
-                <a:latin typeface="Segoe UI" panose="020B0502040204020203" pitchFamily="34" charset="0"/>
-                <a:cs typeface="Segoe UI" panose="020B0502040204020203" pitchFamily="34" charset="0"/>
-              </a:rPr>
-              <a:t>ơng lai (Sharepoint 365)</a:t>
-            </a:r>
-            <a:endParaRPr lang="it-IT" b="1"/>
-          </a:p>
-        </p:txBody>
-      </p:sp>
-      <p:pic>
-        <p:nvPicPr>
-          <p:cNvPr id="2" name="Picture 1">
-            <a:extLst>
-              <a:ext uri="{FF2B5EF4-FFF2-40B4-BE49-F238E27FC236}">
-                <a16:creationId xmlns:a16="http://schemas.microsoft.com/office/drawing/2014/main" id="{42D6BE15-302B-48D2-99A4-39EAD2BDE47C}"/>
-              </a:ext>
-            </a:extLst>
-          </p:cNvPr>
-          <p:cNvPicPr>
-            <a:picLocks noChangeAspect="1"/>
-          </p:cNvPicPr>
-          <p:nvPr/>
-        </p:nvPicPr>
-        <p:blipFill>
-          <a:blip r:embed="rId2"/>
-          <a:stretch>
-            <a:fillRect/>
-          </a:stretch>
-        </p:blipFill>
-        <p:spPr>
-          <a:xfrm>
-            <a:off x="2181702" y="1230994"/>
-            <a:ext cx="7828595" cy="5424972"/>
-          </a:xfrm>
-          <a:prstGeom prst="rect">
-            <a:avLst/>
-          </a:prstGeom>
-        </p:spPr>
-      </p:pic>
-    </p:spTree>
-    <p:extLst>
-      <p:ext uri="{BB962C8B-B14F-4D97-AF65-F5344CB8AC3E}">
-        <p14:creationId xmlns:p14="http://schemas.microsoft.com/office/powerpoint/2010/main" val="3372215881"/>
-      </p:ext>
-    </p:extLst>
-  </p:cSld>
-  <p:clrMapOvr>
-    <a:masterClrMapping/>
-  </p:clrMapOvr>
-  <p:transition spd="slow">
-    <p:push dir="u"/>
-  </p:transition>
-</p:sld>
-</file>
-
-<file path=ppt/slides/slide14.xml><?xml version="1.0" encoding="utf-8"?>
 <p:sld xmlns:a="http://schemas.openxmlformats.org/drawingml/2006/main" xmlns:r="http://schemas.openxmlformats.org/officeDocument/2006/relationships" xmlns:p="http://schemas.openxmlformats.org/presentationml/2006/main">
   <p:cSld>
     <p:spTree>
@@ -3451,7 +5908,7 @@
           <a:p>
             <a:r>
               <a:rPr lang="en-US" sz="3000" b="1" dirty="0"/>
-              <a:t>CẢM ƠN !!</a:t>
+              <a:t>XIN CẢM ƠN !!</a:t>
             </a:r>
           </a:p>
         </p:txBody>
@@ -3478,7 +5935,7 @@
             <a:fld id="{E7D32B5F-41CF-481A-8F91-FA06097D4788}" type="slidenum">
               <a:rPr lang="vi-VN" smtClean="0"/>
               <a:pPr/>
-              <a:t>14</a:t>
+              <a:t>13</a:t>
             </a:fld>
             <a:endParaRPr lang="vi-VN"/>
           </a:p>
@@ -3566,13 +6023,55 @@
           <a:lstStyle/>
           <a:p>
             <a:r>
-              <a:rPr lang="en-US" b="1">
+              <a:rPr lang="en-US" b="1" dirty="0" err="1">
                 <a:latin typeface="Segoe UI" panose="020B0502040204020203" pitchFamily="34" charset="0"/>
                 <a:cs typeface="Segoe UI" panose="020B0502040204020203" pitchFamily="34" charset="0"/>
               </a:rPr>
-              <a:t>Trang cổng thông tin hiện tại (BIO Portal)</a:t>
-            </a:r>
-            <a:endParaRPr lang="it-IT" b="1"/>
+              <a:t>Ứng</a:t>
+            </a:r>
+            <a:r>
+              <a:rPr lang="en-US" b="1" dirty="0">
+                <a:latin typeface="Segoe UI" panose="020B0502040204020203" pitchFamily="34" charset="0"/>
+                <a:cs typeface="Segoe UI" panose="020B0502040204020203" pitchFamily="34" charset="0"/>
+              </a:rPr>
+              <a:t> </a:t>
+            </a:r>
+            <a:r>
+              <a:rPr lang="en-US" b="1" dirty="0" err="1">
+                <a:latin typeface="Segoe UI" panose="020B0502040204020203" pitchFamily="34" charset="0"/>
+                <a:cs typeface="Segoe UI" panose="020B0502040204020203" pitchFamily="34" charset="0"/>
+              </a:rPr>
+              <a:t>dụng</a:t>
+            </a:r>
+            <a:r>
+              <a:rPr lang="en-US" b="1" dirty="0">
+                <a:latin typeface="Segoe UI" panose="020B0502040204020203" pitchFamily="34" charset="0"/>
+                <a:cs typeface="Segoe UI" panose="020B0502040204020203" pitchFamily="34" charset="0"/>
+              </a:rPr>
+              <a:t> PRPO </a:t>
+            </a:r>
+            <a:r>
+              <a:rPr lang="en-US" b="1" dirty="0" err="1">
+                <a:latin typeface="Segoe UI" panose="020B0502040204020203" pitchFamily="34" charset="0"/>
+                <a:cs typeface="Segoe UI" panose="020B0502040204020203" pitchFamily="34" charset="0"/>
+              </a:rPr>
+              <a:t>hiện</a:t>
+            </a:r>
+            <a:r>
+              <a:rPr lang="en-US" b="1" dirty="0">
+                <a:latin typeface="Segoe UI" panose="020B0502040204020203" pitchFamily="34" charset="0"/>
+                <a:cs typeface="Segoe UI" panose="020B0502040204020203" pitchFamily="34" charset="0"/>
+              </a:rPr>
+              <a:t> </a:t>
+            </a:r>
+            <a:r>
+              <a:rPr lang="en-US" b="1" dirty="0" err="1">
+                <a:latin typeface="Segoe UI" panose="020B0502040204020203" pitchFamily="34" charset="0"/>
+                <a:cs typeface="Segoe UI" panose="020B0502040204020203" pitchFamily="34" charset="0"/>
+              </a:rPr>
+              <a:t>tại</a:t>
+            </a:r>
+            <a:endParaRPr lang="it-IT" b="1" dirty="0"/>
           </a:p>
         </p:txBody>
       </p:sp>
@@ -3621,7 +6120,7 @@
         <p:spPr>
           <a:xfrm>
             <a:off x="7943528" y="2305615"/>
-            <a:ext cx="4248472" cy="2308324"/>
+            <a:ext cx="4248472" cy="2000548"/>
           </a:xfrm>
           <a:prstGeom prst="rect">
             <a:avLst/>
@@ -3635,7 +6134,7 @@
           <a:lstStyle/>
           <a:p>
             <a:r>
-              <a:rPr lang="vi-VN" sz="2400" b="1"/>
+              <a:rPr lang="vi-VN" sz="2400" b="1" dirty="0"/>
               <a:t>Hiện trạng</a:t>
             </a:r>
           </a:p>
@@ -3645,15 +6144,225 @@
               <a:buChar char="-"/>
             </a:pPr>
             <a:r>
-              <a:rPr lang="vi-VN" sz="2000">
+              <a:rPr lang="en-US" sz="2000" dirty="0" err="1">
                 <a:solidFill>
                   <a:schemeClr val="tx1">
                     <a:lumMod val="65000"/>
                     <a:lumOff val="35000"/>
                   </a:schemeClr>
                 </a:solidFill>
-              </a:rPr>
-              <a:t>Trang home chỉ có icon, không cung cấp thông tin.</a:t>
+                <a:latin typeface="Arial" panose="020B0604020202020204" pitchFamily="34" charset="0"/>
+                <a:cs typeface="Arial" panose="020B0604020202020204" pitchFamily="34" charset="0"/>
+              </a:rPr>
+              <a:t>Chậm</a:t>
+            </a:r>
+            <a:r>
+              <a:rPr lang="en-US" sz="2000" dirty="0">
+                <a:solidFill>
+                  <a:schemeClr val="tx1">
+                    <a:lumMod val="65000"/>
+                    <a:lumOff val="35000"/>
+                  </a:schemeClr>
+                </a:solidFill>
+                <a:latin typeface="Arial" panose="020B0604020202020204" pitchFamily="34" charset="0"/>
+                <a:cs typeface="Arial" panose="020B0604020202020204" pitchFamily="34" charset="0"/>
+              </a:rPr>
+              <a:t>, </a:t>
+            </a:r>
+            <a:r>
+              <a:rPr lang="en-US" sz="2000" dirty="0" err="1">
+                <a:solidFill>
+                  <a:schemeClr val="tx1">
+                    <a:lumMod val="65000"/>
+                    <a:lumOff val="35000"/>
+                  </a:schemeClr>
+                </a:solidFill>
+                <a:latin typeface="Arial" panose="020B0604020202020204" pitchFamily="34" charset="0"/>
+                <a:cs typeface="Arial" panose="020B0604020202020204" pitchFamily="34" charset="0"/>
+              </a:rPr>
+              <a:t>gây</a:t>
+            </a:r>
+            <a:r>
+              <a:rPr lang="en-US" sz="2000" dirty="0">
+                <a:solidFill>
+                  <a:schemeClr val="tx1">
+                    <a:lumMod val="65000"/>
+                    <a:lumOff val="35000"/>
+                  </a:schemeClr>
+                </a:solidFill>
+                <a:latin typeface="Arial" panose="020B0604020202020204" pitchFamily="34" charset="0"/>
+                <a:cs typeface="Arial" panose="020B0604020202020204" pitchFamily="34" charset="0"/>
+              </a:rPr>
+              <a:t> </a:t>
+            </a:r>
+            <a:r>
+              <a:rPr lang="en-US" sz="2000" dirty="0" err="1">
+                <a:solidFill>
+                  <a:schemeClr val="tx1">
+                    <a:lumMod val="65000"/>
+                    <a:lumOff val="35000"/>
+                  </a:schemeClr>
+                </a:solidFill>
+                <a:latin typeface="Arial" panose="020B0604020202020204" pitchFamily="34" charset="0"/>
+                <a:cs typeface="Arial" panose="020B0604020202020204" pitchFamily="34" charset="0"/>
+              </a:rPr>
+              <a:t>khó</a:t>
+            </a:r>
+            <a:r>
+              <a:rPr lang="en-US" sz="2000" dirty="0">
+                <a:solidFill>
+                  <a:schemeClr val="tx1">
+                    <a:lumMod val="65000"/>
+                    <a:lumOff val="35000"/>
+                  </a:schemeClr>
+                </a:solidFill>
+                <a:latin typeface="Arial" panose="020B0604020202020204" pitchFamily="34" charset="0"/>
+                <a:cs typeface="Arial" panose="020B0604020202020204" pitchFamily="34" charset="0"/>
+              </a:rPr>
+              <a:t> </a:t>
+            </a:r>
+            <a:r>
+              <a:rPr lang="en-US" sz="2000" dirty="0" err="1">
+                <a:solidFill>
+                  <a:schemeClr val="tx1">
+                    <a:lumMod val="65000"/>
+                    <a:lumOff val="35000"/>
+                  </a:schemeClr>
+                </a:solidFill>
+                <a:latin typeface="Arial" panose="020B0604020202020204" pitchFamily="34" charset="0"/>
+                <a:cs typeface="Arial" panose="020B0604020202020204" pitchFamily="34" charset="0"/>
+              </a:rPr>
+              <a:t>khăn</a:t>
+            </a:r>
+            <a:r>
+              <a:rPr lang="en-US" sz="2000" dirty="0">
+                <a:solidFill>
+                  <a:schemeClr val="tx1">
+                    <a:lumMod val="65000"/>
+                    <a:lumOff val="35000"/>
+                  </a:schemeClr>
+                </a:solidFill>
+                <a:latin typeface="Arial" panose="020B0604020202020204" pitchFamily="34" charset="0"/>
+                <a:cs typeface="Arial" panose="020B0604020202020204" pitchFamily="34" charset="0"/>
+              </a:rPr>
+              <a:t> </a:t>
+            </a:r>
+            <a:r>
+              <a:rPr lang="en-US" sz="2000" dirty="0" err="1">
+                <a:solidFill>
+                  <a:schemeClr val="tx1">
+                    <a:lumMod val="65000"/>
+                    <a:lumOff val="35000"/>
+                  </a:schemeClr>
+                </a:solidFill>
+                <a:latin typeface="Arial" panose="020B0604020202020204" pitchFamily="34" charset="0"/>
+                <a:cs typeface="Arial" panose="020B0604020202020204" pitchFamily="34" charset="0"/>
+              </a:rPr>
+              <a:t>cho</a:t>
+            </a:r>
+            <a:r>
+              <a:rPr lang="en-US" sz="2000" dirty="0">
+                <a:solidFill>
+                  <a:schemeClr val="tx1">
+                    <a:lumMod val="65000"/>
+                    <a:lumOff val="35000"/>
+                  </a:schemeClr>
+                </a:solidFill>
+                <a:latin typeface="Arial" panose="020B0604020202020204" pitchFamily="34" charset="0"/>
+                <a:cs typeface="Arial" panose="020B0604020202020204" pitchFamily="34" charset="0"/>
+              </a:rPr>
+              <a:t> ng</a:t>
+            </a:r>
+            <a:r>
+              <a:rPr lang="vi-VN" sz="2000" dirty="0">
+                <a:solidFill>
+                  <a:schemeClr val="tx1">
+                    <a:lumMod val="65000"/>
+                    <a:lumOff val="35000"/>
+                  </a:schemeClr>
+                </a:solidFill>
+                <a:latin typeface="Arial" panose="020B0604020202020204" pitchFamily="34" charset="0"/>
+                <a:cs typeface="Arial" panose="020B0604020202020204" pitchFamily="34" charset="0"/>
+              </a:rPr>
+              <a:t>ư</a:t>
+            </a:r>
+            <a:r>
+              <a:rPr lang="en-US" sz="2000" dirty="0" err="1">
+                <a:solidFill>
+                  <a:schemeClr val="tx1">
+                    <a:lumMod val="65000"/>
+                    <a:lumOff val="35000"/>
+                  </a:schemeClr>
+                </a:solidFill>
+                <a:latin typeface="Arial" panose="020B0604020202020204" pitchFamily="34" charset="0"/>
+                <a:cs typeface="Arial" panose="020B0604020202020204" pitchFamily="34" charset="0"/>
+              </a:rPr>
+              <a:t>ời</a:t>
+            </a:r>
+            <a:r>
+              <a:rPr lang="en-US" sz="2000" dirty="0">
+                <a:solidFill>
+                  <a:schemeClr val="tx1">
+                    <a:lumMod val="65000"/>
+                    <a:lumOff val="35000"/>
+                  </a:schemeClr>
+                </a:solidFill>
+                <a:latin typeface="Arial" panose="020B0604020202020204" pitchFamily="34" charset="0"/>
+                <a:cs typeface="Arial" panose="020B0604020202020204" pitchFamily="34" charset="0"/>
+              </a:rPr>
+              <a:t> </a:t>
+            </a:r>
+            <a:r>
+              <a:rPr lang="en-US" sz="2000" dirty="0" err="1">
+                <a:solidFill>
+                  <a:schemeClr val="tx1">
+                    <a:lumMod val="65000"/>
+                    <a:lumOff val="35000"/>
+                  </a:schemeClr>
+                </a:solidFill>
+                <a:latin typeface="Arial" panose="020B0604020202020204" pitchFamily="34" charset="0"/>
+                <a:cs typeface="Arial" panose="020B0604020202020204" pitchFamily="34" charset="0"/>
+              </a:rPr>
+              <a:t>sử</a:t>
+            </a:r>
+            <a:r>
+              <a:rPr lang="en-US" sz="2000" dirty="0">
+                <a:solidFill>
+                  <a:schemeClr val="tx1">
+                    <a:lumMod val="65000"/>
+                    <a:lumOff val="35000"/>
+                  </a:schemeClr>
+                </a:solidFill>
+                <a:latin typeface="Arial" panose="020B0604020202020204" pitchFamily="34" charset="0"/>
+                <a:cs typeface="Arial" panose="020B0604020202020204" pitchFamily="34" charset="0"/>
+              </a:rPr>
+              <a:t> </a:t>
+            </a:r>
+            <a:r>
+              <a:rPr lang="en-US" sz="2000" dirty="0" err="1">
+                <a:solidFill>
+                  <a:schemeClr val="tx1">
+                    <a:lumMod val="65000"/>
+                    <a:lumOff val="35000"/>
+                  </a:schemeClr>
+                </a:solidFill>
+                <a:latin typeface="Arial" panose="020B0604020202020204" pitchFamily="34" charset="0"/>
+                <a:cs typeface="Arial" panose="020B0604020202020204" pitchFamily="34" charset="0"/>
+              </a:rPr>
+              <a:t>dụng</a:t>
+            </a:r>
+            <a:r>
+              <a:rPr lang="vi-VN" sz="2000" dirty="0">
+                <a:solidFill>
+                  <a:schemeClr val="tx1">
+                    <a:lumMod val="65000"/>
+                    <a:lumOff val="35000"/>
+                  </a:schemeClr>
+                </a:solidFill>
+                <a:latin typeface="Arial" panose="020B0604020202020204" pitchFamily="34" charset="0"/>
+                <a:cs typeface="Arial" panose="020B0604020202020204" pitchFamily="34" charset="0"/>
+              </a:rPr>
+              <a:t>.</a:t>
             </a:r>
           </a:p>
           <a:p>
@@ -3662,33 +6371,326 @@
               <a:buChar char="-"/>
             </a:pPr>
             <a:r>
-              <a:rPr lang="vi-VN" sz="2000">
+              <a:rPr lang="en-US" sz="2000" dirty="0" err="1">
                 <a:solidFill>
                   <a:schemeClr val="tx1">
                     <a:lumMod val="65000"/>
                     <a:lumOff val="35000"/>
                   </a:schemeClr>
                 </a:solidFill>
-              </a:rPr>
-              <a:t>Tốc độ truy cập trang home chậm.</a:t>
-            </a:r>
-          </a:p>
-          <a:p>
-            <a:pPr marL="285750" indent="-285750">
-              <a:buFontTx/>
-              <a:buChar char="-"/>
-            </a:pPr>
-            <a:r>
-              <a:rPr lang="vi-VN" sz="2000">
+                <a:latin typeface="Arial" panose="020B0604020202020204" pitchFamily="34" charset="0"/>
+                <a:cs typeface="Arial" panose="020B0604020202020204" pitchFamily="34" charset="0"/>
+              </a:rPr>
+              <a:t>Dữ</a:t>
+            </a:r>
+            <a:r>
+              <a:rPr lang="en-US" sz="2000" dirty="0">
                 <a:solidFill>
                   <a:schemeClr val="tx1">
                     <a:lumMod val="65000"/>
                     <a:lumOff val="35000"/>
                   </a:schemeClr>
                 </a:solidFill>
-              </a:rPr>
-              <a:t>Hoạt động trên nền tảng Sharepoint On-Premise</a:t>
-            </a:r>
+                <a:latin typeface="Arial" panose="020B0604020202020204" pitchFamily="34" charset="0"/>
+                <a:cs typeface="Arial" panose="020B0604020202020204" pitchFamily="34" charset="0"/>
+              </a:rPr>
+              <a:t> </a:t>
+            </a:r>
+            <a:r>
+              <a:rPr lang="en-US" sz="2000" dirty="0" err="1">
+                <a:solidFill>
+                  <a:schemeClr val="tx1">
+                    <a:lumMod val="65000"/>
+                    <a:lumOff val="35000"/>
+                  </a:schemeClr>
+                </a:solidFill>
+                <a:latin typeface="Arial" panose="020B0604020202020204" pitchFamily="34" charset="0"/>
+                <a:cs typeface="Arial" panose="020B0604020202020204" pitchFamily="34" charset="0"/>
+              </a:rPr>
+              <a:t>liệu</a:t>
+            </a:r>
+            <a:r>
+              <a:rPr lang="en-US" sz="2000" dirty="0">
+                <a:solidFill>
+                  <a:schemeClr val="tx1">
+                    <a:lumMod val="65000"/>
+                    <a:lumOff val="35000"/>
+                  </a:schemeClr>
+                </a:solidFill>
+                <a:latin typeface="Arial" panose="020B0604020202020204" pitchFamily="34" charset="0"/>
+                <a:cs typeface="Arial" panose="020B0604020202020204" pitchFamily="34" charset="0"/>
+              </a:rPr>
+              <a:t> </a:t>
+            </a:r>
+            <a:r>
+              <a:rPr lang="en-US" sz="2000" dirty="0" err="1">
+                <a:solidFill>
+                  <a:schemeClr val="tx1">
+                    <a:lumMod val="65000"/>
+                    <a:lumOff val="35000"/>
+                  </a:schemeClr>
+                </a:solidFill>
+                <a:latin typeface="Arial" panose="020B0604020202020204" pitchFamily="34" charset="0"/>
+                <a:cs typeface="Arial" panose="020B0604020202020204" pitchFamily="34" charset="0"/>
+              </a:rPr>
+              <a:t>vật</a:t>
+            </a:r>
+            <a:r>
+              <a:rPr lang="en-US" sz="2000" dirty="0">
+                <a:solidFill>
+                  <a:schemeClr val="tx1">
+                    <a:lumMod val="65000"/>
+                    <a:lumOff val="35000"/>
+                  </a:schemeClr>
+                </a:solidFill>
+                <a:latin typeface="Arial" panose="020B0604020202020204" pitchFamily="34" charset="0"/>
+                <a:cs typeface="Arial" panose="020B0604020202020204" pitchFamily="34" charset="0"/>
+              </a:rPr>
+              <a:t> t</a:t>
+            </a:r>
+            <a:r>
+              <a:rPr lang="vi-VN" sz="2000" dirty="0">
+                <a:solidFill>
+                  <a:schemeClr val="tx1">
+                    <a:lumMod val="65000"/>
+                    <a:lumOff val="35000"/>
+                  </a:schemeClr>
+                </a:solidFill>
+                <a:latin typeface="Arial" panose="020B0604020202020204" pitchFamily="34" charset="0"/>
+                <a:cs typeface="Arial" panose="020B0604020202020204" pitchFamily="34" charset="0"/>
+              </a:rPr>
+              <a:t>ư</a:t>
+            </a:r>
+            <a:r>
+              <a:rPr lang="en-US" sz="2000" dirty="0">
+                <a:solidFill>
+                  <a:schemeClr val="tx1">
+                    <a:lumMod val="65000"/>
+                    <a:lumOff val="35000"/>
+                  </a:schemeClr>
+                </a:solidFill>
+                <a:latin typeface="Arial" panose="020B0604020202020204" pitchFamily="34" charset="0"/>
+                <a:cs typeface="Arial" panose="020B0604020202020204" pitchFamily="34" charset="0"/>
+              </a:rPr>
+              <a:t> </a:t>
+            </a:r>
+            <a:r>
+              <a:rPr lang="en-US" sz="2000" dirty="0" err="1">
+                <a:solidFill>
+                  <a:schemeClr val="tx1">
+                    <a:lumMod val="65000"/>
+                    <a:lumOff val="35000"/>
+                  </a:schemeClr>
+                </a:solidFill>
+                <a:latin typeface="Arial" panose="020B0604020202020204" pitchFamily="34" charset="0"/>
+                <a:cs typeface="Arial" panose="020B0604020202020204" pitchFamily="34" charset="0"/>
+              </a:rPr>
+              <a:t>không</a:t>
+            </a:r>
+            <a:r>
+              <a:rPr lang="en-US" sz="2000" dirty="0">
+                <a:solidFill>
+                  <a:schemeClr val="tx1">
+                    <a:lumMod val="65000"/>
+                    <a:lumOff val="35000"/>
+                  </a:schemeClr>
+                </a:solidFill>
+                <a:latin typeface="Arial" panose="020B0604020202020204" pitchFamily="34" charset="0"/>
+                <a:cs typeface="Arial" panose="020B0604020202020204" pitchFamily="34" charset="0"/>
+              </a:rPr>
+              <a:t> </a:t>
+            </a:r>
+            <a:r>
+              <a:rPr lang="en-US" sz="2000" dirty="0" err="1">
+                <a:solidFill>
+                  <a:schemeClr val="tx1">
+                    <a:lumMod val="65000"/>
+                    <a:lumOff val="35000"/>
+                  </a:schemeClr>
+                </a:solidFill>
+                <a:latin typeface="Arial" panose="020B0604020202020204" pitchFamily="34" charset="0"/>
+                <a:cs typeface="Arial" panose="020B0604020202020204" pitchFamily="34" charset="0"/>
+              </a:rPr>
+              <a:t>liên</a:t>
+            </a:r>
+            <a:r>
+              <a:rPr lang="en-US" sz="2000" dirty="0">
+                <a:solidFill>
+                  <a:schemeClr val="tx1">
+                    <a:lumMod val="65000"/>
+                    <a:lumOff val="35000"/>
+                  </a:schemeClr>
+                </a:solidFill>
+                <a:latin typeface="Arial" panose="020B0604020202020204" pitchFamily="34" charset="0"/>
+                <a:cs typeface="Arial" panose="020B0604020202020204" pitchFamily="34" charset="0"/>
+              </a:rPr>
+              <a:t> </a:t>
+            </a:r>
+            <a:r>
+              <a:rPr lang="en-US" sz="2000" dirty="0" err="1">
+                <a:solidFill>
+                  <a:schemeClr val="tx1">
+                    <a:lumMod val="65000"/>
+                    <a:lumOff val="35000"/>
+                  </a:schemeClr>
+                </a:solidFill>
+                <a:latin typeface="Arial" panose="020B0604020202020204" pitchFamily="34" charset="0"/>
+                <a:cs typeface="Arial" panose="020B0604020202020204" pitchFamily="34" charset="0"/>
+              </a:rPr>
+              <a:t>kết</a:t>
+            </a:r>
+            <a:r>
+              <a:rPr lang="en-US" sz="2000" dirty="0">
+                <a:solidFill>
+                  <a:schemeClr val="tx1">
+                    <a:lumMod val="65000"/>
+                    <a:lumOff val="35000"/>
+                  </a:schemeClr>
+                </a:solidFill>
+                <a:latin typeface="Arial" panose="020B0604020202020204" pitchFamily="34" charset="0"/>
+                <a:cs typeface="Arial" panose="020B0604020202020204" pitchFamily="34" charset="0"/>
+              </a:rPr>
+              <a:t> đ</a:t>
+            </a:r>
+            <a:r>
+              <a:rPr lang="vi-VN" sz="2000" dirty="0">
+                <a:solidFill>
+                  <a:schemeClr val="tx1">
+                    <a:lumMod val="65000"/>
+                    <a:lumOff val="35000"/>
+                  </a:schemeClr>
+                </a:solidFill>
+                <a:latin typeface="Arial" panose="020B0604020202020204" pitchFamily="34" charset="0"/>
+                <a:cs typeface="Arial" panose="020B0604020202020204" pitchFamily="34" charset="0"/>
+              </a:rPr>
+              <a:t>ư</a:t>
+            </a:r>
+            <a:r>
+              <a:rPr lang="en-US" sz="2000" dirty="0" err="1">
+                <a:solidFill>
+                  <a:schemeClr val="tx1">
+                    <a:lumMod val="65000"/>
+                    <a:lumOff val="35000"/>
+                  </a:schemeClr>
+                </a:solidFill>
+                <a:latin typeface="Arial" panose="020B0604020202020204" pitchFamily="34" charset="0"/>
+                <a:cs typeface="Arial" panose="020B0604020202020204" pitchFamily="34" charset="0"/>
+              </a:rPr>
+              <a:t>ợc</a:t>
+            </a:r>
+            <a:r>
+              <a:rPr lang="en-US" sz="2000" dirty="0">
+                <a:solidFill>
+                  <a:schemeClr val="tx1">
+                    <a:lumMod val="65000"/>
+                    <a:lumOff val="35000"/>
+                  </a:schemeClr>
+                </a:solidFill>
+                <a:latin typeface="Arial" panose="020B0604020202020204" pitchFamily="34" charset="0"/>
+                <a:cs typeface="Arial" panose="020B0604020202020204" pitchFamily="34" charset="0"/>
+              </a:rPr>
+              <a:t> </a:t>
+            </a:r>
+            <a:r>
+              <a:rPr lang="en-US" sz="2000" dirty="0" err="1">
+                <a:solidFill>
+                  <a:schemeClr val="tx1">
+                    <a:lumMod val="65000"/>
+                    <a:lumOff val="35000"/>
+                  </a:schemeClr>
+                </a:solidFill>
+                <a:latin typeface="Arial" panose="020B0604020202020204" pitchFamily="34" charset="0"/>
+                <a:cs typeface="Arial" panose="020B0604020202020204" pitchFamily="34" charset="0"/>
+              </a:rPr>
+              <a:t>với</a:t>
+            </a:r>
+            <a:r>
+              <a:rPr lang="en-US" sz="2000" dirty="0">
+                <a:solidFill>
+                  <a:schemeClr val="tx1">
+                    <a:lumMod val="65000"/>
+                    <a:lumOff val="35000"/>
+                  </a:schemeClr>
+                </a:solidFill>
+                <a:latin typeface="Arial" panose="020B0604020202020204" pitchFamily="34" charset="0"/>
+                <a:cs typeface="Arial" panose="020B0604020202020204" pitchFamily="34" charset="0"/>
+              </a:rPr>
+              <a:t> </a:t>
+            </a:r>
+            <a:r>
+              <a:rPr lang="en-US" sz="2000" dirty="0" err="1">
+                <a:solidFill>
+                  <a:schemeClr val="tx1">
+                    <a:lumMod val="65000"/>
+                    <a:lumOff val="35000"/>
+                  </a:schemeClr>
+                </a:solidFill>
+                <a:latin typeface="Arial" panose="020B0604020202020204" pitchFamily="34" charset="0"/>
+                <a:cs typeface="Arial" panose="020B0604020202020204" pitchFamily="34" charset="0"/>
+              </a:rPr>
+              <a:t>hệ</a:t>
+            </a:r>
+            <a:r>
+              <a:rPr lang="en-US" sz="2000" dirty="0">
+                <a:solidFill>
+                  <a:schemeClr val="tx1">
+                    <a:lumMod val="65000"/>
+                    <a:lumOff val="35000"/>
+                  </a:schemeClr>
+                </a:solidFill>
+                <a:latin typeface="Arial" panose="020B0604020202020204" pitchFamily="34" charset="0"/>
+                <a:cs typeface="Arial" panose="020B0604020202020204" pitchFamily="34" charset="0"/>
+              </a:rPr>
+              <a:t> </a:t>
+            </a:r>
+            <a:r>
+              <a:rPr lang="en-US" sz="2000" dirty="0" err="1">
+                <a:solidFill>
+                  <a:schemeClr val="tx1">
+                    <a:lumMod val="65000"/>
+                    <a:lumOff val="35000"/>
+                  </a:schemeClr>
+                </a:solidFill>
+                <a:latin typeface="Arial" panose="020B0604020202020204" pitchFamily="34" charset="0"/>
+                <a:cs typeface="Arial" panose="020B0604020202020204" pitchFamily="34" charset="0"/>
+              </a:rPr>
+              <a:t>thống</a:t>
+            </a:r>
+            <a:r>
+              <a:rPr lang="en-US" sz="2000" dirty="0">
+                <a:solidFill>
+                  <a:schemeClr val="tx1">
+                    <a:lumMod val="65000"/>
+                    <a:lumOff val="35000"/>
+                  </a:schemeClr>
+                </a:solidFill>
+                <a:latin typeface="Arial" panose="020B0604020202020204" pitchFamily="34" charset="0"/>
+                <a:cs typeface="Arial" panose="020B0604020202020204" pitchFamily="34" charset="0"/>
+              </a:rPr>
+              <a:t> SAP</a:t>
+            </a:r>
+            <a:endParaRPr lang="vi-VN" sz="2000" dirty="0">
+              <a:solidFill>
+                <a:schemeClr val="tx1">
+                  <a:lumMod val="65000"/>
+                  <a:lumOff val="35000"/>
+                </a:schemeClr>
+              </a:solidFill>
+              <a:latin typeface="Arial" panose="020B0604020202020204" pitchFamily="34" charset="0"/>
+              <a:cs typeface="Arial" panose="020B0604020202020204" pitchFamily="34" charset="0"/>
+            </a:endParaRPr>
+          </a:p>
+          <a:p>
+            <a:endParaRPr lang="vi-VN" sz="2000" dirty="0">
+              <a:solidFill>
+                <a:schemeClr val="tx1">
+                  <a:lumMod val="65000"/>
+                  <a:lumOff val="35000"/>
+                </a:schemeClr>
+              </a:solidFill>
+              <a:latin typeface="Arial" panose="020B0604020202020204" pitchFamily="34" charset="0"/>
+              <a:cs typeface="Arial" panose="020B0604020202020204" pitchFamily="34" charset="0"/>
+            </a:endParaRPr>
           </a:p>
         </p:txBody>
       </p:sp>
@@ -3774,27 +6776,41 @@
           <a:lstStyle/>
           <a:p>
             <a:r>
-              <a:rPr lang="en-US" b="1">
+              <a:rPr lang="en-US" b="1" dirty="0" err="1">
                 <a:latin typeface="Segoe UI" panose="020B0502040204020203" pitchFamily="34" charset="0"/>
                 <a:cs typeface="Segoe UI" panose="020B0502040204020203" pitchFamily="34" charset="0"/>
               </a:rPr>
-              <a:t>Trang cổng thông tin t</a:t>
-            </a:r>
-            <a:r>
-              <a:rPr lang="vi-VN" b="1">
+              <a:t>Ứng</a:t>
+            </a:r>
+            <a:r>
+              <a:rPr lang="en-US" b="1" dirty="0">
                 <a:latin typeface="Segoe UI" panose="020B0502040204020203" pitchFamily="34" charset="0"/>
                 <a:cs typeface="Segoe UI" panose="020B0502040204020203" pitchFamily="34" charset="0"/>
               </a:rPr>
-              <a:t>ư</a:t>
-            </a:r>
-            <a:r>
-              <a:rPr lang="en-US" b="1">
+              <a:t> </a:t>
+            </a:r>
+            <a:r>
+              <a:rPr lang="en-US" b="1" dirty="0" err="1">
                 <a:latin typeface="Segoe UI" panose="020B0502040204020203" pitchFamily="34" charset="0"/>
                 <a:cs typeface="Segoe UI" panose="020B0502040204020203" pitchFamily="34" charset="0"/>
               </a:rPr>
-              <a:t>ơng lai (Sharepoint 365)</a:t>
-            </a:r>
-            <a:endParaRPr lang="it-IT" b="1"/>
+              <a:t>dụng</a:t>
+            </a:r>
+            <a:r>
+              <a:rPr lang="en-US" b="1" dirty="0">
+                <a:latin typeface="Segoe UI" panose="020B0502040204020203" pitchFamily="34" charset="0"/>
+                <a:cs typeface="Segoe UI" panose="020B0502040204020203" pitchFamily="34" charset="0"/>
+              </a:rPr>
+              <a:t> PRPO </a:t>
+            </a:r>
+            <a:r>
+              <a:rPr lang="en-US" b="1" dirty="0" err="1">
+                <a:latin typeface="Segoe UI" panose="020B0502040204020203" pitchFamily="34" charset="0"/>
+                <a:cs typeface="Segoe UI" panose="020B0502040204020203" pitchFamily="34" charset="0"/>
+              </a:rPr>
+              <a:t>mới</a:t>
+            </a:r>
+            <a:endParaRPr lang="it-IT" b="1" dirty="0"/>
           </a:p>
         </p:txBody>
       </p:sp>
@@ -3827,7 +6843,7 @@
           <a:lstStyle/>
           <a:p>
             <a:r>
-              <a:rPr lang="vi-VN" sz="2400" b="1"/>
+              <a:rPr lang="vi-VN" sz="2400" b="1" dirty="0"/>
               <a:t>Mục tiêu</a:t>
             </a:r>
           </a:p>
@@ -3837,7 +6853,7 @@
               <a:buChar char="-"/>
             </a:pPr>
             <a:r>
-              <a:rPr lang="vi-VN" sz="2000">
+              <a:rPr lang="vi-VN" sz="2000" dirty="0">
                 <a:solidFill>
                   <a:schemeClr val="tx1">
                     <a:lumMod val="65000"/>
@@ -3854,7 +6870,7 @@
               <a:buChar char="-"/>
             </a:pPr>
             <a:r>
-              <a:rPr lang="vi-VN" sz="2000">
+              <a:rPr lang="en-US" sz="2000" dirty="0" err="1">
                 <a:solidFill>
                   <a:schemeClr val="tx1">
                     <a:lumMod val="65000"/>
@@ -3862,7 +6878,106 @@
                   </a:schemeClr>
                 </a:solidFill>
               </a:rPr>
-              <a:t>Cung cấp link truy cập và thông tin truyền thông.</a:t>
+              <a:t>Tốc</a:t>
+            </a:r>
+            <a:r>
+              <a:rPr lang="en-US" sz="2000" dirty="0">
+                <a:solidFill>
+                  <a:schemeClr val="tx1">
+                    <a:lumMod val="65000"/>
+                    <a:lumOff val="35000"/>
+                  </a:schemeClr>
+                </a:solidFill>
+              </a:rPr>
+              <a:t> </a:t>
+            </a:r>
+            <a:r>
+              <a:rPr lang="en-US" sz="2000" dirty="0" err="1">
+                <a:solidFill>
+                  <a:schemeClr val="tx1">
+                    <a:lumMod val="65000"/>
+                    <a:lumOff val="35000"/>
+                  </a:schemeClr>
+                </a:solidFill>
+              </a:rPr>
+              <a:t>độ</a:t>
+            </a:r>
+            <a:r>
+              <a:rPr lang="en-US" sz="2000" dirty="0">
+                <a:solidFill>
+                  <a:schemeClr val="tx1">
+                    <a:lumMod val="65000"/>
+                    <a:lumOff val="35000"/>
+                  </a:schemeClr>
+                </a:solidFill>
+              </a:rPr>
+              <a:t> </a:t>
+            </a:r>
+            <a:r>
+              <a:rPr lang="en-US" sz="2000" dirty="0" err="1">
+                <a:solidFill>
+                  <a:schemeClr val="tx1">
+                    <a:lumMod val="65000"/>
+                    <a:lumOff val="35000"/>
+                  </a:schemeClr>
+                </a:solidFill>
+              </a:rPr>
+              <a:t>xử</a:t>
+            </a:r>
+            <a:r>
+              <a:rPr lang="en-US" sz="2000" dirty="0">
+                <a:solidFill>
+                  <a:schemeClr val="tx1">
+                    <a:lumMod val="65000"/>
+                    <a:lumOff val="35000"/>
+                  </a:schemeClr>
+                </a:solidFill>
+              </a:rPr>
+              <a:t> </a:t>
+            </a:r>
+            <a:r>
+              <a:rPr lang="en-US" sz="2000" dirty="0" err="1">
+                <a:solidFill>
+                  <a:schemeClr val="tx1">
+                    <a:lumMod val="65000"/>
+                    <a:lumOff val="35000"/>
+                  </a:schemeClr>
+                </a:solidFill>
+              </a:rPr>
+              <a:t>lý</a:t>
+            </a:r>
+            <a:r>
+              <a:rPr lang="en-US" sz="2000" dirty="0">
+                <a:solidFill>
+                  <a:schemeClr val="tx1">
+                    <a:lumMod val="65000"/>
+                    <a:lumOff val="35000"/>
+                  </a:schemeClr>
+                </a:solidFill>
+              </a:rPr>
+              <a:t> </a:t>
+            </a:r>
+            <a:r>
+              <a:rPr lang="en-US" sz="2000" dirty="0" err="1">
+                <a:solidFill>
+                  <a:schemeClr val="tx1">
+                    <a:lumMod val="65000"/>
+                    <a:lumOff val="35000"/>
+                  </a:schemeClr>
+                </a:solidFill>
+              </a:rPr>
+              <a:t>nhanh</a:t>
+            </a:r>
+            <a:r>
+              <a:rPr lang="vi-VN" sz="2000" dirty="0">
+                <a:solidFill>
+                  <a:schemeClr val="tx1">
+                    <a:lumMod val="65000"/>
+                    <a:lumOff val="35000"/>
+                  </a:schemeClr>
+                </a:solidFill>
+              </a:rPr>
+              <a:t>.</a:t>
             </a:r>
           </a:p>
           <a:p>
@@ -3871,7 +6986,7 @@
               <a:buChar char="-"/>
             </a:pPr>
             <a:r>
-              <a:rPr lang="vi-VN" sz="2000">
+              <a:rPr lang="en-US" sz="2000" dirty="0" err="1">
                 <a:solidFill>
                   <a:schemeClr val="tx1">
                     <a:lumMod val="65000"/>
@@ -3879,7 +6994,216 @@
                   </a:schemeClr>
                 </a:solidFill>
               </a:rPr>
-              <a:t>Tốc độ truy cập trang home nhanh hơn.</a:t>
+              <a:t>Thông</a:t>
+            </a:r>
+            <a:r>
+              <a:rPr lang="en-US" sz="2000" dirty="0">
+                <a:solidFill>
+                  <a:schemeClr val="tx1">
+                    <a:lumMod val="65000"/>
+                    <a:lumOff val="35000"/>
+                  </a:schemeClr>
+                </a:solidFill>
+              </a:rPr>
+              <a:t> tin </a:t>
+            </a:r>
+            <a:r>
+              <a:rPr lang="en-US" sz="2000" dirty="0" err="1">
+                <a:solidFill>
+                  <a:schemeClr val="tx1">
+                    <a:lumMod val="65000"/>
+                    <a:lumOff val="35000"/>
+                  </a:schemeClr>
+                </a:solidFill>
+              </a:rPr>
+              <a:t>vật</a:t>
+            </a:r>
+            <a:r>
+              <a:rPr lang="en-US" sz="2000" dirty="0">
+                <a:solidFill>
+                  <a:schemeClr val="tx1">
+                    <a:lumMod val="65000"/>
+                    <a:lumOff val="35000"/>
+                  </a:schemeClr>
+                </a:solidFill>
+              </a:rPr>
+              <a:t> t</a:t>
+            </a:r>
+            <a:r>
+              <a:rPr lang="vi-VN" sz="2000" dirty="0">
+                <a:solidFill>
+                  <a:schemeClr val="tx1">
+                    <a:lumMod val="65000"/>
+                    <a:lumOff val="35000"/>
+                  </a:schemeClr>
+                </a:solidFill>
+              </a:rPr>
+              <a:t>ư</a:t>
+            </a:r>
+            <a:r>
+              <a:rPr lang="en-US" sz="2000" dirty="0">
+                <a:solidFill>
+                  <a:schemeClr val="tx1">
+                    <a:lumMod val="65000"/>
+                    <a:lumOff val="35000"/>
+                  </a:schemeClr>
+                </a:solidFill>
+              </a:rPr>
+              <a:t> đ</a:t>
+            </a:r>
+            <a:r>
+              <a:rPr lang="vi-VN" sz="2000" dirty="0">
+                <a:solidFill>
+                  <a:schemeClr val="tx1">
+                    <a:lumMod val="65000"/>
+                    <a:lumOff val="35000"/>
+                  </a:schemeClr>
+                </a:solidFill>
+              </a:rPr>
+              <a:t>ư</a:t>
+            </a:r>
+            <a:r>
+              <a:rPr lang="en-US" sz="2000" dirty="0" err="1">
+                <a:solidFill>
+                  <a:schemeClr val="tx1">
+                    <a:lumMod val="65000"/>
+                    <a:lumOff val="35000"/>
+                  </a:schemeClr>
+                </a:solidFill>
+              </a:rPr>
+              <a:t>ợc</a:t>
+            </a:r>
+            <a:r>
+              <a:rPr lang="en-US" sz="2000" dirty="0">
+                <a:solidFill>
+                  <a:schemeClr val="tx1">
+                    <a:lumMod val="65000"/>
+                    <a:lumOff val="35000"/>
+                  </a:schemeClr>
+                </a:solidFill>
+              </a:rPr>
+              <a:t> </a:t>
+            </a:r>
+            <a:r>
+              <a:rPr lang="en-US" sz="2000" dirty="0" err="1">
+                <a:solidFill>
+                  <a:schemeClr val="tx1">
+                    <a:lumMod val="65000"/>
+                    <a:lumOff val="35000"/>
+                  </a:schemeClr>
+                </a:solidFill>
+              </a:rPr>
+              <a:t>liên</a:t>
+            </a:r>
+            <a:r>
+              <a:rPr lang="en-US" sz="2000" dirty="0">
+                <a:solidFill>
+                  <a:schemeClr val="tx1">
+                    <a:lumMod val="65000"/>
+                    <a:lumOff val="35000"/>
+                  </a:schemeClr>
+                </a:solidFill>
+              </a:rPr>
+              <a:t> </a:t>
+            </a:r>
+            <a:r>
+              <a:rPr lang="en-US" sz="2000" dirty="0" err="1">
+                <a:solidFill>
+                  <a:schemeClr val="tx1">
+                    <a:lumMod val="65000"/>
+                    <a:lumOff val="35000"/>
+                  </a:schemeClr>
+                </a:solidFill>
+              </a:rPr>
+              <a:t>kết</a:t>
+            </a:r>
+            <a:r>
+              <a:rPr lang="en-US" sz="2000" dirty="0">
+                <a:solidFill>
+                  <a:schemeClr val="tx1">
+                    <a:lumMod val="65000"/>
+                    <a:lumOff val="35000"/>
+                  </a:schemeClr>
+                </a:solidFill>
+              </a:rPr>
+              <a:t> </a:t>
+            </a:r>
+            <a:r>
+              <a:rPr lang="en-US" sz="2000" dirty="0" err="1">
+                <a:solidFill>
+                  <a:schemeClr val="tx1">
+                    <a:lumMod val="65000"/>
+                    <a:lumOff val="35000"/>
+                  </a:schemeClr>
+                </a:solidFill>
+              </a:rPr>
+              <a:t>với</a:t>
+            </a:r>
+            <a:r>
+              <a:rPr lang="en-US" sz="2000" dirty="0">
+                <a:solidFill>
+                  <a:schemeClr val="tx1">
+                    <a:lumMod val="65000"/>
+                    <a:lumOff val="35000"/>
+                  </a:schemeClr>
+                </a:solidFill>
+              </a:rPr>
+              <a:t> </a:t>
+            </a:r>
+            <a:r>
+              <a:rPr lang="en-US" sz="2000" dirty="0" err="1">
+                <a:solidFill>
+                  <a:schemeClr val="tx1">
+                    <a:lumMod val="65000"/>
+                    <a:lumOff val="35000"/>
+                  </a:schemeClr>
+                </a:solidFill>
+              </a:rPr>
+              <a:t>hệ</a:t>
+            </a:r>
+            <a:r>
+              <a:rPr lang="en-US" sz="2000" dirty="0">
+                <a:solidFill>
+                  <a:schemeClr val="tx1">
+                    <a:lumMod val="65000"/>
+                    <a:lumOff val="35000"/>
+                  </a:schemeClr>
+                </a:solidFill>
+              </a:rPr>
+              <a:t> </a:t>
+            </a:r>
+            <a:r>
+              <a:rPr lang="en-US" sz="2000" dirty="0" err="1">
+                <a:solidFill>
+                  <a:schemeClr val="tx1">
+                    <a:lumMod val="65000"/>
+                    <a:lumOff val="35000"/>
+                  </a:schemeClr>
+                </a:solidFill>
+              </a:rPr>
+              <a:t>thống</a:t>
+            </a:r>
+            <a:r>
+              <a:rPr lang="en-US" sz="2000" dirty="0">
+                <a:solidFill>
+                  <a:schemeClr val="tx1">
+                    <a:lumMod val="65000"/>
+                    <a:lumOff val="35000"/>
+                  </a:schemeClr>
+                </a:solidFill>
+              </a:rPr>
+              <a:t> SAP</a:t>
+            </a:r>
+            <a:r>
+              <a:rPr lang="vi-VN" sz="2000" dirty="0">
+                <a:solidFill>
+                  <a:schemeClr val="tx1">
+                    <a:lumMod val="65000"/>
+                    <a:lumOff val="35000"/>
+                  </a:schemeClr>
+                </a:solidFill>
+              </a:rPr>
+              <a:t>.</a:t>
             </a:r>
           </a:p>
           <a:p>
@@ -3888,7 +7212,7 @@
               <a:buChar char="-"/>
             </a:pPr>
             <a:r>
-              <a:rPr lang="vi-VN" sz="2000">
+              <a:rPr lang="en-US" sz="2000" dirty="0" err="1">
                 <a:solidFill>
                   <a:schemeClr val="tx1">
                     <a:lumMod val="65000"/>
@@ -3896,8 +7220,316 @@
                   </a:schemeClr>
                 </a:solidFill>
               </a:rPr>
-              <a:t>Hoạt động trên nền tảng Sharepoint Online (Office 365).</a:t>
-            </a:r>
+              <a:t>Đơn</a:t>
+            </a:r>
+            <a:r>
+              <a:rPr lang="en-US" sz="2000" dirty="0">
+                <a:solidFill>
+                  <a:schemeClr val="tx1">
+                    <a:lumMod val="65000"/>
+                    <a:lumOff val="35000"/>
+                  </a:schemeClr>
+                </a:solidFill>
+              </a:rPr>
+              <a:t> </a:t>
+            </a:r>
+            <a:r>
+              <a:rPr lang="en-US" sz="2000" dirty="0" err="1">
+                <a:solidFill>
+                  <a:schemeClr val="tx1">
+                    <a:lumMod val="65000"/>
+                    <a:lumOff val="35000"/>
+                  </a:schemeClr>
+                </a:solidFill>
+              </a:rPr>
+              <a:t>giản</a:t>
+            </a:r>
+            <a:r>
+              <a:rPr lang="en-US" sz="2000" dirty="0">
+                <a:solidFill>
+                  <a:schemeClr val="tx1">
+                    <a:lumMod val="65000"/>
+                    <a:lumOff val="35000"/>
+                  </a:schemeClr>
+                </a:solidFill>
+              </a:rPr>
+              <a:t> </a:t>
+            </a:r>
+            <a:r>
+              <a:rPr lang="en-US" sz="2000" dirty="0" err="1">
+                <a:solidFill>
+                  <a:schemeClr val="tx1">
+                    <a:lumMod val="65000"/>
+                    <a:lumOff val="35000"/>
+                  </a:schemeClr>
+                </a:solidFill>
+              </a:rPr>
+              <a:t>và</a:t>
+            </a:r>
+            <a:r>
+              <a:rPr lang="en-US" sz="2000" dirty="0">
+                <a:solidFill>
+                  <a:schemeClr val="tx1">
+                    <a:lumMod val="65000"/>
+                    <a:lumOff val="35000"/>
+                  </a:schemeClr>
+                </a:solidFill>
+              </a:rPr>
+              <a:t> </a:t>
+            </a:r>
+            <a:r>
+              <a:rPr lang="en-US" sz="2000" dirty="0" err="1">
+                <a:solidFill>
+                  <a:schemeClr val="tx1">
+                    <a:lumMod val="65000"/>
+                    <a:lumOff val="35000"/>
+                  </a:schemeClr>
+                </a:solidFill>
+              </a:rPr>
+              <a:t>dễ</a:t>
+            </a:r>
+            <a:r>
+              <a:rPr lang="en-US" sz="2000" dirty="0">
+                <a:solidFill>
+                  <a:schemeClr val="tx1">
+                    <a:lumMod val="65000"/>
+                    <a:lumOff val="35000"/>
+                  </a:schemeClr>
+                </a:solidFill>
+              </a:rPr>
+              <a:t> </a:t>
+            </a:r>
+            <a:r>
+              <a:rPr lang="en-US" sz="2000" dirty="0" err="1">
+                <a:solidFill>
+                  <a:schemeClr val="tx1">
+                    <a:lumMod val="65000"/>
+                    <a:lumOff val="35000"/>
+                  </a:schemeClr>
+                </a:solidFill>
+              </a:rPr>
+              <a:t>sử</a:t>
+            </a:r>
+            <a:r>
+              <a:rPr lang="en-US" sz="2000" dirty="0">
+                <a:solidFill>
+                  <a:schemeClr val="tx1">
+                    <a:lumMod val="65000"/>
+                    <a:lumOff val="35000"/>
+                  </a:schemeClr>
+                </a:solidFill>
+              </a:rPr>
+              <a:t> </a:t>
+            </a:r>
+            <a:r>
+              <a:rPr lang="en-US" sz="2000" dirty="0" err="1">
+                <a:solidFill>
+                  <a:schemeClr val="tx1">
+                    <a:lumMod val="65000"/>
+                    <a:lumOff val="35000"/>
+                  </a:schemeClr>
+                </a:solidFill>
+              </a:rPr>
+              <a:t>dụng</a:t>
+            </a:r>
+            <a:r>
+              <a:rPr lang="vi-VN" sz="2000" dirty="0">
+                <a:solidFill>
+                  <a:schemeClr val="tx1">
+                    <a:lumMod val="65000"/>
+                    <a:lumOff val="35000"/>
+                  </a:schemeClr>
+                </a:solidFill>
+              </a:rPr>
+              <a:t>.</a:t>
+            </a:r>
+            <a:endParaRPr lang="en-US" sz="2000" dirty="0">
+              <a:solidFill>
+                <a:schemeClr val="tx1">
+                  <a:lumMod val="65000"/>
+                  <a:lumOff val="35000"/>
+                </a:schemeClr>
+              </a:solidFill>
+            </a:endParaRPr>
+          </a:p>
+          <a:p>
+            <a:pPr marL="285750" indent="-285750">
+              <a:buFontTx/>
+              <a:buChar char="-"/>
+            </a:pPr>
+            <a:r>
+              <a:rPr lang="en-US" sz="2000" dirty="0" err="1">
+                <a:solidFill>
+                  <a:schemeClr val="tx1">
+                    <a:lumMod val="65000"/>
+                    <a:lumOff val="35000"/>
+                  </a:schemeClr>
+                </a:solidFill>
+              </a:rPr>
+              <a:t>Đăng</a:t>
+            </a:r>
+            <a:r>
+              <a:rPr lang="en-US" sz="2000" dirty="0">
+                <a:solidFill>
+                  <a:schemeClr val="tx1">
+                    <a:lumMod val="65000"/>
+                    <a:lumOff val="35000"/>
+                  </a:schemeClr>
+                </a:solidFill>
+              </a:rPr>
+              <a:t> </a:t>
+            </a:r>
+            <a:r>
+              <a:rPr lang="en-US" sz="2000" dirty="0" err="1">
+                <a:solidFill>
+                  <a:schemeClr val="tx1">
+                    <a:lumMod val="65000"/>
+                    <a:lumOff val="35000"/>
+                  </a:schemeClr>
+                </a:solidFill>
+              </a:rPr>
+              <a:t>nhập</a:t>
+            </a:r>
+            <a:r>
+              <a:rPr lang="en-US" sz="2000" dirty="0">
+                <a:solidFill>
+                  <a:schemeClr val="tx1">
+                    <a:lumMod val="65000"/>
+                    <a:lumOff val="35000"/>
+                  </a:schemeClr>
+                </a:solidFill>
+              </a:rPr>
+              <a:t> </a:t>
+            </a:r>
+            <a:r>
+              <a:rPr lang="en-US" sz="2000" dirty="0" err="1">
+                <a:solidFill>
+                  <a:schemeClr val="tx1">
+                    <a:lumMod val="65000"/>
+                    <a:lumOff val="35000"/>
+                  </a:schemeClr>
+                </a:solidFill>
+              </a:rPr>
+              <a:t>bằng</a:t>
+            </a:r>
+            <a:r>
+              <a:rPr lang="en-US" sz="2000" dirty="0">
+                <a:solidFill>
+                  <a:schemeClr val="tx1">
+                    <a:lumMod val="65000"/>
+                    <a:lumOff val="35000"/>
+                  </a:schemeClr>
+                </a:solidFill>
+              </a:rPr>
+              <a:t> </a:t>
+            </a:r>
+            <a:r>
+              <a:rPr lang="en-US" sz="2000" dirty="0" err="1">
+                <a:solidFill>
+                  <a:schemeClr val="tx1">
+                    <a:lumMod val="65000"/>
+                    <a:lumOff val="35000"/>
+                  </a:schemeClr>
+                </a:solidFill>
+              </a:rPr>
+              <a:t>uset</a:t>
+            </a:r>
+            <a:r>
+              <a:rPr lang="en-US" sz="2000" dirty="0">
+                <a:solidFill>
+                  <a:schemeClr val="tx1">
+                    <a:lumMod val="65000"/>
+                    <a:lumOff val="35000"/>
+                  </a:schemeClr>
+                </a:solidFill>
+              </a:rPr>
+              <a:t> </a:t>
+            </a:r>
+            <a:r>
+              <a:rPr lang="en-US" sz="2000" dirty="0" err="1">
+                <a:solidFill>
+                  <a:schemeClr val="tx1">
+                    <a:lumMod val="65000"/>
+                    <a:lumOff val="35000"/>
+                  </a:schemeClr>
+                </a:solidFill>
+              </a:rPr>
+              <a:t>truy</a:t>
+            </a:r>
+            <a:r>
+              <a:rPr lang="en-US" sz="2000" dirty="0">
+                <a:solidFill>
+                  <a:schemeClr val="tx1">
+                    <a:lumMod val="65000"/>
+                    <a:lumOff val="35000"/>
+                  </a:schemeClr>
+                </a:solidFill>
+              </a:rPr>
+              <a:t> </a:t>
+            </a:r>
+            <a:r>
+              <a:rPr lang="en-US" sz="2000" dirty="0" err="1">
+                <a:solidFill>
+                  <a:schemeClr val="tx1">
+                    <a:lumMod val="65000"/>
+                    <a:lumOff val="35000"/>
+                  </a:schemeClr>
+                </a:solidFill>
+              </a:rPr>
+              <a:t>cập</a:t>
+            </a:r>
+            <a:r>
+              <a:rPr lang="en-US" sz="2000" dirty="0">
+                <a:solidFill>
+                  <a:schemeClr val="tx1">
+                    <a:lumMod val="65000"/>
+                    <a:lumOff val="35000"/>
+                  </a:schemeClr>
+                </a:solidFill>
+              </a:rPr>
+              <a:t> </a:t>
+            </a:r>
+            <a:r>
+              <a:rPr lang="en-US" sz="2000" dirty="0" err="1">
+                <a:solidFill>
+                  <a:schemeClr val="tx1">
+                    <a:lumMod val="65000"/>
+                    <a:lumOff val="35000"/>
+                  </a:schemeClr>
+                </a:solidFill>
+              </a:rPr>
+              <a:t>máy</a:t>
+            </a:r>
+            <a:r>
+              <a:rPr lang="en-US" sz="2000" dirty="0">
+                <a:solidFill>
+                  <a:schemeClr val="tx1">
+                    <a:lumMod val="65000"/>
+                    <a:lumOff val="35000"/>
+                  </a:schemeClr>
+                </a:solidFill>
+              </a:rPr>
+              <a:t> </a:t>
+            </a:r>
+            <a:r>
+              <a:rPr lang="en-US" sz="2000" dirty="0" err="1">
+                <a:solidFill>
+                  <a:schemeClr val="tx1">
+                    <a:lumMod val="65000"/>
+                    <a:lumOff val="35000"/>
+                  </a:schemeClr>
+                </a:solidFill>
+              </a:rPr>
+              <a:t>tính</a:t>
+            </a:r>
+            <a:endParaRPr lang="vi-VN" sz="2000" dirty="0">
+              <a:solidFill>
+                <a:schemeClr val="tx1">
+                  <a:lumMod val="65000"/>
+                  <a:lumOff val="35000"/>
+                </a:schemeClr>
+              </a:solidFill>
+            </a:endParaRPr>
           </a:p>
         </p:txBody>
       </p:sp>
@@ -3916,15 +7548,21 @@
           <p:nvPr/>
         </p:nvPicPr>
         <p:blipFill>
-          <a:blip r:embed="rId2"/>
+          <a:blip r:embed="rId2">
+            <a:extLst>
+              <a:ext uri="{28A0092B-C50C-407E-A947-70E740481C1C}">
+                <a14:useLocalDpi xmlns:a14="http://schemas.microsoft.com/office/drawing/2010/main" val="0"/>
+              </a:ext>
+            </a:extLst>
+          </a:blip>
           <a:stretch>
             <a:fillRect/>
           </a:stretch>
         </p:blipFill>
         <p:spPr>
           <a:xfrm>
-            <a:off x="263352" y="1334112"/>
-            <a:ext cx="7416339" cy="5139292"/>
+            <a:off x="263352" y="2167195"/>
+            <a:ext cx="7416339" cy="3473125"/>
           </a:xfrm>
           <a:prstGeom prst="rect">
             <a:avLst/>
@@ -4006,8 +7644,8 @@
         </p:nvSpPr>
         <p:spPr>
           <a:xfrm>
-            <a:off x="2927648" y="2828835"/>
-            <a:ext cx="6840334" cy="1200329"/>
+            <a:off x="1055440" y="2276872"/>
+            <a:ext cx="10570522" cy="2308324"/>
           </a:xfrm>
           <a:prstGeom prst="rect">
             <a:avLst/>
@@ -4020,8 +7658,9 @@
           </a:bodyPr>
           <a:lstStyle/>
           <a:p>
-            <a:r>
-              <a:rPr lang="vi-VN" sz="7200">
+            <a:pPr algn="ctr"/>
+            <a:r>
+              <a:rPr lang="en-US" sz="7200" dirty="0">
                 <a:solidFill>
                   <a:schemeClr val="tx1">
                     <a:lumMod val="75000"/>
@@ -4038,8 +7677,48 @@
                 <a:latin typeface="Segoe UI" panose="020B0502040204020203" pitchFamily="34" charset="0"/>
                 <a:cs typeface="Segoe UI" panose="020B0502040204020203" pitchFamily="34" charset="0"/>
               </a:rPr>
-              <a:t>MẪU THIẾT KẾ 1</a:t>
-            </a:r>
+              <a:t>GIAO DIỆN VÀ </a:t>
+            </a:r>
+          </a:p>
+          <a:p>
+            <a:pPr algn="ctr"/>
+            <a:r>
+              <a:rPr lang="en-US" sz="7200" dirty="0">
+                <a:solidFill>
+                  <a:schemeClr val="tx1">
+                    <a:lumMod val="75000"/>
+                    <a:lumOff val="25000"/>
+                  </a:schemeClr>
+                </a:solidFill>
+                <a:effectLst>
+                  <a:outerShdw blurRad="38100" dist="38100" dir="2700000" algn="tl">
+                    <a:srgbClr val="000000">
+                      <a:alpha val="43137"/>
+                    </a:srgbClr>
+                  </a:outerShdw>
+                </a:effectLst>
+                <a:latin typeface="Segoe UI" panose="020B0502040204020203" pitchFamily="34" charset="0"/>
+                <a:cs typeface="Segoe UI" panose="020B0502040204020203" pitchFamily="34" charset="0"/>
+              </a:rPr>
+              <a:t>CÁC CHỨC NĂNG CHÍNH</a:t>
+            </a:r>
+            <a:endParaRPr lang="vi-VN" sz="7200" dirty="0">
+              <a:solidFill>
+                <a:schemeClr val="tx1">
+                  <a:lumMod val="75000"/>
+                  <a:lumOff val="25000"/>
+                </a:schemeClr>
+              </a:solidFill>
+              <a:effectLst>
+                <a:outerShdw blurRad="38100" dist="38100" dir="2700000" algn="tl">
+                  <a:srgbClr val="000000">
+                    <a:alpha val="43137"/>
+                  </a:srgbClr>
+                </a:outerShdw>
+              </a:effectLst>
+              <a:latin typeface="Segoe UI" panose="020B0502040204020203" pitchFamily="34" charset="0"/>
+              <a:cs typeface="Segoe UI" panose="020B0502040204020203" pitchFamily="34" charset="0"/>
+            </a:endParaRPr>
           </a:p>
         </p:txBody>
       </p:sp>
@@ -4125,36 +7804,78 @@
           <a:lstStyle/>
           <a:p>
             <a:r>
-              <a:rPr lang="en-US" b="1">
+              <a:rPr lang="en-US" b="1" dirty="0" err="1">
                 <a:latin typeface="Segoe UI" panose="020B0502040204020203" pitchFamily="34" charset="0"/>
                 <a:cs typeface="Segoe UI" panose="020B0502040204020203" pitchFamily="34" charset="0"/>
               </a:rPr>
-              <a:t>Trang cổng thông tin t</a:t>
-            </a:r>
-            <a:r>
-              <a:rPr lang="vi-VN" b="1">
+              <a:t>Ứng</a:t>
+            </a:r>
+            <a:r>
+              <a:rPr lang="en-US" b="1" dirty="0">
                 <a:latin typeface="Segoe UI" panose="020B0502040204020203" pitchFamily="34" charset="0"/>
                 <a:cs typeface="Segoe UI" panose="020B0502040204020203" pitchFamily="34" charset="0"/>
               </a:rPr>
-              <a:t>ư</a:t>
-            </a:r>
-            <a:r>
-              <a:rPr lang="en-US" b="1">
+              <a:t> </a:t>
+            </a:r>
+            <a:r>
+              <a:rPr lang="en-US" b="1" dirty="0" err="1">
                 <a:latin typeface="Segoe UI" panose="020B0502040204020203" pitchFamily="34" charset="0"/>
                 <a:cs typeface="Segoe UI" panose="020B0502040204020203" pitchFamily="34" charset="0"/>
               </a:rPr>
-              <a:t>ơng lai (Sharepoint 365)</a:t>
-            </a:r>
-            <a:endParaRPr lang="it-IT" b="1"/>
+              <a:t>dụng</a:t>
+            </a:r>
+            <a:r>
+              <a:rPr lang="en-US" b="1" dirty="0">
+                <a:latin typeface="Segoe UI" panose="020B0502040204020203" pitchFamily="34" charset="0"/>
+                <a:cs typeface="Segoe UI" panose="020B0502040204020203" pitchFamily="34" charset="0"/>
+              </a:rPr>
+              <a:t> </a:t>
+            </a:r>
+            <a:r>
+              <a:rPr lang="en-US" b="1" dirty="0" err="1">
+                <a:latin typeface="Segoe UI" panose="020B0502040204020203" pitchFamily="34" charset="0"/>
+                <a:cs typeface="Segoe UI" panose="020B0502040204020203" pitchFamily="34" charset="0"/>
+              </a:rPr>
+              <a:t>quản</a:t>
+            </a:r>
+            <a:r>
+              <a:rPr lang="en-US" b="1" dirty="0">
+                <a:latin typeface="Segoe UI" panose="020B0502040204020203" pitchFamily="34" charset="0"/>
+                <a:cs typeface="Segoe UI" panose="020B0502040204020203" pitchFamily="34" charset="0"/>
+              </a:rPr>
+              <a:t> </a:t>
+            </a:r>
+            <a:r>
+              <a:rPr lang="en-US" b="1" dirty="0" err="1">
+                <a:latin typeface="Segoe UI" panose="020B0502040204020203" pitchFamily="34" charset="0"/>
+                <a:cs typeface="Segoe UI" panose="020B0502040204020203" pitchFamily="34" charset="0"/>
+              </a:rPr>
+              <a:t>lý</a:t>
+            </a:r>
+            <a:r>
+              <a:rPr lang="en-US" b="1" dirty="0">
+                <a:latin typeface="Segoe UI" panose="020B0502040204020203" pitchFamily="34" charset="0"/>
+                <a:cs typeface="Segoe UI" panose="020B0502040204020203" pitchFamily="34" charset="0"/>
+              </a:rPr>
+              <a:t> PRPO </a:t>
+            </a:r>
+            <a:r>
+              <a:rPr lang="en-US" b="1" dirty="0" err="1">
+                <a:latin typeface="Segoe UI" panose="020B0502040204020203" pitchFamily="34" charset="0"/>
+                <a:cs typeface="Segoe UI" panose="020B0502040204020203" pitchFamily="34" charset="0"/>
+              </a:rPr>
+              <a:t>mới</a:t>
+            </a:r>
+            <a:endParaRPr lang="it-IT" b="1" dirty="0"/>
           </a:p>
         </p:txBody>
       </p:sp>
       <p:pic>
         <p:nvPicPr>
-          <p:cNvPr id="5" name="Picture 4">
+          <p:cNvPr id="8" name="Picture 7">
             <a:extLst>
               <a:ext uri="{FF2B5EF4-FFF2-40B4-BE49-F238E27FC236}">
-                <a16:creationId xmlns:a16="http://schemas.microsoft.com/office/drawing/2014/main" id="{E00B5CFB-FD3D-43B6-A3F8-E5C63697BF23}"/>
+                <a16:creationId xmlns:a16="http://schemas.microsoft.com/office/drawing/2014/main" id="{689BDA94-4A70-461C-A7D5-FC205B49BBBC}"/>
               </a:ext>
             </a:extLst>
           </p:cNvPr>
@@ -4164,77 +7885,27 @@
           <p:nvPr/>
         </p:nvPicPr>
         <p:blipFill>
-          <a:blip r:embed="rId2"/>
+          <a:blip r:embed="rId2">
+            <a:extLst>
+              <a:ext uri="{28A0092B-C50C-407E-A947-70E740481C1C}">
+                <a14:useLocalDpi xmlns:a14="http://schemas.microsoft.com/office/drawing/2010/main" val="0"/>
+              </a:ext>
+            </a:extLst>
+          </a:blip>
           <a:stretch>
             <a:fillRect/>
           </a:stretch>
         </p:blipFill>
         <p:spPr>
           <a:xfrm>
-            <a:off x="2207568" y="1266843"/>
-            <a:ext cx="7776864" cy="5389123"/>
+            <a:off x="3043237" y="1281633"/>
+            <a:ext cx="6105525" cy="5819775"/>
           </a:xfrm>
           <a:prstGeom prst="rect">
             <a:avLst/>
           </a:prstGeom>
         </p:spPr>
       </p:pic>
-      <p:sp>
-        <p:nvSpPr>
-          <p:cNvPr id="7" name="TextBox 6">
-            <a:extLst>
-              <a:ext uri="{FF2B5EF4-FFF2-40B4-BE49-F238E27FC236}">
-                <a16:creationId xmlns:a16="http://schemas.microsoft.com/office/drawing/2014/main" id="{757FAA8A-E7A4-4432-9C26-0F9FDC33EB94}"/>
-              </a:ext>
-            </a:extLst>
-          </p:cNvPr>
-          <p:cNvSpPr txBox="1"/>
-          <p:nvPr/>
-        </p:nvSpPr>
-        <p:spPr>
-          <a:xfrm>
-            <a:off x="551384" y="3087433"/>
-            <a:ext cx="3816424" cy="461665"/>
-          </a:xfrm>
-          <a:prstGeom prst="rect">
-            <a:avLst/>
-          </a:prstGeom>
-        </p:spPr>
-        <p:style>
-          <a:lnRef idx="1">
-            <a:schemeClr val="dk1"/>
-          </a:lnRef>
-          <a:fillRef idx="2">
-            <a:schemeClr val="dk1"/>
-          </a:fillRef>
-          <a:effectRef idx="1">
-            <a:schemeClr val="dk1"/>
-          </a:effectRef>
-          <a:fontRef idx="minor">
-            <a:schemeClr val="dk1"/>
-          </a:fontRef>
-        </p:style>
-        <p:txBody>
-          <a:bodyPr wrap="square" rtlCol="0">
-            <a:spAutoFit/>
-          </a:bodyPr>
-          <a:lstStyle/>
-          <a:p>
-            <a:pPr algn="ctr"/>
-            <a:r>
-              <a:rPr lang="vi-VN" sz="2400">
-                <a:solidFill>
-                  <a:schemeClr val="tx1">
-                    <a:lumMod val="65000"/>
-                    <a:lumOff val="35000"/>
-                  </a:schemeClr>
-                </a:solidFill>
-              </a:rPr>
-              <a:t>Menu hiện đại, thân thiện</a:t>
-            </a:r>
-          </a:p>
-        </p:txBody>
-      </p:sp>
     </p:spTree>
     <p:extLst>
       <p:ext uri="{BB962C8B-B14F-4D97-AF65-F5344CB8AC3E}">
@@ -4317,36 +7988,191 @@
           <a:lstStyle/>
           <a:p>
             <a:r>
-              <a:rPr lang="en-US" b="1">
+              <a:rPr lang="en-US" b="1" dirty="0" err="1">
                 <a:latin typeface="Segoe UI" panose="020B0502040204020203" pitchFamily="34" charset="0"/>
                 <a:cs typeface="Segoe UI" panose="020B0502040204020203" pitchFamily="34" charset="0"/>
               </a:rPr>
-              <a:t>Trang cổng thông tin t</a:t>
-            </a:r>
-            <a:r>
-              <a:rPr lang="vi-VN" b="1">
+              <a:t>Ứng</a:t>
+            </a:r>
+            <a:r>
+              <a:rPr lang="en-US" b="1" dirty="0">
                 <a:latin typeface="Segoe UI" panose="020B0502040204020203" pitchFamily="34" charset="0"/>
                 <a:cs typeface="Segoe UI" panose="020B0502040204020203" pitchFamily="34" charset="0"/>
               </a:rPr>
-              <a:t>ư</a:t>
-            </a:r>
-            <a:r>
-              <a:rPr lang="en-US" b="1">
+              <a:t> </a:t>
+            </a:r>
+            <a:r>
+              <a:rPr lang="en-US" b="1" dirty="0" err="1">
                 <a:latin typeface="Segoe UI" panose="020B0502040204020203" pitchFamily="34" charset="0"/>
                 <a:cs typeface="Segoe UI" panose="020B0502040204020203" pitchFamily="34" charset="0"/>
               </a:rPr>
-              <a:t>ơng lai (Sharepoint 365)</a:t>
-            </a:r>
-            <a:endParaRPr lang="it-IT" b="1"/>
+              <a:t>dụng</a:t>
+            </a:r>
+            <a:r>
+              <a:rPr lang="en-US" b="1" dirty="0">
+                <a:latin typeface="Segoe UI" panose="020B0502040204020203" pitchFamily="34" charset="0"/>
+                <a:cs typeface="Segoe UI" panose="020B0502040204020203" pitchFamily="34" charset="0"/>
+              </a:rPr>
+              <a:t> </a:t>
+            </a:r>
+            <a:r>
+              <a:rPr lang="en-US" b="1" dirty="0" err="1">
+                <a:latin typeface="Segoe UI" panose="020B0502040204020203" pitchFamily="34" charset="0"/>
+                <a:cs typeface="Segoe UI" panose="020B0502040204020203" pitchFamily="34" charset="0"/>
+              </a:rPr>
+              <a:t>quản</a:t>
+            </a:r>
+            <a:r>
+              <a:rPr lang="en-US" b="1" dirty="0">
+                <a:latin typeface="Segoe UI" panose="020B0502040204020203" pitchFamily="34" charset="0"/>
+                <a:cs typeface="Segoe UI" panose="020B0502040204020203" pitchFamily="34" charset="0"/>
+              </a:rPr>
+              <a:t> </a:t>
+            </a:r>
+            <a:r>
+              <a:rPr lang="en-US" b="1" dirty="0" err="1">
+                <a:latin typeface="Segoe UI" panose="020B0502040204020203" pitchFamily="34" charset="0"/>
+                <a:cs typeface="Segoe UI" panose="020B0502040204020203" pitchFamily="34" charset="0"/>
+              </a:rPr>
+              <a:t>lý</a:t>
+            </a:r>
+            <a:r>
+              <a:rPr lang="en-US" b="1" dirty="0">
+                <a:latin typeface="Segoe UI" panose="020B0502040204020203" pitchFamily="34" charset="0"/>
+                <a:cs typeface="Segoe UI" panose="020B0502040204020203" pitchFamily="34" charset="0"/>
+              </a:rPr>
+              <a:t> PRPO </a:t>
+            </a:r>
+            <a:r>
+              <a:rPr lang="en-US" b="1" dirty="0" err="1">
+                <a:latin typeface="Segoe UI" panose="020B0502040204020203" pitchFamily="34" charset="0"/>
+                <a:cs typeface="Segoe UI" panose="020B0502040204020203" pitchFamily="34" charset="0"/>
+              </a:rPr>
+              <a:t>mới</a:t>
+            </a:r>
+            <a:endParaRPr lang="it-IT" b="1" dirty="0"/>
+          </a:p>
+        </p:txBody>
+      </p:sp>
+      <p:sp>
+        <p:nvSpPr>
+          <p:cNvPr id="5" name="TextBox 4">
+            <a:extLst>
+              <a:ext uri="{FF2B5EF4-FFF2-40B4-BE49-F238E27FC236}">
+                <a16:creationId xmlns:a16="http://schemas.microsoft.com/office/drawing/2014/main" id="{FB5BC7C6-B3A1-421B-BFBC-47D37CD04D71}"/>
+              </a:ext>
+            </a:extLst>
+          </p:cNvPr>
+          <p:cNvSpPr txBox="1"/>
+          <p:nvPr/>
+        </p:nvSpPr>
+        <p:spPr>
+          <a:xfrm>
+            <a:off x="5463193" y="833879"/>
+            <a:ext cx="1255472" cy="1200329"/>
+          </a:xfrm>
+          <a:prstGeom prst="rect">
+            <a:avLst/>
+          </a:prstGeom>
+          <a:noFill/>
+        </p:spPr>
+        <p:txBody>
+          <a:bodyPr wrap="none" rtlCol="0">
+            <a:spAutoFit/>
+          </a:bodyPr>
+          <a:lstStyle/>
+          <a:p>
+            <a:pPr algn="ctr"/>
+            <a:r>
+              <a:rPr lang="en-US" sz="7200" dirty="0">
+                <a:solidFill>
+                  <a:schemeClr val="tx1">
+                    <a:lumMod val="75000"/>
+                    <a:lumOff val="25000"/>
+                  </a:schemeClr>
+                </a:solidFill>
+                <a:effectLst>
+                  <a:outerShdw blurRad="38100" dist="38100" dir="2700000" algn="tl">
+                    <a:srgbClr val="000000">
+                      <a:alpha val="43137"/>
+                    </a:srgbClr>
+                  </a:outerShdw>
+                </a:effectLst>
+                <a:latin typeface="Segoe UI" panose="020B0502040204020203" pitchFamily="34" charset="0"/>
+                <a:cs typeface="Segoe UI" panose="020B0502040204020203" pitchFamily="34" charset="0"/>
+              </a:rPr>
+              <a:t>PR</a:t>
+            </a:r>
+            <a:endParaRPr lang="vi-VN" sz="7200" dirty="0">
+              <a:solidFill>
+                <a:schemeClr val="tx1">
+                  <a:lumMod val="75000"/>
+                  <a:lumOff val="25000"/>
+                </a:schemeClr>
+              </a:solidFill>
+              <a:effectLst>
+                <a:outerShdw blurRad="38100" dist="38100" dir="2700000" algn="tl">
+                  <a:srgbClr val="000000">
+                    <a:alpha val="43137"/>
+                  </a:srgbClr>
+                </a:outerShdw>
+              </a:effectLst>
+              <a:latin typeface="Segoe UI" panose="020B0502040204020203" pitchFamily="34" charset="0"/>
+              <a:cs typeface="Segoe UI" panose="020B0502040204020203" pitchFamily="34" charset="0"/>
+            </a:endParaRPr>
+          </a:p>
+        </p:txBody>
+      </p:sp>
+      <p:sp>
+        <p:nvSpPr>
+          <p:cNvPr id="7" name="Rectangle 6">
+            <a:extLst>
+              <a:ext uri="{FF2B5EF4-FFF2-40B4-BE49-F238E27FC236}">
+                <a16:creationId xmlns:a16="http://schemas.microsoft.com/office/drawing/2014/main" id="{96289DCD-2593-4506-A149-6EEF0C0F14ED}"/>
+              </a:ext>
+            </a:extLst>
+          </p:cNvPr>
+          <p:cNvSpPr/>
+          <p:nvPr/>
+        </p:nvSpPr>
+        <p:spPr>
+          <a:xfrm>
+            <a:off x="0" y="2564904"/>
+            <a:ext cx="1127448" cy="504056"/>
+          </a:xfrm>
+          <a:prstGeom prst="rect">
+            <a:avLst/>
+          </a:prstGeom>
+        </p:spPr>
+        <p:style>
+          <a:lnRef idx="2">
+            <a:schemeClr val="accent6"/>
+          </a:lnRef>
+          <a:fillRef idx="1">
+            <a:schemeClr val="lt1"/>
+          </a:fillRef>
+          <a:effectRef idx="0">
+            <a:schemeClr val="accent6"/>
+          </a:effectRef>
+          <a:fontRef idx="minor">
+            <a:schemeClr val="dk1"/>
+          </a:fontRef>
+        </p:style>
+        <p:txBody>
+          <a:bodyPr rtlCol="0" anchor="ctr"/>
+          <a:lstStyle/>
+          <a:p>
+            <a:pPr algn="ctr"/>
+            <a:endParaRPr lang="en-US"/>
           </a:p>
         </p:txBody>
       </p:sp>
       <p:pic>
         <p:nvPicPr>
-          <p:cNvPr id="2" name="Picture 1">
+          <p:cNvPr id="6" name="Picture 5">
             <a:extLst>
               <a:ext uri="{FF2B5EF4-FFF2-40B4-BE49-F238E27FC236}">
-                <a16:creationId xmlns:a16="http://schemas.microsoft.com/office/drawing/2014/main" id="{ECB9713B-F5AE-4C01-AEC9-5E1014B718E8}"/>
+                <a16:creationId xmlns:a16="http://schemas.microsoft.com/office/drawing/2014/main" id="{B08B6CAF-38AB-4391-89C2-1BE5DEEE1C8B}"/>
               </a:ext>
             </a:extLst>
           </p:cNvPr>
@@ -4356,15 +8182,21 @@
           <p:nvPr/>
         </p:nvPicPr>
         <p:blipFill>
-          <a:blip r:embed="rId2"/>
+          <a:blip r:embed="rId2">
+            <a:extLst>
+              <a:ext uri="{28A0092B-C50C-407E-A947-70E740481C1C}">
+                <a14:useLocalDpi xmlns:a14="http://schemas.microsoft.com/office/drawing/2010/main" val="0"/>
+              </a:ext>
+            </a:extLst>
+          </a:blip>
           <a:stretch>
             <a:fillRect/>
           </a:stretch>
         </p:blipFill>
         <p:spPr>
           <a:xfrm>
-            <a:off x="2145698" y="1181095"/>
-            <a:ext cx="7900603" cy="5474871"/>
+            <a:off x="0" y="1807028"/>
+            <a:ext cx="12192000" cy="5080000"/>
           </a:xfrm>
           <a:prstGeom prst="rect">
             <a:avLst/>
@@ -4373,56 +8205,564 @@
       </p:pic>
       <p:sp>
         <p:nvSpPr>
-          <p:cNvPr id="7" name="TextBox 6">
+          <p:cNvPr id="9" name="Callout: Bent Line 8">
             <a:extLst>
               <a:ext uri="{FF2B5EF4-FFF2-40B4-BE49-F238E27FC236}">
-                <a16:creationId xmlns:a16="http://schemas.microsoft.com/office/drawing/2014/main" id="{757FAA8A-E7A4-4432-9C26-0F9FDC33EB94}"/>
+                <a16:creationId xmlns:a16="http://schemas.microsoft.com/office/drawing/2014/main" id="{4AD44302-3FD9-4D6C-9085-9654F22F3C66}"/>
               </a:ext>
             </a:extLst>
           </p:cNvPr>
-          <p:cNvSpPr txBox="1"/>
+          <p:cNvSpPr/>
           <p:nvPr/>
         </p:nvSpPr>
         <p:spPr>
           <a:xfrm>
-            <a:off x="551384" y="3087433"/>
-            <a:ext cx="3816424" cy="461665"/>
+            <a:off x="1703512" y="2564904"/>
+            <a:ext cx="864096" cy="504056"/>
           </a:xfrm>
-          <a:prstGeom prst="rect">
-            <a:avLst/>
+          <a:prstGeom prst="borderCallout2">
+            <a:avLst>
+              <a:gd name="adj1" fmla="val 18750"/>
+              <a:gd name="adj2" fmla="val -8333"/>
+              <a:gd name="adj3" fmla="val 18750"/>
+              <a:gd name="adj4" fmla="val -16667"/>
+              <a:gd name="adj5" fmla="val 37633"/>
+              <a:gd name="adj6" fmla="val -92019"/>
+            </a:avLst>
           </a:prstGeom>
+          <a:ln>
+            <a:solidFill>
+              <a:schemeClr val="accent2"/>
+            </a:solidFill>
+          </a:ln>
         </p:spPr>
         <p:style>
-          <a:lnRef idx="1">
-            <a:schemeClr val="dk1"/>
+          <a:lnRef idx="2">
+            <a:schemeClr val="accent6"/>
           </a:lnRef>
-          <a:fillRef idx="2">
-            <a:schemeClr val="dk1"/>
+          <a:fillRef idx="1">
+            <a:schemeClr val="lt1"/>
           </a:fillRef>
-          <a:effectRef idx="1">
-            <a:schemeClr val="dk1"/>
+          <a:effectRef idx="0">
+            <a:schemeClr val="accent6"/>
           </a:effectRef>
           <a:fontRef idx="minor">
             <a:schemeClr val="dk1"/>
           </a:fontRef>
         </p:style>
         <p:txBody>
-          <a:bodyPr wrap="square" rtlCol="0">
-            <a:spAutoFit/>
-          </a:bodyPr>
+          <a:bodyPr rtlCol="0" anchor="ctr"/>
           <a:lstStyle/>
           <a:p>
             <a:pPr algn="ctr"/>
             <a:r>
-              <a:rPr lang="vi-VN" sz="2400">
-                <a:solidFill>
-                  <a:schemeClr val="tx1">
-                    <a:lumMod val="65000"/>
-                    <a:lumOff val="35000"/>
-                  </a:schemeClr>
-                </a:solidFill>
-              </a:rPr>
-              <a:t>Truyền thông hiệu quả</a:t>
+              <a:rPr lang="en-US" dirty="0" err="1"/>
+              <a:t>Tạo</a:t>
+            </a:r>
+            <a:r>
+              <a:rPr lang="en-US" dirty="0"/>
+              <a:t> PR</a:t>
+            </a:r>
+          </a:p>
+        </p:txBody>
+      </p:sp>
+      <p:sp>
+        <p:nvSpPr>
+          <p:cNvPr id="10" name="Callout: Bent Line 9">
+            <a:extLst>
+              <a:ext uri="{FF2B5EF4-FFF2-40B4-BE49-F238E27FC236}">
+                <a16:creationId xmlns:a16="http://schemas.microsoft.com/office/drawing/2014/main" id="{D8F8F12E-0869-4843-8CB4-321237C5902C}"/>
+              </a:ext>
+            </a:extLst>
+          </p:cNvPr>
+          <p:cNvSpPr/>
+          <p:nvPr/>
+        </p:nvSpPr>
+        <p:spPr>
+          <a:xfrm>
+            <a:off x="4726628" y="2564904"/>
+            <a:ext cx="3817643" cy="504056"/>
+          </a:xfrm>
+          <a:prstGeom prst="borderCallout2">
+            <a:avLst>
+              <a:gd name="adj1" fmla="val 18750"/>
+              <a:gd name="adj2" fmla="val -8333"/>
+              <a:gd name="adj3" fmla="val 18750"/>
+              <a:gd name="adj4" fmla="val -16667"/>
+              <a:gd name="adj5" fmla="val 109621"/>
+              <a:gd name="adj6" fmla="val -27281"/>
+            </a:avLst>
+          </a:prstGeom>
+          <a:ln>
+            <a:solidFill>
+              <a:schemeClr val="accent2"/>
+            </a:solidFill>
+          </a:ln>
+        </p:spPr>
+        <p:style>
+          <a:lnRef idx="2">
+            <a:schemeClr val="accent6"/>
+          </a:lnRef>
+          <a:fillRef idx="1">
+            <a:schemeClr val="lt1"/>
+          </a:fillRef>
+          <a:effectRef idx="0">
+            <a:schemeClr val="accent6"/>
+          </a:effectRef>
+          <a:fontRef idx="minor">
+            <a:schemeClr val="dk1"/>
+          </a:fontRef>
+        </p:style>
+        <p:txBody>
+          <a:bodyPr rtlCol="0" anchor="ctr"/>
+          <a:lstStyle/>
+          <a:p>
+            <a:pPr algn="ctr"/>
+            <a:r>
+              <a:rPr lang="en-US" dirty="0" err="1"/>
+              <a:t>Thống</a:t>
+            </a:r>
+            <a:r>
+              <a:rPr lang="en-US" dirty="0"/>
+              <a:t> </a:t>
+            </a:r>
+            <a:r>
+              <a:rPr lang="en-US" dirty="0" err="1"/>
+              <a:t>kê</a:t>
+            </a:r>
+            <a:r>
+              <a:rPr lang="en-US" dirty="0"/>
+              <a:t> </a:t>
+            </a:r>
+            <a:r>
+              <a:rPr lang="en-US" dirty="0" err="1"/>
+              <a:t>số</a:t>
+            </a:r>
+            <a:r>
+              <a:rPr lang="en-US" dirty="0"/>
+              <a:t> l</a:t>
+            </a:r>
+            <a:r>
+              <a:rPr lang="vi-VN" dirty="0"/>
+              <a:t>ư</a:t>
+            </a:r>
+            <a:r>
+              <a:rPr lang="en-US" dirty="0" err="1"/>
+              <a:t>ợng</a:t>
+            </a:r>
+            <a:r>
+              <a:rPr lang="en-US" dirty="0"/>
+              <a:t> PR </a:t>
+            </a:r>
+            <a:r>
+              <a:rPr lang="en-US" dirty="0" err="1"/>
+              <a:t>theo</a:t>
+            </a:r>
+            <a:r>
+              <a:rPr lang="en-US" dirty="0"/>
+              <a:t> </a:t>
+            </a:r>
+            <a:r>
+              <a:rPr lang="en-US" dirty="0" err="1"/>
+              <a:t>tình</a:t>
+            </a:r>
+            <a:r>
+              <a:rPr lang="en-US" dirty="0"/>
+              <a:t> </a:t>
+            </a:r>
+            <a:r>
+              <a:rPr lang="en-US" dirty="0" err="1"/>
+              <a:t>trạng</a:t>
+            </a:r>
+            <a:r>
+              <a:rPr lang="en-US" dirty="0"/>
+              <a:t>, </a:t>
+            </a:r>
+            <a:r>
+              <a:rPr lang="en-US" dirty="0" err="1"/>
+              <a:t>theo</a:t>
+            </a:r>
+            <a:r>
+              <a:rPr lang="en-US" dirty="0"/>
+              <a:t> </a:t>
+            </a:r>
+            <a:r>
+              <a:rPr lang="en-US" dirty="0" err="1"/>
+              <a:t>công</a:t>
+            </a:r>
+            <a:r>
+              <a:rPr lang="en-US" dirty="0"/>
+              <a:t> ty </a:t>
+            </a:r>
+            <a:r>
+              <a:rPr lang="en-US" dirty="0" err="1"/>
+              <a:t>thành</a:t>
+            </a:r>
+            <a:r>
+              <a:rPr lang="en-US" dirty="0"/>
+              <a:t> </a:t>
+            </a:r>
+            <a:r>
+              <a:rPr lang="en-US" dirty="0" err="1"/>
+              <a:t>viên</a:t>
+            </a:r>
+            <a:endParaRPr lang="en-US" dirty="0"/>
+          </a:p>
+        </p:txBody>
+      </p:sp>
+      <p:sp>
+        <p:nvSpPr>
+          <p:cNvPr id="11" name="Callout: Bent Line 10">
+            <a:extLst>
+              <a:ext uri="{FF2B5EF4-FFF2-40B4-BE49-F238E27FC236}">
+                <a16:creationId xmlns:a16="http://schemas.microsoft.com/office/drawing/2014/main" id="{648C3D11-94F6-4C37-9AE7-77F8CF72FE83}"/>
+              </a:ext>
+            </a:extLst>
+          </p:cNvPr>
+          <p:cNvSpPr/>
+          <p:nvPr/>
+        </p:nvSpPr>
+        <p:spPr>
+          <a:xfrm>
+            <a:off x="9347200" y="2564904"/>
+            <a:ext cx="1573336" cy="504056"/>
+          </a:xfrm>
+          <a:prstGeom prst="borderCallout2">
+            <a:avLst>
+              <a:gd name="adj1" fmla="val 24509"/>
+              <a:gd name="adj2" fmla="val 107567"/>
+              <a:gd name="adj3" fmla="val 90737"/>
+              <a:gd name="adj4" fmla="val 139102"/>
+              <a:gd name="adj5" fmla="val 293909"/>
+              <a:gd name="adj6" fmla="val 104785"/>
+            </a:avLst>
+          </a:prstGeom>
+          <a:ln>
+            <a:solidFill>
+              <a:schemeClr val="accent2"/>
+            </a:solidFill>
+          </a:ln>
+        </p:spPr>
+        <p:style>
+          <a:lnRef idx="2">
+            <a:schemeClr val="accent6"/>
+          </a:lnRef>
+          <a:fillRef idx="1">
+            <a:schemeClr val="lt1"/>
+          </a:fillRef>
+          <a:effectRef idx="0">
+            <a:schemeClr val="accent6"/>
+          </a:effectRef>
+          <a:fontRef idx="minor">
+            <a:schemeClr val="dk1"/>
+          </a:fontRef>
+        </p:style>
+        <p:txBody>
+          <a:bodyPr rtlCol="0" anchor="ctr"/>
+          <a:lstStyle/>
+          <a:p>
+            <a:pPr algn="ctr"/>
+            <a:r>
+              <a:rPr lang="en-US" dirty="0" err="1"/>
+              <a:t>Tìm</a:t>
+            </a:r>
+            <a:r>
+              <a:rPr lang="en-US" dirty="0"/>
+              <a:t> </a:t>
+            </a:r>
+            <a:r>
+              <a:rPr lang="en-US" dirty="0" err="1"/>
+              <a:t>kiếm</a:t>
+            </a:r>
+            <a:r>
+              <a:rPr lang="en-US" dirty="0"/>
+              <a:t> PR </a:t>
+            </a:r>
+            <a:r>
+              <a:rPr lang="en-US" dirty="0" err="1"/>
+              <a:t>nhanh</a:t>
+            </a:r>
+            <a:endParaRPr lang="en-US" dirty="0"/>
+          </a:p>
+        </p:txBody>
+      </p:sp>
+      <p:sp>
+        <p:nvSpPr>
+          <p:cNvPr id="12" name="Callout: Bent Line 11">
+            <a:extLst>
+              <a:ext uri="{FF2B5EF4-FFF2-40B4-BE49-F238E27FC236}">
+                <a16:creationId xmlns:a16="http://schemas.microsoft.com/office/drawing/2014/main" id="{8F91F758-39B7-408E-9EED-52C96644B76B}"/>
+              </a:ext>
+            </a:extLst>
+          </p:cNvPr>
+          <p:cNvSpPr/>
+          <p:nvPr/>
+        </p:nvSpPr>
+        <p:spPr>
+          <a:xfrm>
+            <a:off x="6718665" y="3789041"/>
+            <a:ext cx="2562171" cy="504056"/>
+          </a:xfrm>
+          <a:prstGeom prst="borderCallout2">
+            <a:avLst>
+              <a:gd name="adj1" fmla="val 56184"/>
+              <a:gd name="adj2" fmla="val 102682"/>
+              <a:gd name="adj3" fmla="val 64822"/>
+              <a:gd name="adj4" fmla="val 110697"/>
+              <a:gd name="adj5" fmla="val 170091"/>
+              <a:gd name="adj6" fmla="val 132873"/>
+            </a:avLst>
+          </a:prstGeom>
+          <a:ln>
+            <a:solidFill>
+              <a:schemeClr val="accent2"/>
+            </a:solidFill>
+          </a:ln>
+        </p:spPr>
+        <p:style>
+          <a:lnRef idx="2">
+            <a:schemeClr val="accent6"/>
+          </a:lnRef>
+          <a:fillRef idx="1">
+            <a:schemeClr val="lt1"/>
+          </a:fillRef>
+          <a:effectRef idx="0">
+            <a:schemeClr val="accent6"/>
+          </a:effectRef>
+          <a:fontRef idx="minor">
+            <a:schemeClr val="dk1"/>
+          </a:fontRef>
+        </p:style>
+        <p:txBody>
+          <a:bodyPr rtlCol="0" anchor="ctr"/>
+          <a:lstStyle/>
+          <a:p>
+            <a:pPr algn="ctr"/>
+            <a:r>
+              <a:rPr lang="en-US" dirty="0" err="1"/>
+              <a:t>Chỉnh</a:t>
+            </a:r>
+            <a:r>
+              <a:rPr lang="en-US" dirty="0"/>
+              <a:t> </a:t>
+            </a:r>
+            <a:r>
+              <a:rPr lang="en-US" dirty="0" err="1"/>
+              <a:t>sửa</a:t>
+            </a:r>
+            <a:r>
+              <a:rPr lang="en-US" dirty="0"/>
+              <a:t>, in, </a:t>
+            </a:r>
+            <a:r>
+              <a:rPr lang="en-US" dirty="0" err="1"/>
+              <a:t>xóa</a:t>
+            </a:r>
+            <a:r>
+              <a:rPr lang="en-US" dirty="0"/>
+              <a:t> PR</a:t>
+            </a:r>
+          </a:p>
+        </p:txBody>
+      </p:sp>
+      <p:sp>
+        <p:nvSpPr>
+          <p:cNvPr id="15" name="Callout: Bent Line 14">
+            <a:extLst>
+              <a:ext uri="{FF2B5EF4-FFF2-40B4-BE49-F238E27FC236}">
+                <a16:creationId xmlns:a16="http://schemas.microsoft.com/office/drawing/2014/main" id="{73593064-285C-4C9C-8B14-BEACE4B8AF7E}"/>
+              </a:ext>
+            </a:extLst>
+          </p:cNvPr>
+          <p:cNvSpPr/>
+          <p:nvPr/>
+        </p:nvSpPr>
+        <p:spPr>
+          <a:xfrm>
+            <a:off x="3445542" y="3724539"/>
+            <a:ext cx="2562171" cy="504056"/>
+          </a:xfrm>
+          <a:prstGeom prst="borderCallout2">
+            <a:avLst>
+              <a:gd name="adj1" fmla="val 56184"/>
+              <a:gd name="adj2" fmla="val 102682"/>
+              <a:gd name="adj3" fmla="val 64822"/>
+              <a:gd name="adj4" fmla="val 110697"/>
+              <a:gd name="adj5" fmla="val 152814"/>
+              <a:gd name="adj6" fmla="val 124376"/>
+            </a:avLst>
+          </a:prstGeom>
+          <a:ln>
+            <a:solidFill>
+              <a:schemeClr val="accent2"/>
+            </a:solidFill>
+          </a:ln>
+        </p:spPr>
+        <p:style>
+          <a:lnRef idx="2">
+            <a:schemeClr val="accent6"/>
+          </a:lnRef>
+          <a:fillRef idx="1">
+            <a:schemeClr val="lt1"/>
+          </a:fillRef>
+          <a:effectRef idx="0">
+            <a:schemeClr val="accent6"/>
+          </a:effectRef>
+          <a:fontRef idx="minor">
+            <a:schemeClr val="dk1"/>
+          </a:fontRef>
+        </p:style>
+        <p:txBody>
+          <a:bodyPr rtlCol="0" anchor="ctr"/>
+          <a:lstStyle/>
+          <a:p>
+            <a:pPr algn="ctr"/>
+            <a:r>
+              <a:rPr lang="en-US" dirty="0" err="1"/>
+              <a:t>Sắp</a:t>
+            </a:r>
+            <a:r>
+              <a:rPr lang="en-US" dirty="0"/>
+              <a:t> </a:t>
+            </a:r>
+            <a:r>
+              <a:rPr lang="en-US" dirty="0" err="1"/>
+              <a:t>xếp</a:t>
+            </a:r>
+            <a:r>
+              <a:rPr lang="en-US" dirty="0"/>
+              <a:t> </a:t>
+            </a:r>
+            <a:r>
+              <a:rPr lang="en-US" dirty="0" err="1"/>
+              <a:t>theo</a:t>
+            </a:r>
+            <a:r>
+              <a:rPr lang="en-US" dirty="0"/>
+              <a:t> </a:t>
+            </a:r>
+            <a:r>
+              <a:rPr lang="en-US" dirty="0" err="1"/>
+              <a:t>cột</a:t>
+            </a:r>
+            <a:r>
+              <a:rPr lang="en-US" dirty="0"/>
+              <a:t> </a:t>
+            </a:r>
+            <a:r>
+              <a:rPr lang="en-US" dirty="0" err="1"/>
+              <a:t>thông</a:t>
+            </a:r>
+            <a:r>
+              <a:rPr lang="en-US" dirty="0"/>
+              <a:t> tin PR</a:t>
+            </a:r>
+          </a:p>
+        </p:txBody>
+      </p:sp>
+      <p:sp>
+        <p:nvSpPr>
+          <p:cNvPr id="18" name="Callout: Bent Line 17">
+            <a:extLst>
+              <a:ext uri="{FF2B5EF4-FFF2-40B4-BE49-F238E27FC236}">
+                <a16:creationId xmlns:a16="http://schemas.microsoft.com/office/drawing/2014/main" id="{EAA45059-EC0B-4634-8D72-267889F6CBC8}"/>
+              </a:ext>
+            </a:extLst>
+          </p:cNvPr>
+          <p:cNvSpPr/>
+          <p:nvPr/>
+        </p:nvSpPr>
+        <p:spPr>
+          <a:xfrm>
+            <a:off x="1453505" y="3472511"/>
+            <a:ext cx="1457660" cy="820586"/>
+          </a:xfrm>
+          <a:prstGeom prst="borderCallout2">
+            <a:avLst>
+              <a:gd name="adj1" fmla="val 30269"/>
+              <a:gd name="adj2" fmla="val -2684"/>
+              <a:gd name="adj3" fmla="val 36727"/>
+              <a:gd name="adj4" fmla="val -24041"/>
+              <a:gd name="adj5" fmla="val 63223"/>
+              <a:gd name="adj6" fmla="val -39993"/>
+            </a:avLst>
+          </a:prstGeom>
+          <a:ln>
+            <a:solidFill>
+              <a:schemeClr val="accent2"/>
+            </a:solidFill>
+          </a:ln>
+        </p:spPr>
+        <p:style>
+          <a:lnRef idx="2">
+            <a:schemeClr val="accent6"/>
+          </a:lnRef>
+          <a:fillRef idx="1">
+            <a:schemeClr val="lt1"/>
+          </a:fillRef>
+          <a:effectRef idx="0">
+            <a:schemeClr val="accent6"/>
+          </a:effectRef>
+          <a:fontRef idx="minor">
+            <a:schemeClr val="dk1"/>
+          </a:fontRef>
+        </p:style>
+        <p:txBody>
+          <a:bodyPr rtlCol="0" anchor="ctr"/>
+          <a:lstStyle/>
+          <a:p>
+            <a:pPr algn="ctr"/>
+            <a:r>
+              <a:rPr lang="en-US" dirty="0" err="1"/>
+              <a:t>Tùy</a:t>
+            </a:r>
+            <a:r>
+              <a:rPr lang="en-US" dirty="0"/>
+              <a:t> </a:t>
+            </a:r>
+            <a:r>
+              <a:rPr lang="en-US" dirty="0" err="1"/>
+              <a:t>chỉnh</a:t>
+            </a:r>
+            <a:r>
+              <a:rPr lang="en-US" dirty="0"/>
+              <a:t> </a:t>
+            </a:r>
+            <a:r>
+              <a:rPr lang="en-US" dirty="0" err="1"/>
+              <a:t>hiển</a:t>
+            </a:r>
+            <a:r>
+              <a:rPr lang="en-US" dirty="0"/>
+              <a:t> </a:t>
+            </a:r>
+            <a:r>
+              <a:rPr lang="en-US" dirty="0" err="1"/>
+              <a:t>thị</a:t>
+            </a:r>
+            <a:r>
+              <a:rPr lang="en-US" dirty="0"/>
+              <a:t> </a:t>
+            </a:r>
+            <a:r>
+              <a:rPr lang="en-US" dirty="0" err="1"/>
+              <a:t>số</a:t>
+            </a:r>
+            <a:r>
+              <a:rPr lang="en-US" dirty="0"/>
+              <a:t> l</a:t>
+            </a:r>
+            <a:r>
+              <a:rPr lang="vi-VN" dirty="0"/>
+              <a:t>ư</a:t>
+            </a:r>
+            <a:r>
+              <a:rPr lang="en-US" dirty="0" err="1"/>
+              <a:t>ợng</a:t>
+            </a:r>
+            <a:r>
+              <a:rPr lang="en-US" dirty="0"/>
+              <a:t> PR</a:t>
             </a:r>
           </a:p>
         </p:txBody>
@@ -4430,7 +8770,7 @@
     </p:spTree>
     <p:extLst>
       <p:ext uri="{BB962C8B-B14F-4D97-AF65-F5344CB8AC3E}">
-        <p14:creationId xmlns:p14="http://schemas.microsoft.com/office/powerpoint/2010/main" val="2592034099"/>
+        <p14:creationId xmlns:p14="http://schemas.microsoft.com/office/powerpoint/2010/main" val="1199293105"/>
       </p:ext>
     </p:extLst>
   </p:cSld>
@@ -4509,36 +8849,147 @@
           <a:lstStyle/>
           <a:p>
             <a:r>
-              <a:rPr lang="en-US" b="1">
+              <a:rPr lang="en-US" b="1" dirty="0" err="1">
                 <a:latin typeface="Segoe UI" panose="020B0502040204020203" pitchFamily="34" charset="0"/>
                 <a:cs typeface="Segoe UI" panose="020B0502040204020203" pitchFamily="34" charset="0"/>
               </a:rPr>
-              <a:t>Trang cổng thông tin t</a:t>
-            </a:r>
-            <a:r>
-              <a:rPr lang="vi-VN" b="1">
+              <a:t>Ứng</a:t>
+            </a:r>
+            <a:r>
+              <a:rPr lang="en-US" b="1" dirty="0">
                 <a:latin typeface="Segoe UI" panose="020B0502040204020203" pitchFamily="34" charset="0"/>
                 <a:cs typeface="Segoe UI" panose="020B0502040204020203" pitchFamily="34" charset="0"/>
               </a:rPr>
-              <a:t>ư</a:t>
-            </a:r>
-            <a:r>
-              <a:rPr lang="en-US" b="1">
+              <a:t> </a:t>
+            </a:r>
+            <a:r>
+              <a:rPr lang="en-US" b="1" dirty="0" err="1">
                 <a:latin typeface="Segoe UI" panose="020B0502040204020203" pitchFamily="34" charset="0"/>
                 <a:cs typeface="Segoe UI" panose="020B0502040204020203" pitchFamily="34" charset="0"/>
               </a:rPr>
-              <a:t>ơng lai (Sharepoint 365)</a:t>
-            </a:r>
-            <a:endParaRPr lang="it-IT" b="1"/>
+              <a:t>dụng</a:t>
+            </a:r>
+            <a:r>
+              <a:rPr lang="en-US" b="1" dirty="0">
+                <a:latin typeface="Segoe UI" panose="020B0502040204020203" pitchFamily="34" charset="0"/>
+                <a:cs typeface="Segoe UI" panose="020B0502040204020203" pitchFamily="34" charset="0"/>
+              </a:rPr>
+              <a:t> </a:t>
+            </a:r>
+            <a:r>
+              <a:rPr lang="en-US" b="1" dirty="0" err="1">
+                <a:latin typeface="Segoe UI" panose="020B0502040204020203" pitchFamily="34" charset="0"/>
+                <a:cs typeface="Segoe UI" panose="020B0502040204020203" pitchFamily="34" charset="0"/>
+              </a:rPr>
+              <a:t>quản</a:t>
+            </a:r>
+            <a:r>
+              <a:rPr lang="en-US" b="1" dirty="0">
+                <a:latin typeface="Segoe UI" panose="020B0502040204020203" pitchFamily="34" charset="0"/>
+                <a:cs typeface="Segoe UI" panose="020B0502040204020203" pitchFamily="34" charset="0"/>
+              </a:rPr>
+              <a:t> </a:t>
+            </a:r>
+            <a:r>
+              <a:rPr lang="en-US" b="1" dirty="0" err="1">
+                <a:latin typeface="Segoe UI" panose="020B0502040204020203" pitchFamily="34" charset="0"/>
+                <a:cs typeface="Segoe UI" panose="020B0502040204020203" pitchFamily="34" charset="0"/>
+              </a:rPr>
+              <a:t>lý</a:t>
+            </a:r>
+            <a:r>
+              <a:rPr lang="en-US" b="1" dirty="0">
+                <a:latin typeface="Segoe UI" panose="020B0502040204020203" pitchFamily="34" charset="0"/>
+                <a:cs typeface="Segoe UI" panose="020B0502040204020203" pitchFamily="34" charset="0"/>
+              </a:rPr>
+              <a:t> PRPO </a:t>
+            </a:r>
+            <a:r>
+              <a:rPr lang="en-US" b="1" dirty="0" err="1">
+                <a:latin typeface="Segoe UI" panose="020B0502040204020203" pitchFamily="34" charset="0"/>
+                <a:cs typeface="Segoe UI" panose="020B0502040204020203" pitchFamily="34" charset="0"/>
+              </a:rPr>
+              <a:t>mới</a:t>
+            </a:r>
+            <a:endParaRPr lang="it-IT" b="1" dirty="0"/>
+          </a:p>
+        </p:txBody>
+      </p:sp>
+      <p:sp>
+        <p:nvSpPr>
+          <p:cNvPr id="5" name="TextBox 4">
+            <a:extLst>
+              <a:ext uri="{FF2B5EF4-FFF2-40B4-BE49-F238E27FC236}">
+                <a16:creationId xmlns:a16="http://schemas.microsoft.com/office/drawing/2014/main" id="{FB5BC7C6-B3A1-421B-BFBC-47D37CD04D71}"/>
+              </a:ext>
+            </a:extLst>
+          </p:cNvPr>
+          <p:cNvSpPr txBox="1"/>
+          <p:nvPr/>
+        </p:nvSpPr>
+        <p:spPr>
+          <a:xfrm>
+            <a:off x="5463193" y="833879"/>
+            <a:ext cx="1255472" cy="1200329"/>
+          </a:xfrm>
+          <a:prstGeom prst="rect">
+            <a:avLst/>
+          </a:prstGeom>
+          <a:noFill/>
+        </p:spPr>
+        <p:txBody>
+          <a:bodyPr wrap="none" rtlCol="0">
+            <a:spAutoFit/>
+          </a:bodyPr>
+          <a:lstStyle/>
+          <a:p>
+            <a:pPr algn="ctr"/>
+            <a:r>
+              <a:rPr lang="en-US" sz="7200" dirty="0">
+                <a:solidFill>
+                  <a:schemeClr val="tx1">
+                    <a:lumMod val="75000"/>
+                    <a:lumOff val="25000"/>
+                  </a:schemeClr>
+                </a:solidFill>
+                <a:effectLst>
+                  <a:outerShdw blurRad="38100" dist="38100" dir="2700000" algn="tl">
+                    <a:srgbClr val="000000">
+                      <a:alpha val="43137"/>
+                    </a:srgbClr>
+                  </a:outerShdw>
+                </a:effectLst>
+                <a:latin typeface="Segoe UI" panose="020B0502040204020203" pitchFamily="34" charset="0"/>
+                <a:cs typeface="Segoe UI" panose="020B0502040204020203" pitchFamily="34" charset="0"/>
+              </a:rPr>
+              <a:t>PR</a:t>
+            </a:r>
+            <a:endParaRPr lang="vi-VN" sz="7200" dirty="0">
+              <a:solidFill>
+                <a:schemeClr val="tx1">
+                  <a:lumMod val="75000"/>
+                  <a:lumOff val="25000"/>
+                </a:schemeClr>
+              </a:solidFill>
+              <a:effectLst>
+                <a:outerShdw blurRad="38100" dist="38100" dir="2700000" algn="tl">
+                  <a:srgbClr val="000000">
+                    <a:alpha val="43137"/>
+                  </a:srgbClr>
+                </a:outerShdw>
+              </a:effectLst>
+              <a:latin typeface="Segoe UI" panose="020B0502040204020203" pitchFamily="34" charset="0"/>
+              <a:cs typeface="Segoe UI" panose="020B0502040204020203" pitchFamily="34" charset="0"/>
+            </a:endParaRPr>
           </a:p>
         </p:txBody>
       </p:sp>
       <p:pic>
         <p:nvPicPr>
-          <p:cNvPr id="6" name="Picture 5">
+          <p:cNvPr id="8" name="Picture 7">
             <a:extLst>
               <a:ext uri="{FF2B5EF4-FFF2-40B4-BE49-F238E27FC236}">
-                <a16:creationId xmlns:a16="http://schemas.microsoft.com/office/drawing/2014/main" id="{E8D8C515-66D1-4AD6-B78F-86B07EE59CE1}"/>
+                <a16:creationId xmlns:a16="http://schemas.microsoft.com/office/drawing/2014/main" id="{5DC53CD5-1E55-4682-89F3-DB8E8B8A46F1}"/>
               </a:ext>
             </a:extLst>
           </p:cNvPr>
@@ -4548,15 +8999,21 @@
           <p:nvPr/>
         </p:nvPicPr>
         <p:blipFill>
-          <a:blip r:embed="rId2"/>
+          <a:blip r:embed="rId2">
+            <a:extLst>
+              <a:ext uri="{28A0092B-C50C-407E-A947-70E740481C1C}">
+                <a14:useLocalDpi xmlns:a14="http://schemas.microsoft.com/office/drawing/2010/main" val="0"/>
+              </a:ext>
+            </a:extLst>
+          </a:blip>
           <a:stretch>
             <a:fillRect/>
           </a:stretch>
         </p:blipFill>
         <p:spPr>
           <a:xfrm>
-            <a:off x="1866889" y="1196752"/>
-            <a:ext cx="8458221" cy="5425156"/>
+            <a:off x="3271529" y="1834729"/>
+            <a:ext cx="6082648" cy="5003800"/>
           </a:xfrm>
           <a:prstGeom prst="rect">
             <a:avLst/>
@@ -4565,56 +9022,419 @@
       </p:pic>
       <p:sp>
         <p:nvSpPr>
-          <p:cNvPr id="7" name="TextBox 6">
+          <p:cNvPr id="16" name="Callout: Bent Line 15">
             <a:extLst>
               <a:ext uri="{FF2B5EF4-FFF2-40B4-BE49-F238E27FC236}">
-                <a16:creationId xmlns:a16="http://schemas.microsoft.com/office/drawing/2014/main" id="{757FAA8A-E7A4-4432-9C26-0F9FDC33EB94}"/>
+                <a16:creationId xmlns:a16="http://schemas.microsoft.com/office/drawing/2014/main" id="{E1375DB9-C564-4549-97E0-D09CD009ADAB}"/>
               </a:ext>
             </a:extLst>
           </p:cNvPr>
-          <p:cNvSpPr txBox="1"/>
+          <p:cNvSpPr/>
           <p:nvPr/>
         </p:nvSpPr>
         <p:spPr>
           <a:xfrm>
-            <a:off x="335360" y="3429000"/>
-            <a:ext cx="4176464" cy="461665"/>
+            <a:off x="2495600" y="5769260"/>
+            <a:ext cx="2562171" cy="504056"/>
           </a:xfrm>
-          <a:prstGeom prst="rect">
-            <a:avLst/>
+          <a:prstGeom prst="borderCallout2">
+            <a:avLst>
+              <a:gd name="adj1" fmla="val 56184"/>
+              <a:gd name="adj2" fmla="val 102682"/>
+              <a:gd name="adj3" fmla="val 64822"/>
+              <a:gd name="adj4" fmla="val 110697"/>
+              <a:gd name="adj5" fmla="val 164332"/>
+              <a:gd name="adj6" fmla="val 145902"/>
+            </a:avLst>
           </a:prstGeom>
+          <a:ln>
+            <a:solidFill>
+              <a:schemeClr val="accent2"/>
+            </a:solidFill>
+          </a:ln>
         </p:spPr>
         <p:style>
-          <a:lnRef idx="1">
-            <a:schemeClr val="dk1"/>
+          <a:lnRef idx="2">
+            <a:schemeClr val="accent6"/>
           </a:lnRef>
-          <a:fillRef idx="2">
-            <a:schemeClr val="dk1"/>
+          <a:fillRef idx="1">
+            <a:schemeClr val="lt1"/>
           </a:fillRef>
-          <a:effectRef idx="1">
-            <a:schemeClr val="dk1"/>
+          <a:effectRef idx="0">
+            <a:schemeClr val="accent6"/>
           </a:effectRef>
           <a:fontRef idx="minor">
             <a:schemeClr val="dk1"/>
           </a:fontRef>
         </p:style>
         <p:txBody>
-          <a:bodyPr wrap="square" rtlCol="0">
-            <a:spAutoFit/>
-          </a:bodyPr>
+          <a:bodyPr rtlCol="0" anchor="ctr"/>
           <a:lstStyle/>
           <a:p>
             <a:pPr algn="ctr"/>
             <a:r>
-              <a:rPr lang="vi-VN" sz="2400">
-                <a:solidFill>
-                  <a:schemeClr val="tx1">
-                    <a:lumMod val="65000"/>
-                    <a:lumOff val="35000"/>
-                  </a:schemeClr>
-                </a:solidFill>
-              </a:rPr>
-              <a:t>Cung cấp thông tin tức thời</a:t>
+              <a:rPr lang="en-US" dirty="0"/>
+              <a:t>In </a:t>
+            </a:r>
+            <a:r>
+              <a:rPr lang="en-US" dirty="0" err="1"/>
+              <a:t>thông</a:t>
+            </a:r>
+            <a:r>
+              <a:rPr lang="en-US" dirty="0"/>
+              <a:t> tin PR</a:t>
+            </a:r>
+          </a:p>
+        </p:txBody>
+      </p:sp>
+      <p:sp>
+        <p:nvSpPr>
+          <p:cNvPr id="17" name="Callout: Bent Line 16">
+            <a:extLst>
+              <a:ext uri="{FF2B5EF4-FFF2-40B4-BE49-F238E27FC236}">
+                <a16:creationId xmlns:a16="http://schemas.microsoft.com/office/drawing/2014/main" id="{410D6D72-C5C3-41CF-8094-CBC6689E9849}"/>
+              </a:ext>
+            </a:extLst>
+          </p:cNvPr>
+          <p:cNvSpPr/>
+          <p:nvPr/>
+        </p:nvSpPr>
+        <p:spPr>
+          <a:xfrm>
+            <a:off x="653509" y="6334473"/>
+            <a:ext cx="2562171" cy="504056"/>
+          </a:xfrm>
+          <a:prstGeom prst="borderCallout2">
+            <a:avLst>
+              <a:gd name="adj1" fmla="val 56184"/>
+              <a:gd name="adj2" fmla="val 102682"/>
+              <a:gd name="adj3" fmla="val 64822"/>
+              <a:gd name="adj4" fmla="val 110697"/>
+              <a:gd name="adj5" fmla="val 77947"/>
+              <a:gd name="adj6" fmla="val 204816"/>
+            </a:avLst>
+          </a:prstGeom>
+          <a:ln>
+            <a:solidFill>
+              <a:schemeClr val="accent2"/>
+            </a:solidFill>
+          </a:ln>
+        </p:spPr>
+        <p:style>
+          <a:lnRef idx="2">
+            <a:schemeClr val="accent6"/>
+          </a:lnRef>
+          <a:fillRef idx="1">
+            <a:schemeClr val="lt1"/>
+          </a:fillRef>
+          <a:effectRef idx="0">
+            <a:schemeClr val="accent6"/>
+          </a:effectRef>
+          <a:fontRef idx="minor">
+            <a:schemeClr val="dk1"/>
+          </a:fontRef>
+        </p:style>
+        <p:txBody>
+          <a:bodyPr rtlCol="0" anchor="ctr"/>
+          <a:lstStyle/>
+          <a:p>
+            <a:pPr algn="ctr"/>
+            <a:r>
+              <a:rPr lang="en-US" dirty="0"/>
+              <a:t>L</a:t>
+            </a:r>
+            <a:r>
+              <a:rPr lang="vi-VN" dirty="0"/>
+              <a:t>ư</a:t>
+            </a:r>
+            <a:r>
+              <a:rPr lang="en-US" dirty="0"/>
+              <a:t>u </a:t>
+            </a:r>
+            <a:r>
+              <a:rPr lang="en-US" dirty="0" err="1"/>
+              <a:t>tạm</a:t>
+            </a:r>
+            <a:r>
+              <a:rPr lang="en-US" dirty="0"/>
+              <a:t> </a:t>
+            </a:r>
+            <a:r>
+              <a:rPr lang="en-US" dirty="0" err="1"/>
+              <a:t>thông</a:t>
+            </a:r>
+            <a:r>
+              <a:rPr lang="en-US" dirty="0"/>
+              <a:t> tin PR</a:t>
+            </a:r>
+          </a:p>
+        </p:txBody>
+      </p:sp>
+      <p:sp>
+        <p:nvSpPr>
+          <p:cNvPr id="19" name="Callout: Bent Line 18">
+            <a:extLst>
+              <a:ext uri="{FF2B5EF4-FFF2-40B4-BE49-F238E27FC236}">
+                <a16:creationId xmlns:a16="http://schemas.microsoft.com/office/drawing/2014/main" id="{00507E37-F72E-4D4F-933E-E48E7D0373D1}"/>
+              </a:ext>
+            </a:extLst>
+          </p:cNvPr>
+          <p:cNvSpPr/>
+          <p:nvPr/>
+        </p:nvSpPr>
+        <p:spPr>
+          <a:xfrm>
+            <a:off x="6600056" y="5769260"/>
+            <a:ext cx="2562171" cy="504056"/>
+          </a:xfrm>
+          <a:prstGeom prst="borderCallout2">
+            <a:avLst>
+              <a:gd name="adj1" fmla="val 38907"/>
+              <a:gd name="adj2" fmla="val -1551"/>
+              <a:gd name="adj3" fmla="val 116653"/>
+              <a:gd name="adj4" fmla="val -7698"/>
+              <a:gd name="adj5" fmla="val 170091"/>
+              <a:gd name="adj6" fmla="val -817"/>
+            </a:avLst>
+          </a:prstGeom>
+          <a:ln>
+            <a:solidFill>
+              <a:schemeClr val="accent2"/>
+            </a:solidFill>
+          </a:ln>
+        </p:spPr>
+        <p:style>
+          <a:lnRef idx="2">
+            <a:schemeClr val="accent6"/>
+          </a:lnRef>
+          <a:fillRef idx="1">
+            <a:schemeClr val="lt1"/>
+          </a:fillRef>
+          <a:effectRef idx="0">
+            <a:schemeClr val="accent6"/>
+          </a:effectRef>
+          <a:fontRef idx="minor">
+            <a:schemeClr val="dk1"/>
+          </a:fontRef>
+        </p:style>
+        <p:txBody>
+          <a:bodyPr rtlCol="0" anchor="ctr"/>
+          <a:lstStyle/>
+          <a:p>
+            <a:pPr algn="ctr"/>
+            <a:r>
+              <a:rPr lang="en-US" dirty="0" err="1"/>
+              <a:t>Chuyển</a:t>
+            </a:r>
+            <a:r>
+              <a:rPr lang="en-US" dirty="0"/>
+              <a:t> </a:t>
+            </a:r>
+            <a:r>
+              <a:rPr lang="en-US" dirty="0" err="1"/>
+              <a:t>phê</a:t>
+            </a:r>
+            <a:r>
+              <a:rPr lang="en-US" dirty="0"/>
+              <a:t> </a:t>
+            </a:r>
+            <a:r>
+              <a:rPr lang="en-US" dirty="0" err="1"/>
+              <a:t>duyệt</a:t>
+            </a:r>
+            <a:r>
+              <a:rPr lang="en-US" dirty="0"/>
+              <a:t> </a:t>
+            </a:r>
+            <a:r>
+              <a:rPr lang="en-US" dirty="0" err="1"/>
+              <a:t>thông</a:t>
+            </a:r>
+            <a:r>
+              <a:rPr lang="en-US" dirty="0"/>
+              <a:t> tin PR</a:t>
+            </a:r>
+          </a:p>
+        </p:txBody>
+      </p:sp>
+      <p:sp>
+        <p:nvSpPr>
+          <p:cNvPr id="20" name="Callout: Bent Line 19">
+            <a:extLst>
+              <a:ext uri="{FF2B5EF4-FFF2-40B4-BE49-F238E27FC236}">
+                <a16:creationId xmlns:a16="http://schemas.microsoft.com/office/drawing/2014/main" id="{A07126B2-248C-4748-B21C-F420A688E3FD}"/>
+              </a:ext>
+            </a:extLst>
+          </p:cNvPr>
+          <p:cNvSpPr/>
+          <p:nvPr/>
+        </p:nvSpPr>
+        <p:spPr>
+          <a:xfrm>
+            <a:off x="303125" y="2061096"/>
+            <a:ext cx="2562171" cy="504056"/>
+          </a:xfrm>
+          <a:prstGeom prst="borderCallout2">
+            <a:avLst>
+              <a:gd name="adj1" fmla="val 56184"/>
+              <a:gd name="adj2" fmla="val 102682"/>
+              <a:gd name="adj3" fmla="val 64822"/>
+              <a:gd name="adj4" fmla="val 110697"/>
+              <a:gd name="adj5" fmla="val 201765"/>
+              <a:gd name="adj6" fmla="val 127208"/>
+            </a:avLst>
+          </a:prstGeom>
+          <a:ln>
+            <a:solidFill>
+              <a:schemeClr val="accent2"/>
+            </a:solidFill>
+          </a:ln>
+        </p:spPr>
+        <p:style>
+          <a:lnRef idx="2">
+            <a:schemeClr val="accent6"/>
+          </a:lnRef>
+          <a:fillRef idx="1">
+            <a:schemeClr val="lt1"/>
+          </a:fillRef>
+          <a:effectRef idx="0">
+            <a:schemeClr val="accent6"/>
+          </a:effectRef>
+          <a:fontRef idx="minor">
+            <a:schemeClr val="dk1"/>
+          </a:fontRef>
+        </p:style>
+        <p:txBody>
+          <a:bodyPr rtlCol="0" anchor="ctr"/>
+          <a:lstStyle/>
+          <a:p>
+            <a:pPr algn="ctr"/>
+            <a:r>
+              <a:rPr lang="en-US" dirty="0" err="1"/>
+              <a:t>Nhập</a:t>
+            </a:r>
+            <a:r>
+              <a:rPr lang="en-US" dirty="0"/>
+              <a:t> </a:t>
+            </a:r>
+            <a:r>
+              <a:rPr lang="en-US" dirty="0" err="1"/>
+              <a:t>thông</a:t>
+            </a:r>
+            <a:r>
+              <a:rPr lang="en-US" dirty="0"/>
+              <a:t> tin </a:t>
+            </a:r>
+            <a:r>
+              <a:rPr lang="en-US" dirty="0" err="1"/>
+              <a:t>vật</a:t>
+            </a:r>
+            <a:r>
+              <a:rPr lang="en-US" dirty="0"/>
+              <a:t> </a:t>
+            </a:r>
+            <a:r>
+              <a:rPr lang="en-US" dirty="0" err="1"/>
+              <a:t>vật</a:t>
+            </a:r>
+            <a:r>
+              <a:rPr lang="en-US" dirty="0"/>
+              <a:t> t</a:t>
+            </a:r>
+            <a:r>
+              <a:rPr lang="vi-VN" dirty="0"/>
+              <a:t>ư</a:t>
+            </a:r>
+            <a:r>
+              <a:rPr lang="en-US" dirty="0"/>
+              <a:t> PR</a:t>
+            </a:r>
+          </a:p>
+        </p:txBody>
+      </p:sp>
+      <p:sp>
+        <p:nvSpPr>
+          <p:cNvPr id="21" name="Callout: Bent Line 20">
+            <a:extLst>
+              <a:ext uri="{FF2B5EF4-FFF2-40B4-BE49-F238E27FC236}">
+                <a16:creationId xmlns:a16="http://schemas.microsoft.com/office/drawing/2014/main" id="{B7141253-5372-425A-9B95-73709FDEA42D}"/>
+              </a:ext>
+            </a:extLst>
+          </p:cNvPr>
+          <p:cNvSpPr/>
+          <p:nvPr/>
+        </p:nvSpPr>
+        <p:spPr>
+          <a:xfrm>
+            <a:off x="8849020" y="1782180"/>
+            <a:ext cx="2562171" cy="504056"/>
+          </a:xfrm>
+          <a:prstGeom prst="borderCallout2">
+            <a:avLst>
+              <a:gd name="adj1" fmla="val 53305"/>
+              <a:gd name="adj2" fmla="val -4950"/>
+              <a:gd name="adj3" fmla="val 64822"/>
+              <a:gd name="adj4" fmla="val -26392"/>
+              <a:gd name="adj5" fmla="val 129778"/>
+              <a:gd name="adj6" fmla="val -73894"/>
+            </a:avLst>
+          </a:prstGeom>
+          <a:ln>
+            <a:solidFill>
+              <a:schemeClr val="accent2"/>
+            </a:solidFill>
+          </a:ln>
+        </p:spPr>
+        <p:style>
+          <a:lnRef idx="2">
+            <a:schemeClr val="accent6"/>
+          </a:lnRef>
+          <a:fillRef idx="1">
+            <a:schemeClr val="lt1"/>
+          </a:fillRef>
+          <a:effectRef idx="0">
+            <a:schemeClr val="accent6"/>
+          </a:effectRef>
+          <a:fontRef idx="minor">
+            <a:schemeClr val="dk1"/>
+          </a:fontRef>
+        </p:style>
+        <p:txBody>
+          <a:bodyPr rtlCol="0" anchor="ctr"/>
+          <a:lstStyle/>
+          <a:p>
+            <a:pPr algn="ctr"/>
+            <a:r>
+              <a:rPr lang="en-US" dirty="0" err="1"/>
+              <a:t>Tự</a:t>
+            </a:r>
+            <a:r>
+              <a:rPr lang="en-US" dirty="0"/>
+              <a:t> </a:t>
+            </a:r>
+            <a:r>
+              <a:rPr lang="en-US" dirty="0" err="1"/>
+              <a:t>động</a:t>
+            </a:r>
+            <a:r>
+              <a:rPr lang="en-US" dirty="0"/>
+              <a:t> </a:t>
+            </a:r>
+            <a:r>
+              <a:rPr lang="en-US" dirty="0" err="1"/>
+              <a:t>lấy</a:t>
+            </a:r>
+            <a:r>
+              <a:rPr lang="en-US" dirty="0"/>
+              <a:t> </a:t>
+            </a:r>
+            <a:r>
+              <a:rPr lang="en-US" dirty="0" err="1"/>
+              <a:t>số</a:t>
+            </a:r>
+            <a:r>
+              <a:rPr lang="en-US" dirty="0"/>
+              <a:t> PR</a:t>
             </a:r>
           </a:p>
         </p:txBody>
@@ -4622,7 +9442,7 @@
     </p:spTree>
     <p:extLst>
       <p:ext uri="{BB962C8B-B14F-4D97-AF65-F5344CB8AC3E}">
-        <p14:creationId xmlns:p14="http://schemas.microsoft.com/office/powerpoint/2010/main" val="146763402"/>
+        <p14:creationId xmlns:p14="http://schemas.microsoft.com/office/powerpoint/2010/main" val="3111154031"/>
       </p:ext>
     </p:extLst>
   </p:cSld>
@@ -4701,36 +9521,147 @@
           <a:lstStyle/>
           <a:p>
             <a:r>
-              <a:rPr lang="en-US" b="1">
+              <a:rPr lang="en-US" b="1" dirty="0" err="1">
                 <a:latin typeface="Segoe UI" panose="020B0502040204020203" pitchFamily="34" charset="0"/>
                 <a:cs typeface="Segoe UI" panose="020B0502040204020203" pitchFamily="34" charset="0"/>
               </a:rPr>
-              <a:t>Trang cổng thông tin t</a:t>
-            </a:r>
-            <a:r>
-              <a:rPr lang="vi-VN" b="1">
+              <a:t>Ứng</a:t>
+            </a:r>
+            <a:r>
+              <a:rPr lang="en-US" b="1" dirty="0">
                 <a:latin typeface="Segoe UI" panose="020B0502040204020203" pitchFamily="34" charset="0"/>
                 <a:cs typeface="Segoe UI" panose="020B0502040204020203" pitchFamily="34" charset="0"/>
               </a:rPr>
-              <a:t>ư</a:t>
-            </a:r>
-            <a:r>
-              <a:rPr lang="en-US" b="1">
+              <a:t> </a:t>
+            </a:r>
+            <a:r>
+              <a:rPr lang="en-US" b="1" dirty="0" err="1">
                 <a:latin typeface="Segoe UI" panose="020B0502040204020203" pitchFamily="34" charset="0"/>
                 <a:cs typeface="Segoe UI" panose="020B0502040204020203" pitchFamily="34" charset="0"/>
               </a:rPr>
-              <a:t>ơng lai (Sharepoint 365)</a:t>
-            </a:r>
-            <a:endParaRPr lang="it-IT" b="1"/>
+              <a:t>dụng</a:t>
+            </a:r>
+            <a:r>
+              <a:rPr lang="en-US" b="1" dirty="0">
+                <a:latin typeface="Segoe UI" panose="020B0502040204020203" pitchFamily="34" charset="0"/>
+                <a:cs typeface="Segoe UI" panose="020B0502040204020203" pitchFamily="34" charset="0"/>
+              </a:rPr>
+              <a:t> </a:t>
+            </a:r>
+            <a:r>
+              <a:rPr lang="en-US" b="1" dirty="0" err="1">
+                <a:latin typeface="Segoe UI" panose="020B0502040204020203" pitchFamily="34" charset="0"/>
+                <a:cs typeface="Segoe UI" panose="020B0502040204020203" pitchFamily="34" charset="0"/>
+              </a:rPr>
+              <a:t>quản</a:t>
+            </a:r>
+            <a:r>
+              <a:rPr lang="en-US" b="1" dirty="0">
+                <a:latin typeface="Segoe UI" panose="020B0502040204020203" pitchFamily="34" charset="0"/>
+                <a:cs typeface="Segoe UI" panose="020B0502040204020203" pitchFamily="34" charset="0"/>
+              </a:rPr>
+              <a:t> </a:t>
+            </a:r>
+            <a:r>
+              <a:rPr lang="en-US" b="1" dirty="0" err="1">
+                <a:latin typeface="Segoe UI" panose="020B0502040204020203" pitchFamily="34" charset="0"/>
+                <a:cs typeface="Segoe UI" panose="020B0502040204020203" pitchFamily="34" charset="0"/>
+              </a:rPr>
+              <a:t>lý</a:t>
+            </a:r>
+            <a:r>
+              <a:rPr lang="en-US" b="1" dirty="0">
+                <a:latin typeface="Segoe UI" panose="020B0502040204020203" pitchFamily="34" charset="0"/>
+                <a:cs typeface="Segoe UI" panose="020B0502040204020203" pitchFamily="34" charset="0"/>
+              </a:rPr>
+              <a:t> PRPO </a:t>
+            </a:r>
+            <a:r>
+              <a:rPr lang="en-US" b="1" dirty="0" err="1">
+                <a:latin typeface="Segoe UI" panose="020B0502040204020203" pitchFamily="34" charset="0"/>
+                <a:cs typeface="Segoe UI" panose="020B0502040204020203" pitchFamily="34" charset="0"/>
+              </a:rPr>
+              <a:t>mới</a:t>
+            </a:r>
+            <a:endParaRPr lang="it-IT" b="1" dirty="0"/>
+          </a:p>
+        </p:txBody>
+      </p:sp>
+      <p:sp>
+        <p:nvSpPr>
+          <p:cNvPr id="5" name="TextBox 4">
+            <a:extLst>
+              <a:ext uri="{FF2B5EF4-FFF2-40B4-BE49-F238E27FC236}">
+                <a16:creationId xmlns:a16="http://schemas.microsoft.com/office/drawing/2014/main" id="{FB5BC7C6-B3A1-421B-BFBC-47D37CD04D71}"/>
+              </a:ext>
+            </a:extLst>
+          </p:cNvPr>
+          <p:cNvSpPr txBox="1"/>
+          <p:nvPr/>
+        </p:nvSpPr>
+        <p:spPr>
+          <a:xfrm>
+            <a:off x="5463193" y="833879"/>
+            <a:ext cx="1255472" cy="1200329"/>
+          </a:xfrm>
+          <a:prstGeom prst="rect">
+            <a:avLst/>
+          </a:prstGeom>
+          <a:noFill/>
+        </p:spPr>
+        <p:txBody>
+          <a:bodyPr wrap="none" rtlCol="0">
+            <a:spAutoFit/>
+          </a:bodyPr>
+          <a:lstStyle/>
+          <a:p>
+            <a:pPr algn="ctr"/>
+            <a:r>
+              <a:rPr lang="en-US" sz="7200" dirty="0">
+                <a:solidFill>
+                  <a:schemeClr val="tx1">
+                    <a:lumMod val="75000"/>
+                    <a:lumOff val="25000"/>
+                  </a:schemeClr>
+                </a:solidFill>
+                <a:effectLst>
+                  <a:outerShdw blurRad="38100" dist="38100" dir="2700000" algn="tl">
+                    <a:srgbClr val="000000">
+                      <a:alpha val="43137"/>
+                    </a:srgbClr>
+                  </a:outerShdw>
+                </a:effectLst>
+                <a:latin typeface="Segoe UI" panose="020B0502040204020203" pitchFamily="34" charset="0"/>
+                <a:cs typeface="Segoe UI" panose="020B0502040204020203" pitchFamily="34" charset="0"/>
+              </a:rPr>
+              <a:t>PR</a:t>
+            </a:r>
+            <a:endParaRPr lang="vi-VN" sz="7200" dirty="0">
+              <a:solidFill>
+                <a:schemeClr val="tx1">
+                  <a:lumMod val="75000"/>
+                  <a:lumOff val="25000"/>
+                </a:schemeClr>
+              </a:solidFill>
+              <a:effectLst>
+                <a:outerShdw blurRad="38100" dist="38100" dir="2700000" algn="tl">
+                  <a:srgbClr val="000000">
+                    <a:alpha val="43137"/>
+                  </a:srgbClr>
+                </a:outerShdw>
+              </a:effectLst>
+              <a:latin typeface="Segoe UI" panose="020B0502040204020203" pitchFamily="34" charset="0"/>
+              <a:cs typeface="Segoe UI" panose="020B0502040204020203" pitchFamily="34" charset="0"/>
+            </a:endParaRPr>
           </a:p>
         </p:txBody>
       </p:sp>
       <p:pic>
         <p:nvPicPr>
-          <p:cNvPr id="2" name="Picture 1">
+          <p:cNvPr id="6" name="Picture 5">
             <a:extLst>
               <a:ext uri="{FF2B5EF4-FFF2-40B4-BE49-F238E27FC236}">
-                <a16:creationId xmlns:a16="http://schemas.microsoft.com/office/drawing/2014/main" id="{BB56A37E-ADCA-4C7F-8B8E-FFEBB84AA267}"/>
+                <a16:creationId xmlns:a16="http://schemas.microsoft.com/office/drawing/2014/main" id="{0B3BA779-2E65-46D7-BCDD-44784A221B64}"/>
               </a:ext>
             </a:extLst>
           </p:cNvPr>
@@ -4740,15 +9671,21 @@
           <p:nvPr/>
         </p:nvPicPr>
         <p:blipFill>
-          <a:blip r:embed="rId2"/>
+          <a:blip r:embed="rId2">
+            <a:extLst>
+              <a:ext uri="{28A0092B-C50C-407E-A947-70E740481C1C}">
+                <a14:useLocalDpi xmlns:a14="http://schemas.microsoft.com/office/drawing/2010/main" val="0"/>
+              </a:ext>
+            </a:extLst>
+          </a:blip>
           <a:stretch>
             <a:fillRect/>
           </a:stretch>
         </p:blipFill>
         <p:spPr>
           <a:xfrm>
-            <a:off x="1874795" y="1240951"/>
-            <a:ext cx="8442410" cy="5415015"/>
+            <a:off x="3358152" y="1782180"/>
+            <a:ext cx="5345307" cy="5094310"/>
           </a:xfrm>
           <a:prstGeom prst="rect">
             <a:avLst/>
@@ -4757,56 +9694,103 @@
       </p:pic>
       <p:sp>
         <p:nvSpPr>
-          <p:cNvPr id="7" name="TextBox 6">
+          <p:cNvPr id="13" name="Callout: Bent Line 12">
             <a:extLst>
               <a:ext uri="{FF2B5EF4-FFF2-40B4-BE49-F238E27FC236}">
-                <a16:creationId xmlns:a16="http://schemas.microsoft.com/office/drawing/2014/main" id="{757FAA8A-E7A4-4432-9C26-0F9FDC33EB94}"/>
+                <a16:creationId xmlns:a16="http://schemas.microsoft.com/office/drawing/2014/main" id="{01F1A725-2478-4F32-9D47-7ABA6D2A239D}"/>
               </a:ext>
             </a:extLst>
           </p:cNvPr>
-          <p:cNvSpPr txBox="1"/>
+          <p:cNvSpPr/>
           <p:nvPr/>
         </p:nvSpPr>
         <p:spPr>
           <a:xfrm>
-            <a:off x="6091650" y="3632099"/>
-            <a:ext cx="5385207" cy="461665"/>
+            <a:off x="303125" y="2061096"/>
+            <a:ext cx="2562171" cy="504056"/>
           </a:xfrm>
-          <a:prstGeom prst="rect">
-            <a:avLst/>
+          <a:prstGeom prst="borderCallout2">
+            <a:avLst>
+              <a:gd name="adj1" fmla="val 56184"/>
+              <a:gd name="adj2" fmla="val 102682"/>
+              <a:gd name="adj3" fmla="val 64822"/>
+              <a:gd name="adj4" fmla="val 110697"/>
+              <a:gd name="adj5" fmla="val 201765"/>
+              <a:gd name="adj6" fmla="val 127208"/>
+            </a:avLst>
           </a:prstGeom>
+          <a:ln>
+            <a:solidFill>
+              <a:schemeClr val="accent2"/>
+            </a:solidFill>
+          </a:ln>
         </p:spPr>
         <p:style>
-          <a:lnRef idx="1">
-            <a:schemeClr val="dk1"/>
+          <a:lnRef idx="2">
+            <a:schemeClr val="accent6"/>
           </a:lnRef>
-          <a:fillRef idx="2">
-            <a:schemeClr val="dk1"/>
+          <a:fillRef idx="1">
+            <a:schemeClr val="lt1"/>
           </a:fillRef>
-          <a:effectRef idx="1">
-            <a:schemeClr val="dk1"/>
+          <a:effectRef idx="0">
+            <a:schemeClr val="accent6"/>
           </a:effectRef>
           <a:fontRef idx="minor">
             <a:schemeClr val="dk1"/>
           </a:fontRef>
         </p:style>
         <p:txBody>
-          <a:bodyPr wrap="square" rtlCol="0">
-            <a:spAutoFit/>
-          </a:bodyPr>
+          <a:bodyPr rtlCol="0" anchor="ctr"/>
           <a:lstStyle/>
           <a:p>
             <a:pPr algn="ctr"/>
             <a:r>
-              <a:rPr lang="vi-VN" sz="2400">
-                <a:solidFill>
-                  <a:schemeClr val="tx1">
-                    <a:lumMod val="65000"/>
-                    <a:lumOff val="35000"/>
-                  </a:schemeClr>
-                </a:solidFill>
-              </a:rPr>
-              <a:t>Liên kết truy cập nhanh và thuận tiện</a:t>
+              <a:rPr lang="en-US" dirty="0" err="1"/>
+              <a:t>Tìm</a:t>
+            </a:r>
+            <a:r>
+              <a:rPr lang="en-US" dirty="0"/>
+              <a:t> </a:t>
+            </a:r>
+            <a:r>
+              <a:rPr lang="en-US" dirty="0" err="1"/>
+              <a:t>kiếm</a:t>
+            </a:r>
+            <a:r>
+              <a:rPr lang="en-US" dirty="0"/>
+              <a:t> </a:t>
+            </a:r>
+            <a:r>
+              <a:rPr lang="en-US" dirty="0" err="1"/>
+              <a:t>thông</a:t>
+            </a:r>
+            <a:r>
+              <a:rPr lang="en-US" dirty="0"/>
+              <a:t> tin </a:t>
+            </a:r>
+            <a:r>
+              <a:rPr lang="en-US" dirty="0" err="1"/>
+              <a:t>vật</a:t>
+            </a:r>
+            <a:r>
+              <a:rPr lang="en-US" dirty="0"/>
+              <a:t> t</a:t>
+            </a:r>
+            <a:r>
+              <a:rPr lang="vi-VN" dirty="0"/>
+              <a:t>ư</a:t>
+            </a:r>
+            <a:r>
+              <a:rPr lang="en-US" dirty="0"/>
+              <a:t> </a:t>
+            </a:r>
+            <a:r>
+              <a:rPr lang="en-US" dirty="0" err="1"/>
+              <a:t>trên</a:t>
+            </a:r>
+            <a:r>
+              <a:rPr lang="en-US" dirty="0"/>
+              <a:t> SAP</a:t>
             </a:r>
           </a:p>
         </p:txBody>
@@ -4814,7 +9798,7 @@
     </p:spTree>
     <p:extLst>
       <p:ext uri="{BB962C8B-B14F-4D97-AF65-F5344CB8AC3E}">
-        <p14:creationId xmlns:p14="http://schemas.microsoft.com/office/powerpoint/2010/main" val="55030045"/>
+        <p14:creationId xmlns:p14="http://schemas.microsoft.com/office/powerpoint/2010/main" val="649476987"/>
       </p:ext>
     </p:extLst>
   </p:cSld>
@@ -4893,36 +9877,250 @@
           <a:lstStyle/>
           <a:p>
             <a:r>
-              <a:rPr lang="en-US" b="1">
+              <a:rPr lang="en-US" b="1" dirty="0" err="1">
                 <a:latin typeface="Segoe UI" panose="020B0502040204020203" pitchFamily="34" charset="0"/>
                 <a:cs typeface="Segoe UI" panose="020B0502040204020203" pitchFamily="34" charset="0"/>
               </a:rPr>
-              <a:t>Trang cổng thông tin t</a:t>
-            </a:r>
-            <a:r>
-              <a:rPr lang="vi-VN" b="1">
+              <a:t>Ứng</a:t>
+            </a:r>
+            <a:r>
+              <a:rPr lang="en-US" b="1" dirty="0">
                 <a:latin typeface="Segoe UI" panose="020B0502040204020203" pitchFamily="34" charset="0"/>
                 <a:cs typeface="Segoe UI" panose="020B0502040204020203" pitchFamily="34" charset="0"/>
               </a:rPr>
-              <a:t>ư</a:t>
-            </a:r>
-            <a:r>
-              <a:rPr lang="en-US" b="1">
+              <a:t> </a:t>
+            </a:r>
+            <a:r>
+              <a:rPr lang="en-US" b="1" dirty="0" err="1">
                 <a:latin typeface="Segoe UI" panose="020B0502040204020203" pitchFamily="34" charset="0"/>
                 <a:cs typeface="Segoe UI" panose="020B0502040204020203" pitchFamily="34" charset="0"/>
               </a:rPr>
-              <a:t>ơng lai (Sharepoint 365)</a:t>
-            </a:r>
-            <a:endParaRPr lang="it-IT" b="1"/>
+              <a:t>dụng</a:t>
+            </a:r>
+            <a:r>
+              <a:rPr lang="en-US" b="1" dirty="0">
+                <a:latin typeface="Segoe UI" panose="020B0502040204020203" pitchFamily="34" charset="0"/>
+                <a:cs typeface="Segoe UI" panose="020B0502040204020203" pitchFamily="34" charset="0"/>
+              </a:rPr>
+              <a:t> </a:t>
+            </a:r>
+            <a:r>
+              <a:rPr lang="en-US" b="1" dirty="0" err="1">
+                <a:latin typeface="Segoe UI" panose="020B0502040204020203" pitchFamily="34" charset="0"/>
+                <a:cs typeface="Segoe UI" panose="020B0502040204020203" pitchFamily="34" charset="0"/>
+              </a:rPr>
+              <a:t>quản</a:t>
+            </a:r>
+            <a:r>
+              <a:rPr lang="en-US" b="1" dirty="0">
+                <a:latin typeface="Segoe UI" panose="020B0502040204020203" pitchFamily="34" charset="0"/>
+                <a:cs typeface="Segoe UI" panose="020B0502040204020203" pitchFamily="34" charset="0"/>
+              </a:rPr>
+              <a:t> </a:t>
+            </a:r>
+            <a:r>
+              <a:rPr lang="en-US" b="1" dirty="0" err="1">
+                <a:latin typeface="Segoe UI" panose="020B0502040204020203" pitchFamily="34" charset="0"/>
+                <a:cs typeface="Segoe UI" panose="020B0502040204020203" pitchFamily="34" charset="0"/>
+              </a:rPr>
+              <a:t>lý</a:t>
+            </a:r>
+            <a:r>
+              <a:rPr lang="en-US" b="1" dirty="0">
+                <a:latin typeface="Segoe UI" panose="020B0502040204020203" pitchFamily="34" charset="0"/>
+                <a:cs typeface="Segoe UI" panose="020B0502040204020203" pitchFamily="34" charset="0"/>
+              </a:rPr>
+              <a:t> PRPO </a:t>
+            </a:r>
+            <a:r>
+              <a:rPr lang="en-US" b="1" dirty="0" err="1">
+                <a:latin typeface="Segoe UI" panose="020B0502040204020203" pitchFamily="34" charset="0"/>
+                <a:cs typeface="Segoe UI" panose="020B0502040204020203" pitchFamily="34" charset="0"/>
+              </a:rPr>
+              <a:t>mới</a:t>
+            </a:r>
+            <a:endParaRPr lang="it-IT" b="1" dirty="0"/>
+          </a:p>
+        </p:txBody>
+      </p:sp>
+      <p:sp>
+        <p:nvSpPr>
+          <p:cNvPr id="5" name="TextBox 4">
+            <a:extLst>
+              <a:ext uri="{FF2B5EF4-FFF2-40B4-BE49-F238E27FC236}">
+                <a16:creationId xmlns:a16="http://schemas.microsoft.com/office/drawing/2014/main" id="{FB5BC7C6-B3A1-421B-BFBC-47D37CD04D71}"/>
+              </a:ext>
+            </a:extLst>
+          </p:cNvPr>
+          <p:cNvSpPr txBox="1"/>
+          <p:nvPr/>
+        </p:nvSpPr>
+        <p:spPr>
+          <a:xfrm>
+            <a:off x="5463193" y="833879"/>
+            <a:ext cx="1255472" cy="1200329"/>
+          </a:xfrm>
+          <a:prstGeom prst="rect">
+            <a:avLst/>
+          </a:prstGeom>
+          <a:noFill/>
+        </p:spPr>
+        <p:txBody>
+          <a:bodyPr wrap="none" rtlCol="0">
+            <a:spAutoFit/>
+          </a:bodyPr>
+          <a:lstStyle/>
+          <a:p>
+            <a:pPr algn="ctr"/>
+            <a:r>
+              <a:rPr lang="en-US" sz="7200" dirty="0">
+                <a:solidFill>
+                  <a:schemeClr val="tx1">
+                    <a:lumMod val="75000"/>
+                    <a:lumOff val="25000"/>
+                  </a:schemeClr>
+                </a:solidFill>
+                <a:effectLst>
+                  <a:outerShdw blurRad="38100" dist="38100" dir="2700000" algn="tl">
+                    <a:srgbClr val="000000">
+                      <a:alpha val="43137"/>
+                    </a:srgbClr>
+                  </a:outerShdw>
+                </a:effectLst>
+                <a:latin typeface="Segoe UI" panose="020B0502040204020203" pitchFamily="34" charset="0"/>
+                <a:cs typeface="Segoe UI" panose="020B0502040204020203" pitchFamily="34" charset="0"/>
+              </a:rPr>
+              <a:t>PR</a:t>
+            </a:r>
+            <a:endParaRPr lang="vi-VN" sz="7200" dirty="0">
+              <a:solidFill>
+                <a:schemeClr val="tx1">
+                  <a:lumMod val="75000"/>
+                  <a:lumOff val="25000"/>
+                </a:schemeClr>
+              </a:solidFill>
+              <a:effectLst>
+                <a:outerShdw blurRad="38100" dist="38100" dir="2700000" algn="tl">
+                  <a:srgbClr val="000000">
+                    <a:alpha val="43137"/>
+                  </a:srgbClr>
+                </a:outerShdw>
+              </a:effectLst>
+              <a:latin typeface="Segoe UI" panose="020B0502040204020203" pitchFamily="34" charset="0"/>
+              <a:cs typeface="Segoe UI" panose="020B0502040204020203" pitchFamily="34" charset="0"/>
+            </a:endParaRPr>
+          </a:p>
+        </p:txBody>
+      </p:sp>
+      <p:sp>
+        <p:nvSpPr>
+          <p:cNvPr id="13" name="Callout: Bent Line 12">
+            <a:extLst>
+              <a:ext uri="{FF2B5EF4-FFF2-40B4-BE49-F238E27FC236}">
+                <a16:creationId xmlns:a16="http://schemas.microsoft.com/office/drawing/2014/main" id="{01F1A725-2478-4F32-9D47-7ABA6D2A239D}"/>
+              </a:ext>
+            </a:extLst>
+          </p:cNvPr>
+          <p:cNvSpPr/>
+          <p:nvPr/>
+        </p:nvSpPr>
+        <p:spPr>
+          <a:xfrm>
+            <a:off x="303125" y="2061096"/>
+            <a:ext cx="2562171" cy="504056"/>
+          </a:xfrm>
+          <a:prstGeom prst="borderCallout2">
+            <a:avLst>
+              <a:gd name="adj1" fmla="val 56184"/>
+              <a:gd name="adj2" fmla="val 102682"/>
+              <a:gd name="adj3" fmla="val 64822"/>
+              <a:gd name="adj4" fmla="val 110697"/>
+              <a:gd name="adj5" fmla="val 201765"/>
+              <a:gd name="adj6" fmla="val 127208"/>
+            </a:avLst>
+          </a:prstGeom>
+          <a:ln>
+            <a:solidFill>
+              <a:schemeClr val="accent2"/>
+            </a:solidFill>
+          </a:ln>
+        </p:spPr>
+        <p:style>
+          <a:lnRef idx="2">
+            <a:schemeClr val="accent6"/>
+          </a:lnRef>
+          <a:fillRef idx="1">
+            <a:schemeClr val="lt1"/>
+          </a:fillRef>
+          <a:effectRef idx="0">
+            <a:schemeClr val="accent6"/>
+          </a:effectRef>
+          <a:fontRef idx="minor">
+            <a:schemeClr val="dk1"/>
+          </a:fontRef>
+        </p:style>
+        <p:txBody>
+          <a:bodyPr rtlCol="0" anchor="ctr"/>
+          <a:lstStyle/>
+          <a:p>
+            <a:pPr algn="ctr"/>
+            <a:r>
+              <a:rPr lang="en-US" dirty="0" err="1"/>
+              <a:t>Tìm</a:t>
+            </a:r>
+            <a:r>
+              <a:rPr lang="en-US" dirty="0"/>
+              <a:t> </a:t>
+            </a:r>
+            <a:r>
+              <a:rPr lang="en-US" dirty="0" err="1"/>
+              <a:t>kiếm</a:t>
+            </a:r>
+            <a:r>
+              <a:rPr lang="en-US" dirty="0"/>
+              <a:t> </a:t>
+            </a:r>
+            <a:r>
+              <a:rPr lang="en-US" dirty="0" err="1"/>
+              <a:t>thông</a:t>
+            </a:r>
+            <a:r>
+              <a:rPr lang="en-US" dirty="0"/>
+              <a:t> tin </a:t>
+            </a:r>
+            <a:r>
+              <a:rPr lang="en-US" dirty="0" err="1"/>
+              <a:t>vật</a:t>
+            </a:r>
+            <a:r>
+              <a:rPr lang="en-US" dirty="0"/>
+              <a:t> t</a:t>
+            </a:r>
+            <a:r>
+              <a:rPr lang="vi-VN" dirty="0"/>
+              <a:t>ư</a:t>
+            </a:r>
+            <a:r>
+              <a:rPr lang="en-US" dirty="0"/>
+              <a:t> </a:t>
+            </a:r>
+            <a:r>
+              <a:rPr lang="en-US" dirty="0" err="1"/>
+              <a:t>trên</a:t>
+            </a:r>
+            <a:r>
+              <a:rPr lang="en-US" dirty="0"/>
+              <a:t> SAP</a:t>
+            </a:r>
           </a:p>
         </p:txBody>
       </p:sp>
       <p:pic>
         <p:nvPicPr>
-          <p:cNvPr id="5" name="Picture 4">
+          <p:cNvPr id="7" name="Picture 6">
             <a:extLst>
               <a:ext uri="{FF2B5EF4-FFF2-40B4-BE49-F238E27FC236}">
-                <a16:creationId xmlns:a16="http://schemas.microsoft.com/office/drawing/2014/main" id="{6D4DFE5F-0EA5-44C1-A44B-F85943AEEB8C}"/>
+                <a16:creationId xmlns:a16="http://schemas.microsoft.com/office/drawing/2014/main" id="{B5DC0A06-2DE2-4AC3-94B0-016B257464D3}"/>
               </a:ext>
             </a:extLst>
           </p:cNvPr>
@@ -4932,15 +10130,21 @@
           <p:nvPr/>
         </p:nvPicPr>
         <p:blipFill>
-          <a:blip r:embed="rId2"/>
+          <a:blip r:embed="rId2">
+            <a:extLst>
+              <a:ext uri="{28A0092B-C50C-407E-A947-70E740481C1C}">
+                <a14:useLocalDpi xmlns:a14="http://schemas.microsoft.com/office/drawing/2010/main" val="0"/>
+              </a:ext>
+            </a:extLst>
+          </a:blip>
           <a:stretch>
             <a:fillRect/>
           </a:stretch>
         </p:blipFill>
         <p:spPr>
           <a:xfrm>
-            <a:off x="2145698" y="1198053"/>
-            <a:ext cx="7900603" cy="5474871"/>
+            <a:off x="0" y="1844825"/>
+            <a:ext cx="11888875" cy="4589618"/>
           </a:xfrm>
           <a:prstGeom prst="rect">
             <a:avLst/>
@@ -4949,56 +10153,71 @@
       </p:pic>
       <p:sp>
         <p:nvSpPr>
-          <p:cNvPr id="7" name="TextBox 6">
+          <p:cNvPr id="9" name="Callout: Bent Line 8">
             <a:extLst>
               <a:ext uri="{FF2B5EF4-FFF2-40B4-BE49-F238E27FC236}">
-                <a16:creationId xmlns:a16="http://schemas.microsoft.com/office/drawing/2014/main" id="{757FAA8A-E7A4-4432-9C26-0F9FDC33EB94}"/>
+                <a16:creationId xmlns:a16="http://schemas.microsoft.com/office/drawing/2014/main" id="{AC8F52CB-0A0D-4EA2-8C70-D391CAFE04FB}"/>
               </a:ext>
             </a:extLst>
           </p:cNvPr>
-          <p:cNvSpPr txBox="1"/>
+          <p:cNvSpPr/>
           <p:nvPr/>
         </p:nvSpPr>
         <p:spPr>
           <a:xfrm>
-            <a:off x="940531" y="4365104"/>
-            <a:ext cx="4550297" cy="461665"/>
+            <a:off x="6960096" y="3453372"/>
+            <a:ext cx="2562171" cy="504056"/>
           </a:xfrm>
-          <a:prstGeom prst="rect">
-            <a:avLst/>
+          <a:prstGeom prst="borderCallout2">
+            <a:avLst>
+              <a:gd name="adj1" fmla="val 56184"/>
+              <a:gd name="adj2" fmla="val 102682"/>
+              <a:gd name="adj3" fmla="val 64822"/>
+              <a:gd name="adj4" fmla="val 110697"/>
+              <a:gd name="adj5" fmla="val 193392"/>
+              <a:gd name="adj6" fmla="val 168387"/>
+            </a:avLst>
           </a:prstGeom>
+          <a:ln>
+            <a:solidFill>
+              <a:schemeClr val="accent2"/>
+            </a:solidFill>
+          </a:ln>
         </p:spPr>
         <p:style>
-          <a:lnRef idx="1">
-            <a:schemeClr val="dk1"/>
+          <a:lnRef idx="2">
+            <a:schemeClr val="accent6"/>
           </a:lnRef>
-          <a:fillRef idx="2">
-            <a:schemeClr val="dk1"/>
+          <a:fillRef idx="1">
+            <a:schemeClr val="lt1"/>
           </a:fillRef>
-          <a:effectRef idx="1">
-            <a:schemeClr val="dk1"/>
+          <a:effectRef idx="0">
+            <a:schemeClr val="accent6"/>
           </a:effectRef>
           <a:fontRef idx="minor">
             <a:schemeClr val="dk1"/>
           </a:fontRef>
         </p:style>
         <p:txBody>
-          <a:bodyPr wrap="square" rtlCol="0">
-            <a:spAutoFit/>
-          </a:bodyPr>
+          <a:bodyPr rtlCol="0" anchor="ctr"/>
           <a:lstStyle/>
           <a:p>
             <a:pPr algn="ctr"/>
             <a:r>
-              <a:rPr lang="vi-VN" sz="2400">
-                <a:solidFill>
-                  <a:schemeClr val="tx1">
-                    <a:lumMod val="65000"/>
-                    <a:lumOff val="35000"/>
-                  </a:schemeClr>
-                </a:solidFill>
-              </a:rPr>
-              <a:t>Truy cập nhanh bộ Office 365</a:t>
+              <a:rPr lang="en-US" dirty="0" err="1"/>
+              <a:t>Duyệt</a:t>
+            </a:r>
+            <a:r>
+              <a:rPr lang="en-US" dirty="0"/>
+              <a:t> </a:t>
+            </a:r>
+            <a:r>
+              <a:rPr lang="en-US" dirty="0" err="1"/>
+              <a:t>thông</a:t>
+            </a:r>
+            <a:r>
+              <a:rPr lang="en-US" dirty="0"/>
+              <a:t> tin PR</a:t>
             </a:r>
           </a:p>
         </p:txBody>
@@ -5006,7 +10225,7 @@
     </p:spTree>
     <p:extLst>
       <p:ext uri="{BB962C8B-B14F-4D97-AF65-F5344CB8AC3E}">
-        <p14:creationId xmlns:p14="http://schemas.microsoft.com/office/powerpoint/2010/main" val="440967069"/>
+        <p14:creationId xmlns:p14="http://schemas.microsoft.com/office/powerpoint/2010/main" val="3152185304"/>
       </p:ext>
     </p:extLst>
   </p:cSld>
